--- a/Lesson_3-4/Transformadas_Laplace_Z.pptx
+++ b/Lesson_3-4/Transformadas_Laplace_Z.pptx
@@ -19,20 +19,20 @@
     <p:sldId id="293" r:id="rId10"/>
     <p:sldId id="296" r:id="rId11"/>
     <p:sldId id="297" r:id="rId12"/>
-    <p:sldId id="279" r:id="rId13"/>
-    <p:sldId id="280" r:id="rId14"/>
-    <p:sldId id="287" r:id="rId15"/>
-    <p:sldId id="283" r:id="rId16"/>
-    <p:sldId id="294" r:id="rId17"/>
-    <p:sldId id="286" r:id="rId18"/>
-    <p:sldId id="295" r:id="rId19"/>
-    <p:sldId id="288" r:id="rId20"/>
-    <p:sldId id="289" r:id="rId21"/>
-    <p:sldId id="290" r:id="rId22"/>
-    <p:sldId id="291" r:id="rId23"/>
-    <p:sldId id="284" r:id="rId24"/>
-    <p:sldId id="292" r:id="rId25"/>
-    <p:sldId id="285" r:id="rId26"/>
+    <p:sldId id="298" r:id="rId13"/>
+    <p:sldId id="299" r:id="rId14"/>
+    <p:sldId id="279" r:id="rId15"/>
+    <p:sldId id="280" r:id="rId16"/>
+    <p:sldId id="287" r:id="rId17"/>
+    <p:sldId id="283" r:id="rId18"/>
+    <p:sldId id="294" r:id="rId19"/>
+    <p:sldId id="286" r:id="rId20"/>
+    <p:sldId id="295" r:id="rId21"/>
+    <p:sldId id="288" r:id="rId22"/>
+    <p:sldId id="289" r:id="rId23"/>
+    <p:sldId id="290" r:id="rId24"/>
+    <p:sldId id="291" r:id="rId25"/>
+    <p:sldId id="284" r:id="rId26"/>
   </p:sldIdLst>
   <p:sldSz cx="9144000" cy="6858000" type="letter"/>
   <p:notesSz cx="6858000" cy="9144000"/>
@@ -144,6 +144,8 @@
             <p14:sldId id="293"/>
             <p14:sldId id="296"/>
             <p14:sldId id="297"/>
+            <p14:sldId id="298"/>
+            <p14:sldId id="299"/>
             <p14:sldId id="279"/>
             <p14:sldId id="280"/>
             <p14:sldId id="287"/>
@@ -156,8 +158,6 @@
             <p14:sldId id="290"/>
             <p14:sldId id="291"/>
             <p14:sldId id="284"/>
-            <p14:sldId id="292"/>
-            <p14:sldId id="285"/>
           </p14:sldIdLst>
         </p14:section>
       </p14:sectionLst>
@@ -197,7 +197,7 @@
 <file path=ppt/revisionInfo.xml><?xml version="1.0" encoding="utf-8"?>
 <p1510:revInfo xmlns:a="http://schemas.openxmlformats.org/drawingml/2006/main" xmlns:r="http://schemas.openxmlformats.org/officeDocument/2006/relationships" xmlns:p1510="http://schemas.microsoft.com/office/powerpoint/2015/10/main">
   <p1510:revLst>
-    <p1510:client id="{FE57EBB9-7AE9-4756-9485-EE2269EC4231}" v="68" dt="2025-08-22T17:09:05.866"/>
+    <p1510:client id="{FE57EBB9-7AE9-4756-9485-EE2269EC4231}" v="155" dt="2025-08-22T17:18:30.343"/>
   </p1510:revLst>
 </p1510:revInfo>
 </file>
@@ -677,7 +677,7 @@
   <pc:docChgLst>
     <pc:chgData name="JHEYSON FABIAN VILLAVISAN BUITRAGO" userId="e5ced5c2-d787-455d-b115-4f08a699b8c8" providerId="ADAL" clId="{FE57EBB9-7AE9-4756-9485-EE2269EC4231}"/>
     <pc:docChg chg="custSel addSld delSld modSld modSection">
-      <pc:chgData name="JHEYSON FABIAN VILLAVISAN BUITRAGO" userId="e5ced5c2-d787-455d-b115-4f08a699b8c8" providerId="ADAL" clId="{FE57EBB9-7AE9-4756-9485-EE2269EC4231}" dt="2025-08-22T17:09:35.710" v="94" actId="20577"/>
+      <pc:chgData name="JHEYSON FABIAN VILLAVISAN BUITRAGO" userId="e5ced5c2-d787-455d-b115-4f08a699b8c8" providerId="ADAL" clId="{FE57EBB9-7AE9-4756-9485-EE2269EC4231}" dt="2025-08-22T17:25:29.623" v="290" actId="47"/>
       <pc:docMkLst>
         <pc:docMk/>
       </pc:docMkLst>
@@ -818,8 +818,8 @@
           </ac:spMkLst>
         </pc:spChg>
       </pc:sldChg>
-      <pc:sldChg chg="modSp">
-        <pc:chgData name="JHEYSON FABIAN VILLAVISAN BUITRAGO" userId="e5ced5c2-d787-455d-b115-4f08a699b8c8" providerId="ADAL" clId="{FE57EBB9-7AE9-4756-9485-EE2269EC4231}" dt="2025-08-22T17:05:00.399" v="17"/>
+      <pc:sldChg chg="modSp mod">
+        <pc:chgData name="JHEYSON FABIAN VILLAVISAN BUITRAGO" userId="e5ced5c2-d787-455d-b115-4f08a699b8c8" providerId="ADAL" clId="{FE57EBB9-7AE9-4756-9485-EE2269EC4231}" dt="2025-08-22T17:23:31.498" v="253" actId="20577"/>
         <pc:sldMkLst>
           <pc:docMk/>
           <pc:sldMk cId="1894837781" sldId="279"/>
@@ -832,9 +832,17 @@
             <ac:spMk id="5" creationId="{AD83FA30-4A3C-43B8-17CD-C08519129156}"/>
           </ac:spMkLst>
         </pc:spChg>
+        <pc:spChg chg="mod">
+          <ac:chgData name="JHEYSON FABIAN VILLAVISAN BUITRAGO" userId="e5ced5c2-d787-455d-b115-4f08a699b8c8" providerId="ADAL" clId="{FE57EBB9-7AE9-4756-9485-EE2269EC4231}" dt="2025-08-22T17:23:31.498" v="253" actId="20577"/>
+          <ac:spMkLst>
+            <pc:docMk/>
+            <pc:sldMk cId="1894837781" sldId="279"/>
+            <ac:spMk id="10" creationId="{AF4E183E-A171-4923-A99E-D149888CEC37}"/>
+          </ac:spMkLst>
+        </pc:spChg>
       </pc:sldChg>
-      <pc:sldChg chg="modSp">
-        <pc:chgData name="JHEYSON FABIAN VILLAVISAN BUITRAGO" userId="e5ced5c2-d787-455d-b115-4f08a699b8c8" providerId="ADAL" clId="{FE57EBB9-7AE9-4756-9485-EE2269EC4231}" dt="2025-08-22T17:05:01.847" v="18"/>
+      <pc:sldChg chg="modSp mod">
+        <pc:chgData name="JHEYSON FABIAN VILLAVISAN BUITRAGO" userId="e5ced5c2-d787-455d-b115-4f08a699b8c8" providerId="ADAL" clId="{FE57EBB9-7AE9-4756-9485-EE2269EC4231}" dt="2025-08-22T17:23:36.591" v="255" actId="20577"/>
         <pc:sldMkLst>
           <pc:docMk/>
           <pc:sldMk cId="1064503744" sldId="280"/>
@@ -847,9 +855,17 @@
             <ac:spMk id="5" creationId="{AD83FA30-4A3C-43B8-17CD-C08519129156}"/>
           </ac:spMkLst>
         </pc:spChg>
+        <pc:spChg chg="mod">
+          <ac:chgData name="JHEYSON FABIAN VILLAVISAN BUITRAGO" userId="e5ced5c2-d787-455d-b115-4f08a699b8c8" providerId="ADAL" clId="{FE57EBB9-7AE9-4756-9485-EE2269EC4231}" dt="2025-08-22T17:23:36.591" v="255" actId="20577"/>
+          <ac:spMkLst>
+            <pc:docMk/>
+            <pc:sldMk cId="1064503744" sldId="280"/>
+            <ac:spMk id="10" creationId="{AF4E183E-A171-4923-A99E-D149888CEC37}"/>
+          </ac:spMkLst>
+        </pc:spChg>
       </pc:sldChg>
-      <pc:sldChg chg="modSp">
-        <pc:chgData name="JHEYSON FABIAN VILLAVISAN BUITRAGO" userId="e5ced5c2-d787-455d-b115-4f08a699b8c8" providerId="ADAL" clId="{FE57EBB9-7AE9-4756-9485-EE2269EC4231}" dt="2025-08-22T17:05:10.713" v="22"/>
+      <pc:sldChg chg="modSp mod modNotesTx">
+        <pc:chgData name="JHEYSON FABIAN VILLAVISAN BUITRAGO" userId="e5ced5c2-d787-455d-b115-4f08a699b8c8" providerId="ADAL" clId="{FE57EBB9-7AE9-4756-9485-EE2269EC4231}" dt="2025-08-22T17:24:02.583" v="260" actId="20577"/>
         <pc:sldMkLst>
           <pc:docMk/>
           <pc:sldMk cId="600911693" sldId="283"/>
@@ -862,9 +878,17 @@
             <ac:spMk id="5" creationId="{AD83FA30-4A3C-43B8-17CD-C08519129156}"/>
           </ac:spMkLst>
         </pc:spChg>
+        <pc:spChg chg="mod">
+          <ac:chgData name="JHEYSON FABIAN VILLAVISAN BUITRAGO" userId="e5ced5c2-d787-455d-b115-4f08a699b8c8" providerId="ADAL" clId="{FE57EBB9-7AE9-4756-9485-EE2269EC4231}" dt="2025-08-22T17:23:52.255" v="259" actId="20577"/>
+          <ac:spMkLst>
+            <pc:docMk/>
+            <pc:sldMk cId="600911693" sldId="283"/>
+            <ac:spMk id="10" creationId="{AF4E183E-A171-4923-A99E-D149888CEC37}"/>
+          </ac:spMkLst>
+        </pc:spChg>
       </pc:sldChg>
-      <pc:sldChg chg="modSp">
-        <pc:chgData name="JHEYSON FABIAN VILLAVISAN BUITRAGO" userId="e5ced5c2-d787-455d-b115-4f08a699b8c8" providerId="ADAL" clId="{FE57EBB9-7AE9-4756-9485-EE2269EC4231}" dt="2025-08-22T17:05:42.028" v="34"/>
+      <pc:sldChg chg="modSp mod">
+        <pc:chgData name="JHEYSON FABIAN VILLAVISAN BUITRAGO" userId="e5ced5c2-d787-455d-b115-4f08a699b8c8" providerId="ADAL" clId="{FE57EBB9-7AE9-4756-9485-EE2269EC4231}" dt="2025-08-22T17:25:23.244" v="288" actId="20577"/>
         <pc:sldMkLst>
           <pc:docMk/>
           <pc:sldMk cId="1698574024" sldId="284"/>
@@ -877,9 +901,24 @@
             <ac:spMk id="5" creationId="{AD83FA30-4A3C-43B8-17CD-C08519129156}"/>
           </ac:spMkLst>
         </pc:spChg>
+        <pc:spChg chg="mod">
+          <ac:chgData name="JHEYSON FABIAN VILLAVISAN BUITRAGO" userId="e5ced5c2-d787-455d-b115-4f08a699b8c8" providerId="ADAL" clId="{FE57EBB9-7AE9-4756-9485-EE2269EC4231}" dt="2025-08-22T17:25:23.244" v="288" actId="20577"/>
+          <ac:spMkLst>
+            <pc:docMk/>
+            <pc:sldMk cId="1698574024" sldId="284"/>
+            <ac:spMk id="10" creationId="{AF4E183E-A171-4923-A99E-D149888CEC37}"/>
+          </ac:spMkLst>
+        </pc:spChg>
       </pc:sldChg>
-      <pc:sldChg chg="modSp">
-        <pc:chgData name="JHEYSON FABIAN VILLAVISAN BUITRAGO" userId="e5ced5c2-d787-455d-b115-4f08a699b8c8" providerId="ADAL" clId="{FE57EBB9-7AE9-4756-9485-EE2269EC4231}" dt="2025-08-22T17:05:24.371" v="28"/>
+      <pc:sldChg chg="del">
+        <pc:chgData name="JHEYSON FABIAN VILLAVISAN BUITRAGO" userId="e5ced5c2-d787-455d-b115-4f08a699b8c8" providerId="ADAL" clId="{FE57EBB9-7AE9-4756-9485-EE2269EC4231}" dt="2025-08-22T17:25:29.623" v="290" actId="47"/>
+        <pc:sldMkLst>
+          <pc:docMk/>
+          <pc:sldMk cId="1499167107" sldId="285"/>
+        </pc:sldMkLst>
+      </pc:sldChg>
+      <pc:sldChg chg="modSp mod">
+        <pc:chgData name="JHEYSON FABIAN VILLAVISAN BUITRAGO" userId="e5ced5c2-d787-455d-b115-4f08a699b8c8" providerId="ADAL" clId="{FE57EBB9-7AE9-4756-9485-EE2269EC4231}" dt="2025-08-22T17:24:51.280" v="268" actId="20577"/>
         <pc:sldMkLst>
           <pc:docMk/>
           <pc:sldMk cId="1001278451" sldId="286"/>
@@ -892,9 +931,17 @@
             <ac:spMk id="5" creationId="{AD83FA30-4A3C-43B8-17CD-C08519129156}"/>
           </ac:spMkLst>
         </pc:spChg>
+        <pc:spChg chg="mod">
+          <ac:chgData name="JHEYSON FABIAN VILLAVISAN BUITRAGO" userId="e5ced5c2-d787-455d-b115-4f08a699b8c8" providerId="ADAL" clId="{FE57EBB9-7AE9-4756-9485-EE2269EC4231}" dt="2025-08-22T17:24:51.280" v="268" actId="20577"/>
+          <ac:spMkLst>
+            <pc:docMk/>
+            <pc:sldMk cId="1001278451" sldId="286"/>
+            <ac:spMk id="10" creationId="{AF4E183E-A171-4923-A99E-D149888CEC37}"/>
+          </ac:spMkLst>
+        </pc:spChg>
       </pc:sldChg>
-      <pc:sldChg chg="modSp">
-        <pc:chgData name="JHEYSON FABIAN VILLAVISAN BUITRAGO" userId="e5ced5c2-d787-455d-b115-4f08a699b8c8" providerId="ADAL" clId="{FE57EBB9-7AE9-4756-9485-EE2269EC4231}" dt="2025-08-22T17:05:03.372" v="19"/>
+      <pc:sldChg chg="modSp mod modNotesTx">
+        <pc:chgData name="JHEYSON FABIAN VILLAVISAN BUITRAGO" userId="e5ced5c2-d787-455d-b115-4f08a699b8c8" providerId="ADAL" clId="{FE57EBB9-7AE9-4756-9485-EE2269EC4231}" dt="2025-08-22T17:24:12.648" v="261" actId="20577"/>
         <pc:sldMkLst>
           <pc:docMk/>
           <pc:sldMk cId="185654624" sldId="287"/>
@@ -907,9 +954,17 @@
             <ac:spMk id="5" creationId="{AD83FA30-4A3C-43B8-17CD-C08519129156}"/>
           </ac:spMkLst>
         </pc:spChg>
+        <pc:spChg chg="mod">
+          <ac:chgData name="JHEYSON FABIAN VILLAVISAN BUITRAGO" userId="e5ced5c2-d787-455d-b115-4f08a699b8c8" providerId="ADAL" clId="{FE57EBB9-7AE9-4756-9485-EE2269EC4231}" dt="2025-08-22T17:23:48.444" v="257" actId="20577"/>
+          <ac:spMkLst>
+            <pc:docMk/>
+            <pc:sldMk cId="185654624" sldId="287"/>
+            <ac:spMk id="10" creationId="{AF4E183E-A171-4923-A99E-D149888CEC37}"/>
+          </ac:spMkLst>
+        </pc:spChg>
       </pc:sldChg>
-      <pc:sldChg chg="modSp">
-        <pc:chgData name="JHEYSON FABIAN VILLAVISAN BUITRAGO" userId="e5ced5c2-d787-455d-b115-4f08a699b8c8" providerId="ADAL" clId="{FE57EBB9-7AE9-4756-9485-EE2269EC4231}" dt="2025-08-22T17:05:31.353" v="30"/>
+      <pc:sldChg chg="modSp mod modNotesTx">
+        <pc:chgData name="JHEYSON FABIAN VILLAVISAN BUITRAGO" userId="e5ced5c2-d787-455d-b115-4f08a699b8c8" providerId="ADAL" clId="{FE57EBB9-7AE9-4756-9485-EE2269EC4231}" dt="2025-08-22T17:25:01.546" v="276" actId="20577"/>
         <pc:sldMkLst>
           <pc:docMk/>
           <pc:sldMk cId="1693476339" sldId="288"/>
@@ -922,9 +977,17 @@
             <ac:spMk id="5" creationId="{AD83FA30-4A3C-43B8-17CD-C08519129156}"/>
           </ac:spMkLst>
         </pc:spChg>
+        <pc:spChg chg="mod">
+          <ac:chgData name="JHEYSON FABIAN VILLAVISAN BUITRAGO" userId="e5ced5c2-d787-455d-b115-4f08a699b8c8" providerId="ADAL" clId="{FE57EBB9-7AE9-4756-9485-EE2269EC4231}" dt="2025-08-22T17:25:01.546" v="276" actId="20577"/>
+          <ac:spMkLst>
+            <pc:docMk/>
+            <pc:sldMk cId="1693476339" sldId="288"/>
+            <ac:spMk id="10" creationId="{AF4E183E-A171-4923-A99E-D149888CEC37}"/>
+          </ac:spMkLst>
+        </pc:spChg>
       </pc:sldChg>
-      <pc:sldChg chg="modSp">
-        <pc:chgData name="JHEYSON FABIAN VILLAVISAN BUITRAGO" userId="e5ced5c2-d787-455d-b115-4f08a699b8c8" providerId="ADAL" clId="{FE57EBB9-7AE9-4756-9485-EE2269EC4231}" dt="2025-08-22T17:05:34.430" v="31"/>
+      <pc:sldChg chg="modSp mod">
+        <pc:chgData name="JHEYSON FABIAN VILLAVISAN BUITRAGO" userId="e5ced5c2-d787-455d-b115-4f08a699b8c8" providerId="ADAL" clId="{FE57EBB9-7AE9-4756-9485-EE2269EC4231}" dt="2025-08-22T17:25:05.064" v="278" actId="20577"/>
         <pc:sldMkLst>
           <pc:docMk/>
           <pc:sldMk cId="2984553591" sldId="289"/>
@@ -937,9 +1000,17 @@
             <ac:spMk id="5" creationId="{AD83FA30-4A3C-43B8-17CD-C08519129156}"/>
           </ac:spMkLst>
         </pc:spChg>
+        <pc:spChg chg="mod">
+          <ac:chgData name="JHEYSON FABIAN VILLAVISAN BUITRAGO" userId="e5ced5c2-d787-455d-b115-4f08a699b8c8" providerId="ADAL" clId="{FE57EBB9-7AE9-4756-9485-EE2269EC4231}" dt="2025-08-22T17:25:05.064" v="278" actId="20577"/>
+          <ac:spMkLst>
+            <pc:docMk/>
+            <pc:sldMk cId="2984553591" sldId="289"/>
+            <ac:spMk id="10" creationId="{AF4E183E-A171-4923-A99E-D149888CEC37}"/>
+          </ac:spMkLst>
+        </pc:spChg>
       </pc:sldChg>
-      <pc:sldChg chg="modSp">
-        <pc:chgData name="JHEYSON FABIAN VILLAVISAN BUITRAGO" userId="e5ced5c2-d787-455d-b115-4f08a699b8c8" providerId="ADAL" clId="{FE57EBB9-7AE9-4756-9485-EE2269EC4231}" dt="2025-08-22T17:05:37.114" v="32"/>
+      <pc:sldChg chg="modSp mod">
+        <pc:chgData name="JHEYSON FABIAN VILLAVISAN BUITRAGO" userId="e5ced5c2-d787-455d-b115-4f08a699b8c8" providerId="ADAL" clId="{FE57EBB9-7AE9-4756-9485-EE2269EC4231}" dt="2025-08-22T17:25:08.401" v="280" actId="20577"/>
         <pc:sldMkLst>
           <pc:docMk/>
           <pc:sldMk cId="407945755" sldId="290"/>
@@ -952,9 +1023,17 @@
             <ac:spMk id="5" creationId="{AD83FA30-4A3C-43B8-17CD-C08519129156}"/>
           </ac:spMkLst>
         </pc:spChg>
+        <pc:spChg chg="mod">
+          <ac:chgData name="JHEYSON FABIAN VILLAVISAN BUITRAGO" userId="e5ced5c2-d787-455d-b115-4f08a699b8c8" providerId="ADAL" clId="{FE57EBB9-7AE9-4756-9485-EE2269EC4231}" dt="2025-08-22T17:25:08.401" v="280" actId="20577"/>
+          <ac:spMkLst>
+            <pc:docMk/>
+            <pc:sldMk cId="407945755" sldId="290"/>
+            <ac:spMk id="10" creationId="{AF4E183E-A171-4923-A99E-D149888CEC37}"/>
+          </ac:spMkLst>
+        </pc:spChg>
       </pc:sldChg>
-      <pc:sldChg chg="modSp">
-        <pc:chgData name="JHEYSON FABIAN VILLAVISAN BUITRAGO" userId="e5ced5c2-d787-455d-b115-4f08a699b8c8" providerId="ADAL" clId="{FE57EBB9-7AE9-4756-9485-EE2269EC4231}" dt="2025-08-22T17:05:39.332" v="33"/>
+      <pc:sldChg chg="modSp mod modNotesTx">
+        <pc:chgData name="JHEYSON FABIAN VILLAVISAN BUITRAGO" userId="e5ced5c2-d787-455d-b115-4f08a699b8c8" providerId="ADAL" clId="{FE57EBB9-7AE9-4756-9485-EE2269EC4231}" dt="2025-08-22T17:25:19.352" v="286" actId="20577"/>
         <pc:sldMkLst>
           <pc:docMk/>
           <pc:sldMk cId="1362307742" sldId="291"/>
@@ -967,9 +1046,17 @@
             <ac:spMk id="5" creationId="{AD83FA30-4A3C-43B8-17CD-C08519129156}"/>
           </ac:spMkLst>
         </pc:spChg>
+        <pc:spChg chg="mod">
+          <ac:chgData name="JHEYSON FABIAN VILLAVISAN BUITRAGO" userId="e5ced5c2-d787-455d-b115-4f08a699b8c8" providerId="ADAL" clId="{FE57EBB9-7AE9-4756-9485-EE2269EC4231}" dt="2025-08-22T17:25:19.352" v="286" actId="20577"/>
+          <ac:spMkLst>
+            <pc:docMk/>
+            <pc:sldMk cId="1362307742" sldId="291"/>
+            <ac:spMk id="10" creationId="{AF4E183E-A171-4923-A99E-D149888CEC37}"/>
+          </ac:spMkLst>
+        </pc:spChg>
       </pc:sldChg>
-      <pc:sldChg chg="modSp">
-        <pc:chgData name="JHEYSON FABIAN VILLAVISAN BUITRAGO" userId="e5ced5c2-d787-455d-b115-4f08a699b8c8" providerId="ADAL" clId="{FE57EBB9-7AE9-4756-9485-EE2269EC4231}" dt="2025-08-22T17:05:47.219" v="36"/>
+      <pc:sldChg chg="modSp del modNotesTx">
+        <pc:chgData name="JHEYSON FABIAN VILLAVISAN BUITRAGO" userId="e5ced5c2-d787-455d-b115-4f08a699b8c8" providerId="ADAL" clId="{FE57EBB9-7AE9-4756-9485-EE2269EC4231}" dt="2025-08-22T17:25:27.866" v="289" actId="47"/>
         <pc:sldMkLst>
           <pc:docMk/>
           <pc:sldMk cId="1411283449" sldId="292"/>
@@ -1015,7 +1102,7 @@
         </pc:spChg>
       </pc:sldChg>
       <pc:sldChg chg="modSp mod">
-        <pc:chgData name="JHEYSON FABIAN VILLAVISAN BUITRAGO" userId="e5ced5c2-d787-455d-b115-4f08a699b8c8" providerId="ADAL" clId="{FE57EBB9-7AE9-4756-9485-EE2269EC4231}" dt="2025-08-22T17:05:20.001" v="27"/>
+        <pc:chgData name="JHEYSON FABIAN VILLAVISAN BUITRAGO" userId="e5ced5c2-d787-455d-b115-4f08a699b8c8" providerId="ADAL" clId="{FE57EBB9-7AE9-4756-9485-EE2269EC4231}" dt="2025-08-22T17:24:46.513" v="266" actId="20577"/>
         <pc:sldMkLst>
           <pc:docMk/>
           <pc:sldMk cId="2466407268" sldId="294"/>
@@ -1028,9 +1115,17 @@
             <ac:spMk id="5" creationId="{AD83FA30-4A3C-43B8-17CD-C08519129156}"/>
           </ac:spMkLst>
         </pc:spChg>
+        <pc:spChg chg="mod">
+          <ac:chgData name="JHEYSON FABIAN VILLAVISAN BUITRAGO" userId="e5ced5c2-d787-455d-b115-4f08a699b8c8" providerId="ADAL" clId="{FE57EBB9-7AE9-4756-9485-EE2269EC4231}" dt="2025-08-22T17:24:46.513" v="266" actId="20577"/>
+          <ac:spMkLst>
+            <pc:docMk/>
+            <pc:sldMk cId="2466407268" sldId="294"/>
+            <ac:spMk id="10" creationId="{AF4E183E-A171-4923-A99E-D149888CEC37}"/>
+          </ac:spMkLst>
+        </pc:spChg>
       </pc:sldChg>
-      <pc:sldChg chg="modSp">
-        <pc:chgData name="JHEYSON FABIAN VILLAVISAN BUITRAGO" userId="e5ced5c2-d787-455d-b115-4f08a699b8c8" providerId="ADAL" clId="{FE57EBB9-7AE9-4756-9485-EE2269EC4231}" dt="2025-08-22T17:05:26.514" v="29"/>
+      <pc:sldChg chg="modSp mod">
+        <pc:chgData name="JHEYSON FABIAN VILLAVISAN BUITRAGO" userId="e5ced5c2-d787-455d-b115-4f08a699b8c8" providerId="ADAL" clId="{FE57EBB9-7AE9-4756-9485-EE2269EC4231}" dt="2025-08-22T17:24:57.122" v="274" actId="20577"/>
         <pc:sldMkLst>
           <pc:docMk/>
           <pc:sldMk cId="2113326980" sldId="295"/>
@@ -1041,6 +1136,14 @@
             <pc:docMk/>
             <pc:sldMk cId="2113326980" sldId="295"/>
             <ac:spMk id="5" creationId="{AD83FA30-4A3C-43B8-17CD-C08519129156}"/>
+          </ac:spMkLst>
+        </pc:spChg>
+        <pc:spChg chg="mod">
+          <ac:chgData name="JHEYSON FABIAN VILLAVISAN BUITRAGO" userId="e5ced5c2-d787-455d-b115-4f08a699b8c8" providerId="ADAL" clId="{FE57EBB9-7AE9-4756-9485-EE2269EC4231}" dt="2025-08-22T17:24:57.122" v="274" actId="20577"/>
+          <ac:spMkLst>
+            <pc:docMk/>
+            <pc:sldMk cId="2113326980" sldId="295"/>
+            <ac:spMk id="10" creationId="{AF4E183E-A171-4923-A99E-D149888CEC37}"/>
           </ac:spMkLst>
         </pc:spChg>
       </pc:sldChg>
@@ -1097,6 +1200,180 @@
             <ac:spMk id="10" creationId="{AE499A77-7CC6-C43A-1CF2-3568E42CB478}"/>
           </ac:spMkLst>
         </pc:spChg>
+      </pc:sldChg>
+      <pc:sldChg chg="addSp delSp modSp add mod">
+        <pc:chgData name="JHEYSON FABIAN VILLAVISAN BUITRAGO" userId="e5ced5c2-d787-455d-b115-4f08a699b8c8" providerId="ADAL" clId="{FE57EBB9-7AE9-4756-9485-EE2269EC4231}" dt="2025-08-22T17:18:51.233" v="241" actId="1076"/>
+        <pc:sldMkLst>
+          <pc:docMk/>
+          <pc:sldMk cId="3615389890" sldId="298"/>
+        </pc:sldMkLst>
+        <pc:spChg chg="mod">
+          <ac:chgData name="JHEYSON FABIAN VILLAVISAN BUITRAGO" userId="e5ced5c2-d787-455d-b115-4f08a699b8c8" providerId="ADAL" clId="{FE57EBB9-7AE9-4756-9485-EE2269EC4231}" dt="2025-08-22T17:16:03.706" v="143" actId="20577"/>
+          <ac:spMkLst>
+            <pc:docMk/>
+            <pc:sldMk cId="3615389890" sldId="298"/>
+            <ac:spMk id="2" creationId="{AC89ABE0-9A19-5CC5-4B61-879F54886C66}"/>
+          </ac:spMkLst>
+        </pc:spChg>
+        <pc:spChg chg="add mod">
+          <ac:chgData name="JHEYSON FABIAN VILLAVISAN BUITRAGO" userId="e5ced5c2-d787-455d-b115-4f08a699b8c8" providerId="ADAL" clId="{FE57EBB9-7AE9-4756-9485-EE2269EC4231}" dt="2025-08-22T17:17:13.034" v="170" actId="1076"/>
+          <ac:spMkLst>
+            <pc:docMk/>
+            <pc:sldMk cId="3615389890" sldId="298"/>
+            <ac:spMk id="3" creationId="{D4950FB6-6E65-6679-F576-6041F9E1FFFC}"/>
+          </ac:spMkLst>
+        </pc:spChg>
+        <pc:spChg chg="del">
+          <ac:chgData name="JHEYSON FABIAN VILLAVISAN BUITRAGO" userId="e5ced5c2-d787-455d-b115-4f08a699b8c8" providerId="ADAL" clId="{FE57EBB9-7AE9-4756-9485-EE2269EC4231}" dt="2025-08-22T17:16:07.908" v="145" actId="478"/>
+          <ac:spMkLst>
+            <pc:docMk/>
+            <pc:sldMk cId="3615389890" sldId="298"/>
+            <ac:spMk id="4" creationId="{4D6800EE-58CA-D835-5604-0D9B9E83EAC2}"/>
+          </ac:spMkLst>
+        </pc:spChg>
+        <pc:spChg chg="del">
+          <ac:chgData name="JHEYSON FABIAN VILLAVISAN BUITRAGO" userId="e5ced5c2-d787-455d-b115-4f08a699b8c8" providerId="ADAL" clId="{FE57EBB9-7AE9-4756-9485-EE2269EC4231}" dt="2025-08-22T17:16:07.908" v="145" actId="478"/>
+          <ac:spMkLst>
+            <pc:docMk/>
+            <pc:sldMk cId="3615389890" sldId="298"/>
+            <ac:spMk id="6" creationId="{D059A517-59DA-BB2F-CED9-77D76DBDD2F1}"/>
+          </ac:spMkLst>
+        </pc:spChg>
+        <pc:spChg chg="del">
+          <ac:chgData name="JHEYSON FABIAN VILLAVISAN BUITRAGO" userId="e5ced5c2-d787-455d-b115-4f08a699b8c8" providerId="ADAL" clId="{FE57EBB9-7AE9-4756-9485-EE2269EC4231}" dt="2025-08-22T17:16:08.601" v="146" actId="478"/>
+          <ac:spMkLst>
+            <pc:docMk/>
+            <pc:sldMk cId="3615389890" sldId="298"/>
+            <ac:spMk id="7" creationId="{5BFA33A6-0F60-4B09-7022-AD6251CF4589}"/>
+          </ac:spMkLst>
+        </pc:spChg>
+        <pc:spChg chg="del">
+          <ac:chgData name="JHEYSON FABIAN VILLAVISAN BUITRAGO" userId="e5ced5c2-d787-455d-b115-4f08a699b8c8" providerId="ADAL" clId="{FE57EBB9-7AE9-4756-9485-EE2269EC4231}" dt="2025-08-22T17:16:06.657" v="144" actId="478"/>
+          <ac:spMkLst>
+            <pc:docMk/>
+            <pc:sldMk cId="3615389890" sldId="298"/>
+            <ac:spMk id="8" creationId="{75C4688C-D20F-E79E-5913-AA639F3C66FE}"/>
+          </ac:spMkLst>
+        </pc:spChg>
+        <pc:spChg chg="del">
+          <ac:chgData name="JHEYSON FABIAN VILLAVISAN BUITRAGO" userId="e5ced5c2-d787-455d-b115-4f08a699b8c8" providerId="ADAL" clId="{FE57EBB9-7AE9-4756-9485-EE2269EC4231}" dt="2025-08-22T17:16:09.543" v="147" actId="478"/>
+          <ac:spMkLst>
+            <pc:docMk/>
+            <pc:sldMk cId="3615389890" sldId="298"/>
+            <ac:spMk id="9" creationId="{F5F24F45-0944-E5A5-0F92-FD0477DE2378}"/>
+          </ac:spMkLst>
+        </pc:spChg>
+        <pc:spChg chg="mod">
+          <ac:chgData name="JHEYSON FABIAN VILLAVISAN BUITRAGO" userId="e5ced5c2-d787-455d-b115-4f08a699b8c8" providerId="ADAL" clId="{FE57EBB9-7AE9-4756-9485-EE2269EC4231}" dt="2025-08-22T17:15:49.226" v="97" actId="20577"/>
+          <ac:spMkLst>
+            <pc:docMk/>
+            <pc:sldMk cId="3615389890" sldId="298"/>
+            <ac:spMk id="10" creationId="{B44EC515-5B24-BF20-B898-CA81C5CA1C28}"/>
+          </ac:spMkLst>
+        </pc:spChg>
+        <pc:spChg chg="add mod">
+          <ac:chgData name="JHEYSON FABIAN VILLAVISAN BUITRAGO" userId="e5ced5c2-d787-455d-b115-4f08a699b8c8" providerId="ADAL" clId="{FE57EBB9-7AE9-4756-9485-EE2269EC4231}" dt="2025-08-22T17:17:45" v="199" actId="1076"/>
+          <ac:spMkLst>
+            <pc:docMk/>
+            <pc:sldMk cId="3615389890" sldId="298"/>
+            <ac:spMk id="11" creationId="{8446D89A-21BE-FE60-F47D-FA38A1FE58E0}"/>
+          </ac:spMkLst>
+        </pc:spChg>
+        <pc:spChg chg="add mod">
+          <ac:chgData name="JHEYSON FABIAN VILLAVISAN BUITRAGO" userId="e5ced5c2-d787-455d-b115-4f08a699b8c8" providerId="ADAL" clId="{FE57EBB9-7AE9-4756-9485-EE2269EC4231}" dt="2025-08-22T17:18:26.907" v="237" actId="20577"/>
+          <ac:spMkLst>
+            <pc:docMk/>
+            <pc:sldMk cId="3615389890" sldId="298"/>
+            <ac:spMk id="12" creationId="{AEAE2412-C353-992D-38D7-F64FE64F9F45}"/>
+          </ac:spMkLst>
+        </pc:spChg>
+        <pc:spChg chg="add del mod">
+          <ac:chgData name="JHEYSON FABIAN VILLAVISAN BUITRAGO" userId="e5ced5c2-d787-455d-b115-4f08a699b8c8" providerId="ADAL" clId="{FE57EBB9-7AE9-4756-9485-EE2269EC4231}" dt="2025-08-22T17:18:36.246" v="239" actId="478"/>
+          <ac:spMkLst>
+            <pc:docMk/>
+            <pc:sldMk cId="3615389890" sldId="298"/>
+            <ac:spMk id="13" creationId="{08E777F8-F56E-55BB-96E5-614783E33883}"/>
+          </ac:spMkLst>
+        </pc:spChg>
+        <pc:picChg chg="add mod">
+          <ac:chgData name="JHEYSON FABIAN VILLAVISAN BUITRAGO" userId="e5ced5c2-d787-455d-b115-4f08a699b8c8" providerId="ADAL" clId="{FE57EBB9-7AE9-4756-9485-EE2269EC4231}" dt="2025-08-22T17:18:51.233" v="241" actId="1076"/>
+          <ac:picMkLst>
+            <pc:docMk/>
+            <pc:sldMk cId="3615389890" sldId="298"/>
+            <ac:picMk id="16" creationId="{01A7CA1A-8623-7A6A-080F-CFC68FF7F3BA}"/>
+          </ac:picMkLst>
+        </pc:picChg>
+      </pc:sldChg>
+      <pc:sldChg chg="addSp delSp modSp add mod">
+        <pc:chgData name="JHEYSON FABIAN VILLAVISAN BUITRAGO" userId="e5ced5c2-d787-455d-b115-4f08a699b8c8" providerId="ADAL" clId="{FE57EBB9-7AE9-4756-9485-EE2269EC4231}" dt="2025-08-22T17:21:32.800" v="251" actId="1076"/>
+        <pc:sldMkLst>
+          <pc:docMk/>
+          <pc:sldMk cId="3420418071" sldId="299"/>
+        </pc:sldMkLst>
+        <pc:spChg chg="del">
+          <ac:chgData name="JHEYSON FABIAN VILLAVISAN BUITRAGO" userId="e5ced5c2-d787-455d-b115-4f08a699b8c8" providerId="ADAL" clId="{FE57EBB9-7AE9-4756-9485-EE2269EC4231}" dt="2025-08-22T17:19:35.983" v="245" actId="478"/>
+          <ac:spMkLst>
+            <pc:docMk/>
+            <pc:sldMk cId="3420418071" sldId="299"/>
+            <ac:spMk id="3" creationId="{2023730F-8B28-0609-BF37-5F9A4FC91E3C}"/>
+          </ac:spMkLst>
+        </pc:spChg>
+        <pc:spChg chg="mod">
+          <ac:chgData name="JHEYSON FABIAN VILLAVISAN BUITRAGO" userId="e5ced5c2-d787-455d-b115-4f08a699b8c8" providerId="ADAL" clId="{FE57EBB9-7AE9-4756-9485-EE2269EC4231}" dt="2025-08-22T17:19:07.897" v="244" actId="20577"/>
+          <ac:spMkLst>
+            <pc:docMk/>
+            <pc:sldMk cId="3420418071" sldId="299"/>
+            <ac:spMk id="10" creationId="{81863EB9-70AC-94AC-9357-8D202F2E6281}"/>
+          </ac:spMkLst>
+        </pc:spChg>
+        <pc:spChg chg="del">
+          <ac:chgData name="JHEYSON FABIAN VILLAVISAN BUITRAGO" userId="e5ced5c2-d787-455d-b115-4f08a699b8c8" providerId="ADAL" clId="{FE57EBB9-7AE9-4756-9485-EE2269EC4231}" dt="2025-08-22T17:19:35.983" v="245" actId="478"/>
+          <ac:spMkLst>
+            <pc:docMk/>
+            <pc:sldMk cId="3420418071" sldId="299"/>
+            <ac:spMk id="11" creationId="{90A92DE5-7139-246F-80E2-7FD23079ADF2}"/>
+          </ac:spMkLst>
+        </pc:spChg>
+        <pc:spChg chg="del">
+          <ac:chgData name="JHEYSON FABIAN VILLAVISAN BUITRAGO" userId="e5ced5c2-d787-455d-b115-4f08a699b8c8" providerId="ADAL" clId="{FE57EBB9-7AE9-4756-9485-EE2269EC4231}" dt="2025-08-22T17:19:35.983" v="245" actId="478"/>
+          <ac:spMkLst>
+            <pc:docMk/>
+            <pc:sldMk cId="3420418071" sldId="299"/>
+            <ac:spMk id="12" creationId="{8483E756-6BCF-660B-172D-5A19430D76F0}"/>
+          </ac:spMkLst>
+        </pc:spChg>
+        <pc:picChg chg="add mod">
+          <ac:chgData name="JHEYSON FABIAN VILLAVISAN BUITRAGO" userId="e5ced5c2-d787-455d-b115-4f08a699b8c8" providerId="ADAL" clId="{FE57EBB9-7AE9-4756-9485-EE2269EC4231}" dt="2025-08-22T17:19:57.842" v="247" actId="1076"/>
+          <ac:picMkLst>
+            <pc:docMk/>
+            <pc:sldMk cId="3420418071" sldId="299"/>
+            <ac:picMk id="6" creationId="{87664AC0-8B17-47EA-E51F-71E1EC2A5007}"/>
+          </ac:picMkLst>
+        </pc:picChg>
+        <pc:picChg chg="add mod">
+          <ac:chgData name="JHEYSON FABIAN VILLAVISAN BUITRAGO" userId="e5ced5c2-d787-455d-b115-4f08a699b8c8" providerId="ADAL" clId="{FE57EBB9-7AE9-4756-9485-EE2269EC4231}" dt="2025-08-22T17:20:09.462" v="249" actId="1076"/>
+          <ac:picMkLst>
+            <pc:docMk/>
+            <pc:sldMk cId="3420418071" sldId="299"/>
+            <ac:picMk id="8" creationId="{1750422D-1A2A-2C1D-AF12-EA69A381DE49}"/>
+          </ac:picMkLst>
+        </pc:picChg>
+        <pc:picChg chg="add mod">
+          <ac:chgData name="JHEYSON FABIAN VILLAVISAN BUITRAGO" userId="e5ced5c2-d787-455d-b115-4f08a699b8c8" providerId="ADAL" clId="{FE57EBB9-7AE9-4756-9485-EE2269EC4231}" dt="2025-08-22T17:21:32.800" v="251" actId="1076"/>
+          <ac:picMkLst>
+            <pc:docMk/>
+            <pc:sldMk cId="3420418071" sldId="299"/>
+            <ac:picMk id="13" creationId="{D1A9096A-B2DC-DFE3-D1F2-DF914EE01AB7}"/>
+          </ac:picMkLst>
+        </pc:picChg>
+        <pc:picChg chg="del">
+          <ac:chgData name="JHEYSON FABIAN VILLAVISAN BUITRAGO" userId="e5ced5c2-d787-455d-b115-4f08a699b8c8" providerId="ADAL" clId="{FE57EBB9-7AE9-4756-9485-EE2269EC4231}" dt="2025-08-22T17:19:35.983" v="245" actId="478"/>
+          <ac:picMkLst>
+            <pc:docMk/>
+            <pc:sldMk cId="3420418071" sldId="299"/>
+            <ac:picMk id="16" creationId="{F6595DAC-281A-9298-0B02-8458545BA011}"/>
+          </ac:picMkLst>
+        </pc:picChg>
       </pc:sldChg>
     </pc:docChg>
   </pc:docChgLst>
@@ -2524,439 +2801,19 @@
           </a:bodyPr>
           <a:lstStyle/>
           <a:p>
-            <a:r>
-              <a:rPr lang="es-ES" sz="1800" b="0" i="0">
-                <a:solidFill>
-                  <a:srgbClr val="008013"/>
-                </a:solidFill>
+            <a:br>
+              <a:rPr lang="es-ES" sz="1800" b="0" i="0" dirty="0">
                 <a:effectLst/>
                 <a:latin typeface="Menlo"/>
               </a:rPr>
-              <a:t>% Parámetros</a:t>
-            </a:r>
-            <a:endParaRPr lang="es-ES" sz="1800" b="0" i="0">
+            </a:br>
+            <a:endParaRPr lang="es-ES" sz="1800" b="0" i="0" dirty="0">
               <a:effectLst/>
               <a:latin typeface="Menlo"/>
             </a:endParaRPr>
           </a:p>
           <a:p>
-            <a:r>
-              <a:rPr lang="es-ES" sz="1800" b="0" i="0">
-                <a:effectLst/>
-                <a:latin typeface="Menlo"/>
-              </a:rPr>
-              <a:t>T = 1; </a:t>
-            </a:r>
-            <a:r>
-              <a:rPr lang="es-ES" sz="1800" b="0" i="0">
-                <a:solidFill>
-                  <a:srgbClr val="008013"/>
-                </a:solidFill>
-                <a:effectLst/>
-                <a:latin typeface="Menlo"/>
-              </a:rPr>
-              <a:t>% Intervalo de tiempo en segundos</a:t>
-            </a:r>
-            <a:endParaRPr lang="es-ES" sz="1800" b="0" i="0">
-              <a:effectLst/>
-              <a:latin typeface="Menlo"/>
-            </a:endParaRPr>
-          </a:p>
-          <a:p>
-            <a:r>
-              <a:rPr lang="es-ES" sz="1800" b="0" i="0">
-                <a:effectLst/>
-                <a:latin typeface="Menlo"/>
-              </a:rPr>
-              <a:t>n = -10:10; </a:t>
-            </a:r>
-            <a:r>
-              <a:rPr lang="es-ES" sz="1800" b="0" i="0">
-                <a:solidFill>
-                  <a:srgbClr val="008013"/>
-                </a:solidFill>
-                <a:effectLst/>
-                <a:latin typeface="Menlo"/>
-              </a:rPr>
-              <a:t>% Valores de n para la secuencia discreta</a:t>
-            </a:r>
-            <a:endParaRPr lang="es-ES" sz="1800" b="0" i="0">
-              <a:effectLst/>
-              <a:latin typeface="Menlo"/>
-            </a:endParaRPr>
-          </a:p>
-          <a:p>
-            <a:br>
-              <a:rPr lang="es-ES" sz="1800" b="0" i="0">
-                <a:effectLst/>
-                <a:latin typeface="Menlo"/>
-              </a:rPr>
-            </a:br>
-            <a:endParaRPr lang="es-ES" sz="1800" b="0" i="0">
-              <a:effectLst/>
-              <a:latin typeface="Menlo"/>
-            </a:endParaRPr>
-          </a:p>
-          <a:p>
-            <a:r>
-              <a:rPr lang="es-ES" sz="1800" b="0" i="0">
-                <a:solidFill>
-                  <a:srgbClr val="008013"/>
-                </a:solidFill>
-                <a:effectLst/>
-                <a:latin typeface="Menlo"/>
-              </a:rPr>
-              <a:t>% Crear el impulso discreto de Dirac</a:t>
-            </a:r>
-            <a:endParaRPr lang="es-ES" sz="1800" b="0" i="0">
-              <a:effectLst/>
-              <a:latin typeface="Menlo"/>
-            </a:endParaRPr>
-          </a:p>
-          <a:p>
-            <a:r>
-              <a:rPr lang="es-ES" sz="1800" b="0" i="0" err="1">
-                <a:effectLst/>
-                <a:latin typeface="Menlo"/>
-              </a:rPr>
-              <a:t>delta_discreto</a:t>
-            </a:r>
-            <a:r>
-              <a:rPr lang="es-ES" sz="1800" b="0" i="0">
-                <a:effectLst/>
-                <a:latin typeface="Menlo"/>
-              </a:rPr>
-              <a:t> = (n == 1);</a:t>
-            </a:r>
-          </a:p>
-          <a:p>
-            <a:br>
-              <a:rPr lang="es-ES" sz="1800" b="0" i="0">
-                <a:effectLst/>
-                <a:latin typeface="Menlo"/>
-              </a:rPr>
-            </a:br>
-            <a:endParaRPr lang="es-ES" sz="1800" b="0" i="0">
-              <a:effectLst/>
-              <a:latin typeface="Menlo"/>
-            </a:endParaRPr>
-          </a:p>
-          <a:p>
-            <a:r>
-              <a:rPr lang="es-ES" sz="1800" b="0" i="0">
-                <a:solidFill>
-                  <a:srgbClr val="008013"/>
-                </a:solidFill>
-                <a:effectLst/>
-                <a:latin typeface="Menlo"/>
-              </a:rPr>
-              <a:t>% Graficar el impulso discreto de Dirac</a:t>
-            </a:r>
-            <a:endParaRPr lang="es-ES" sz="1800" b="0" i="0">
-              <a:effectLst/>
-              <a:latin typeface="Menlo"/>
-            </a:endParaRPr>
-          </a:p>
-          <a:p>
-            <a:r>
-              <a:rPr lang="es-ES" sz="1800" b="0" i="0" err="1">
-                <a:effectLst/>
-                <a:latin typeface="Menlo"/>
-              </a:rPr>
-              <a:t>stem</a:t>
-            </a:r>
-            <a:r>
-              <a:rPr lang="es-ES" sz="1800" b="0" i="0">
-                <a:effectLst/>
-                <a:latin typeface="Menlo"/>
-              </a:rPr>
-              <a:t>(n*T, </a:t>
-            </a:r>
-            <a:r>
-              <a:rPr lang="es-ES" sz="1800" b="0" i="0" err="1">
-                <a:effectLst/>
-                <a:latin typeface="Menlo"/>
-              </a:rPr>
-              <a:t>delta_discreto</a:t>
-            </a:r>
-            <a:r>
-              <a:rPr lang="es-ES" sz="1800" b="0" i="0">
-                <a:effectLst/>
-                <a:latin typeface="Menlo"/>
-              </a:rPr>
-              <a:t>, </a:t>
-            </a:r>
-            <a:r>
-              <a:rPr lang="es-ES" sz="1800" b="0" i="0">
-                <a:solidFill>
-                  <a:srgbClr val="A709F5"/>
-                </a:solidFill>
-                <a:effectLst/>
-                <a:latin typeface="Menlo"/>
-              </a:rPr>
-              <a:t>'</a:t>
-            </a:r>
-            <a:r>
-              <a:rPr lang="es-ES" sz="1800" b="0" i="0" err="1">
-                <a:solidFill>
-                  <a:srgbClr val="A709F5"/>
-                </a:solidFill>
-                <a:effectLst/>
-                <a:latin typeface="Menlo"/>
-              </a:rPr>
-              <a:t>filled</a:t>
-            </a:r>
-            <a:r>
-              <a:rPr lang="es-ES" sz="1800" b="0" i="0">
-                <a:solidFill>
-                  <a:srgbClr val="A709F5"/>
-                </a:solidFill>
-                <a:effectLst/>
-                <a:latin typeface="Menlo"/>
-              </a:rPr>
-              <a:t>'</a:t>
-            </a:r>
-            <a:r>
-              <a:rPr lang="es-ES" sz="1800" b="0" i="0">
-                <a:effectLst/>
-                <a:latin typeface="Menlo"/>
-              </a:rPr>
-              <a:t>, </a:t>
-            </a:r>
-            <a:r>
-              <a:rPr lang="es-ES" sz="1800" b="0" i="0">
-                <a:solidFill>
-                  <a:srgbClr val="A709F5"/>
-                </a:solidFill>
-                <a:effectLst/>
-                <a:latin typeface="Menlo"/>
-              </a:rPr>
-              <a:t>'</a:t>
-            </a:r>
-            <a:r>
-              <a:rPr lang="es-ES" sz="1800" b="0" i="0" err="1">
-                <a:solidFill>
-                  <a:srgbClr val="A709F5"/>
-                </a:solidFill>
-                <a:effectLst/>
-                <a:latin typeface="Menlo"/>
-              </a:rPr>
-              <a:t>LineWidth</a:t>
-            </a:r>
-            <a:r>
-              <a:rPr lang="es-ES" sz="1800" b="0" i="0">
-                <a:solidFill>
-                  <a:srgbClr val="A709F5"/>
-                </a:solidFill>
-                <a:effectLst/>
-                <a:latin typeface="Menlo"/>
-              </a:rPr>
-              <a:t>'</a:t>
-            </a:r>
-            <a:r>
-              <a:rPr lang="es-ES" sz="1800" b="0" i="0">
-                <a:effectLst/>
-                <a:latin typeface="Menlo"/>
-              </a:rPr>
-              <a:t>, 2);</a:t>
-            </a:r>
-          </a:p>
-          <a:p>
-            <a:r>
-              <a:rPr lang="es-ES" sz="1800" b="0" i="0" err="1">
-                <a:effectLst/>
-                <a:latin typeface="Menlo"/>
-              </a:rPr>
-              <a:t>title</a:t>
-            </a:r>
-            <a:r>
-              <a:rPr lang="es-ES" sz="1800" b="0" i="0">
-                <a:effectLst/>
-                <a:latin typeface="Menlo"/>
-              </a:rPr>
-              <a:t>(</a:t>
-            </a:r>
-            <a:r>
-              <a:rPr lang="es-ES" sz="1800" b="0" i="0">
-                <a:solidFill>
-                  <a:srgbClr val="A709F5"/>
-                </a:solidFill>
-                <a:effectLst/>
-                <a:latin typeface="Menlo"/>
-              </a:rPr>
-              <a:t>'Impulso Discreto de Dirac'</a:t>
-            </a:r>
-            <a:r>
-              <a:rPr lang="es-ES" sz="1800" b="0" i="0">
-                <a:effectLst/>
-                <a:latin typeface="Menlo"/>
-              </a:rPr>
-              <a:t>);</a:t>
-            </a:r>
-          </a:p>
-          <a:p>
-            <a:r>
-              <a:rPr lang="es-ES" sz="1800" b="0" i="0" err="1">
-                <a:effectLst/>
-                <a:latin typeface="Menlo"/>
-              </a:rPr>
-              <a:t>xlabel</a:t>
-            </a:r>
-            <a:r>
-              <a:rPr lang="es-ES" sz="1800" b="0" i="0">
-                <a:effectLst/>
-                <a:latin typeface="Menlo"/>
-              </a:rPr>
-              <a:t>(</a:t>
-            </a:r>
-            <a:r>
-              <a:rPr lang="es-ES" sz="1800" b="0" i="0">
-                <a:solidFill>
-                  <a:srgbClr val="A709F5"/>
-                </a:solidFill>
-                <a:effectLst/>
-                <a:latin typeface="Menlo"/>
-              </a:rPr>
-              <a:t>'</a:t>
-            </a:r>
-            <a:r>
-              <a:rPr lang="es-ES" sz="1800" b="0" i="0" err="1">
-                <a:solidFill>
-                  <a:srgbClr val="A709F5"/>
-                </a:solidFill>
-                <a:effectLst/>
-                <a:latin typeface="Menlo"/>
-              </a:rPr>
-              <a:t>nT</a:t>
-            </a:r>
-            <a:r>
-              <a:rPr lang="es-ES" sz="1800" b="0" i="0">
-                <a:solidFill>
-                  <a:srgbClr val="A709F5"/>
-                </a:solidFill>
-                <a:effectLst/>
-                <a:latin typeface="Menlo"/>
-              </a:rPr>
-              <a:t> (Tiempo en segundos)'</a:t>
-            </a:r>
-            <a:r>
-              <a:rPr lang="es-ES" sz="1800" b="0" i="0">
-                <a:effectLst/>
-                <a:latin typeface="Menlo"/>
-              </a:rPr>
-              <a:t>);</a:t>
-            </a:r>
-          </a:p>
-          <a:p>
-            <a:r>
-              <a:rPr lang="es-ES" sz="1800" b="0" i="0" err="1">
-                <a:effectLst/>
-                <a:latin typeface="Menlo"/>
-              </a:rPr>
-              <a:t>ylabel</a:t>
-            </a:r>
-            <a:r>
-              <a:rPr lang="es-ES" sz="1800" b="0" i="0">
-                <a:effectLst/>
-                <a:latin typeface="Menlo"/>
-              </a:rPr>
-              <a:t>(</a:t>
-            </a:r>
-            <a:r>
-              <a:rPr lang="es-ES" sz="1800" b="0" i="0">
-                <a:solidFill>
-                  <a:srgbClr val="A709F5"/>
-                </a:solidFill>
-                <a:effectLst/>
-                <a:latin typeface="Menlo"/>
-              </a:rPr>
-              <a:t>'Amplitud'</a:t>
-            </a:r>
-            <a:r>
-              <a:rPr lang="es-ES" sz="1800" b="0" i="0">
-                <a:effectLst/>
-                <a:latin typeface="Menlo"/>
-              </a:rPr>
-              <a:t>);</a:t>
-            </a:r>
-          </a:p>
-          <a:p>
-            <a:r>
-              <a:rPr lang="es-ES" sz="1800" b="0" i="0" err="1">
-                <a:effectLst/>
-                <a:latin typeface="Menlo"/>
-              </a:rPr>
-              <a:t>ylim</a:t>
-            </a:r>
-            <a:r>
-              <a:rPr lang="es-ES" sz="1800" b="0" i="0">
-                <a:effectLst/>
-                <a:latin typeface="Menlo"/>
-              </a:rPr>
-              <a:t>([-0.1, 1.1]); </a:t>
-            </a:r>
-            <a:r>
-              <a:rPr lang="es-ES" sz="1800" b="0" i="0">
-                <a:solidFill>
-                  <a:srgbClr val="008013"/>
-                </a:solidFill>
-                <a:effectLst/>
-                <a:latin typeface="Menlo"/>
-              </a:rPr>
-              <a:t>% Ajustar los límites en el eje y</a:t>
-            </a:r>
-            <a:endParaRPr lang="es-ES" sz="1800" b="0" i="0">
-              <a:effectLst/>
-              <a:latin typeface="Menlo"/>
-            </a:endParaRPr>
-          </a:p>
-          <a:p>
-            <a:r>
-              <a:rPr lang="es-ES" sz="1800" b="0" i="0" err="1">
-                <a:effectLst/>
-                <a:latin typeface="Menlo"/>
-              </a:rPr>
-              <a:t>grid</a:t>
-            </a:r>
-            <a:r>
-              <a:rPr lang="es-ES" sz="1800" b="0" i="0">
-                <a:effectLst/>
-                <a:latin typeface="Menlo"/>
-              </a:rPr>
-              <a:t> </a:t>
-            </a:r>
-            <a:r>
-              <a:rPr lang="es-ES" sz="1800" b="0" i="0" err="1">
-                <a:solidFill>
-                  <a:srgbClr val="A709F5"/>
-                </a:solidFill>
-                <a:effectLst/>
-                <a:latin typeface="Menlo"/>
-              </a:rPr>
-              <a:t>on</a:t>
-            </a:r>
-            <a:r>
-              <a:rPr lang="es-ES" sz="1800" b="0" i="0">
-                <a:effectLst/>
-                <a:latin typeface="Menlo"/>
-              </a:rPr>
-              <a:t>;</a:t>
-            </a:r>
-          </a:p>
-          <a:p>
-            <a:br>
-              <a:rPr lang="es-ES" sz="1800" b="0" i="0">
-                <a:effectLst/>
-                <a:latin typeface="Menlo"/>
-              </a:rPr>
-            </a:br>
-            <a:endParaRPr lang="es-ES" sz="1800" b="0" i="0">
-              <a:effectLst/>
-              <a:latin typeface="Menlo"/>
-            </a:endParaRPr>
-          </a:p>
-          <a:p>
-            <a:endParaRPr lang="en-US"/>
+            <a:endParaRPr lang="en-US" dirty="0"/>
           </a:p>
         </p:txBody>
       </p:sp>
@@ -2983,7 +2840,7 @@
               <a:pPr>
                 <a:defRPr/>
               </a:pPr>
-              <a:t>11</a:t>
+              <a:t>13</a:t>
             </a:fld>
             <a:endParaRPr lang="es-CO" altLang="es-CO"/>
           </a:p>
@@ -3048,337 +2905,7 @@
           </a:bodyPr>
           <a:lstStyle/>
           <a:p>
-            <a:r>
-              <a:rPr lang="es-ES" sz="1800" b="0" i="0">
-                <a:solidFill>
-                  <a:srgbClr val="008013"/>
-                </a:solidFill>
-                <a:effectLst/>
-                <a:latin typeface="Menlo"/>
-              </a:rPr>
-              <a:t>% Definir la secuencia discreta (por ejemplo, una función escalón)</a:t>
-            </a:r>
-            <a:endParaRPr lang="es-ES" sz="1800" b="0" i="0">
-              <a:effectLst/>
-              <a:latin typeface="Menlo"/>
-            </a:endParaRPr>
-          </a:p>
-          <a:p>
-            <a:r>
-              <a:rPr lang="es-ES" sz="1800" b="0" i="0">
-                <a:effectLst/>
-                <a:latin typeface="Menlo"/>
-              </a:rPr>
-              <a:t>n = 0:10; </a:t>
-            </a:r>
-            <a:r>
-              <a:rPr lang="es-ES" sz="1800" b="0" i="0">
-                <a:solidFill>
-                  <a:srgbClr val="008013"/>
-                </a:solidFill>
-                <a:effectLst/>
-                <a:latin typeface="Menlo"/>
-              </a:rPr>
-              <a:t>% Dominio discreto (puedes ajustar los valores de 'n' según tus necesidades)</a:t>
-            </a:r>
-            <a:endParaRPr lang="es-ES" sz="1800" b="0" i="0">
-              <a:effectLst/>
-              <a:latin typeface="Menlo"/>
-            </a:endParaRPr>
-          </a:p>
-          <a:p>
-            <a:r>
-              <a:rPr lang="es-ES" sz="1800" b="0" i="0" err="1">
-                <a:effectLst/>
-                <a:latin typeface="Menlo"/>
-              </a:rPr>
-              <a:t>y_discreta</a:t>
-            </a:r>
-            <a:r>
-              <a:rPr lang="es-ES" sz="1800" b="0" i="0">
-                <a:effectLst/>
-                <a:latin typeface="Menlo"/>
-              </a:rPr>
-              <a:t> = [0, 1, 2, 2, 3, 3, 4, 4, 5, 5, 5]; </a:t>
-            </a:r>
-            <a:r>
-              <a:rPr lang="es-ES" sz="1800" b="0" i="0">
-                <a:solidFill>
-                  <a:srgbClr val="008013"/>
-                </a:solidFill>
-                <a:effectLst/>
-                <a:latin typeface="Menlo"/>
-              </a:rPr>
-              <a:t>% Valores de la función en cada punto discreto</a:t>
-            </a:r>
-            <a:endParaRPr lang="es-ES" sz="1800" b="0" i="0">
-              <a:effectLst/>
-              <a:latin typeface="Menlo"/>
-            </a:endParaRPr>
-          </a:p>
-          <a:p>
-            <a:br>
-              <a:rPr lang="es-ES" sz="1800" b="0" i="0">
-                <a:effectLst/>
-                <a:latin typeface="Menlo"/>
-              </a:rPr>
-            </a:br>
-            <a:endParaRPr lang="es-ES" sz="1800" b="0" i="0">
-              <a:effectLst/>
-              <a:latin typeface="Menlo"/>
-            </a:endParaRPr>
-          </a:p>
-          <a:p>
-            <a:r>
-              <a:rPr lang="es-ES" sz="1800" b="0" i="0">
-                <a:solidFill>
-                  <a:srgbClr val="008013"/>
-                </a:solidFill>
-                <a:effectLst/>
-                <a:latin typeface="Menlo"/>
-              </a:rPr>
-              <a:t>% Graficar la función discreta</a:t>
-            </a:r>
-            <a:endParaRPr lang="es-ES" sz="1800" b="0" i="0">
-              <a:effectLst/>
-              <a:latin typeface="Menlo"/>
-            </a:endParaRPr>
-          </a:p>
-          <a:p>
-            <a:r>
-              <a:rPr lang="es-ES" sz="1800" b="0" i="0" err="1">
-                <a:effectLst/>
-                <a:latin typeface="Menlo"/>
-              </a:rPr>
-              <a:t>stem</a:t>
-            </a:r>
-            <a:r>
-              <a:rPr lang="es-ES" sz="1800" b="0" i="0">
-                <a:effectLst/>
-                <a:latin typeface="Menlo"/>
-              </a:rPr>
-              <a:t>(n, </a:t>
-            </a:r>
-            <a:r>
-              <a:rPr lang="es-ES" sz="1800" b="0" i="0" err="1">
-                <a:effectLst/>
-                <a:latin typeface="Menlo"/>
-              </a:rPr>
-              <a:t>y_discreta</a:t>
-            </a:r>
-            <a:r>
-              <a:rPr lang="es-ES" sz="1800" b="0" i="0">
-                <a:effectLst/>
-                <a:latin typeface="Menlo"/>
-              </a:rPr>
-              <a:t>, </a:t>
-            </a:r>
-            <a:r>
-              <a:rPr lang="es-ES" sz="1800" b="0" i="0">
-                <a:solidFill>
-                  <a:srgbClr val="A709F5"/>
-                </a:solidFill>
-                <a:effectLst/>
-                <a:latin typeface="Menlo"/>
-              </a:rPr>
-              <a:t>'</a:t>
-            </a:r>
-            <a:r>
-              <a:rPr lang="es-ES" sz="1800" b="0" i="0" err="1">
-                <a:solidFill>
-                  <a:srgbClr val="A709F5"/>
-                </a:solidFill>
-                <a:effectLst/>
-                <a:latin typeface="Menlo"/>
-              </a:rPr>
-              <a:t>filled</a:t>
-            </a:r>
-            <a:r>
-              <a:rPr lang="es-ES" sz="1800" b="0" i="0">
-                <a:solidFill>
-                  <a:srgbClr val="A709F5"/>
-                </a:solidFill>
-                <a:effectLst/>
-                <a:latin typeface="Menlo"/>
-              </a:rPr>
-              <a:t>'</a:t>
-            </a:r>
-            <a:r>
-              <a:rPr lang="es-ES" sz="1800" b="0" i="0">
-                <a:effectLst/>
-                <a:latin typeface="Menlo"/>
-              </a:rPr>
-              <a:t>); </a:t>
-            </a:r>
-            <a:r>
-              <a:rPr lang="es-ES" sz="1800" b="0" i="0">
-                <a:solidFill>
-                  <a:srgbClr val="008013"/>
-                </a:solidFill>
-                <a:effectLst/>
-                <a:latin typeface="Menlo"/>
-              </a:rPr>
-              <a:t>% '</a:t>
-            </a:r>
-            <a:r>
-              <a:rPr lang="es-ES" sz="1800" b="0" i="0" err="1">
-                <a:solidFill>
-                  <a:srgbClr val="008013"/>
-                </a:solidFill>
-                <a:effectLst/>
-                <a:latin typeface="Menlo"/>
-              </a:rPr>
-              <a:t>filled</a:t>
-            </a:r>
-            <a:r>
-              <a:rPr lang="es-ES" sz="1800" b="0" i="0">
-                <a:solidFill>
-                  <a:srgbClr val="008013"/>
-                </a:solidFill>
-                <a:effectLst/>
-                <a:latin typeface="Menlo"/>
-              </a:rPr>
-              <a:t>' agrega relleno en los marcadores para mejorar la visualización</a:t>
-            </a:r>
-            <a:endParaRPr lang="es-ES" sz="1800" b="0" i="0">
-              <a:effectLst/>
-              <a:latin typeface="Menlo"/>
-            </a:endParaRPr>
-          </a:p>
-          <a:p>
-            <a:r>
-              <a:rPr lang="es-ES" sz="1800" b="0" i="0" err="1">
-                <a:effectLst/>
-                <a:latin typeface="Menlo"/>
-              </a:rPr>
-              <a:t>xlabel</a:t>
-            </a:r>
-            <a:r>
-              <a:rPr lang="es-ES" sz="1800" b="0" i="0">
-                <a:effectLst/>
-                <a:latin typeface="Menlo"/>
-              </a:rPr>
-              <a:t>(</a:t>
-            </a:r>
-            <a:r>
-              <a:rPr lang="es-ES" sz="1800" b="0" i="0">
-                <a:solidFill>
-                  <a:srgbClr val="A709F5"/>
-                </a:solidFill>
-                <a:effectLst/>
-                <a:latin typeface="Menlo"/>
-              </a:rPr>
-              <a:t>'Dominio discreto (n)'</a:t>
-            </a:r>
-            <a:r>
-              <a:rPr lang="es-ES" sz="1800" b="0" i="0">
-                <a:effectLst/>
-                <a:latin typeface="Menlo"/>
-              </a:rPr>
-              <a:t>);</a:t>
-            </a:r>
-          </a:p>
-          <a:p>
-            <a:r>
-              <a:rPr lang="es-ES" sz="1800" b="0" i="0" err="1">
-                <a:effectLst/>
-                <a:latin typeface="Menlo"/>
-              </a:rPr>
-              <a:t>ylabel</a:t>
-            </a:r>
-            <a:r>
-              <a:rPr lang="es-ES" sz="1800" b="0" i="0">
-                <a:effectLst/>
-                <a:latin typeface="Menlo"/>
-              </a:rPr>
-              <a:t>(</a:t>
-            </a:r>
-            <a:r>
-              <a:rPr lang="es-ES" sz="1800" b="0" i="0">
-                <a:solidFill>
-                  <a:srgbClr val="A709F5"/>
-                </a:solidFill>
-                <a:effectLst/>
-                <a:latin typeface="Menlo"/>
-              </a:rPr>
-              <a:t>'Valores de la función discreta'</a:t>
-            </a:r>
-            <a:r>
-              <a:rPr lang="es-ES" sz="1800" b="0" i="0">
-                <a:effectLst/>
-                <a:latin typeface="Menlo"/>
-              </a:rPr>
-              <a:t>);</a:t>
-            </a:r>
-          </a:p>
-          <a:p>
-            <a:r>
-              <a:rPr lang="es-ES" sz="1800" b="0" i="0" err="1">
-                <a:effectLst/>
-                <a:latin typeface="Menlo"/>
-              </a:rPr>
-              <a:t>title</a:t>
-            </a:r>
-            <a:r>
-              <a:rPr lang="es-ES" sz="1800" b="0" i="0">
-                <a:effectLst/>
-                <a:latin typeface="Menlo"/>
-              </a:rPr>
-              <a:t>(</a:t>
-            </a:r>
-            <a:r>
-              <a:rPr lang="es-ES" sz="1800" b="0" i="0">
-                <a:solidFill>
-                  <a:srgbClr val="A709F5"/>
-                </a:solidFill>
-                <a:effectLst/>
-                <a:latin typeface="Menlo"/>
-              </a:rPr>
-              <a:t>'Gráfica de una función discreta'</a:t>
-            </a:r>
-            <a:r>
-              <a:rPr lang="es-ES" sz="1800" b="0" i="0">
-                <a:effectLst/>
-                <a:latin typeface="Menlo"/>
-              </a:rPr>
-              <a:t>);</a:t>
-            </a:r>
-          </a:p>
-          <a:p>
-            <a:r>
-              <a:rPr lang="es-ES" sz="1800" b="0" i="0" err="1">
-                <a:effectLst/>
-                <a:latin typeface="Menlo"/>
-              </a:rPr>
-              <a:t>grid</a:t>
-            </a:r>
-            <a:r>
-              <a:rPr lang="es-ES" sz="1800" b="0" i="0">
-                <a:effectLst/>
-                <a:latin typeface="Menlo"/>
-              </a:rPr>
-              <a:t> </a:t>
-            </a:r>
-            <a:r>
-              <a:rPr lang="es-ES" sz="1800" b="0" i="0" err="1">
-                <a:solidFill>
-                  <a:srgbClr val="A709F5"/>
-                </a:solidFill>
-                <a:effectLst/>
-                <a:latin typeface="Menlo"/>
-              </a:rPr>
-              <a:t>on</a:t>
-            </a:r>
-            <a:r>
-              <a:rPr lang="es-ES" sz="1800" b="0" i="0">
-                <a:effectLst/>
-                <a:latin typeface="Menlo"/>
-              </a:rPr>
-              <a:t>;</a:t>
-            </a:r>
-          </a:p>
-          <a:p>
-            <a:endParaRPr lang="en-US"/>
+            <a:endParaRPr lang="en-US" dirty="0"/>
           </a:p>
         </p:txBody>
       </p:sp>
@@ -3405,7 +2932,7 @@
               <a:pPr>
                 <a:defRPr/>
               </a:pPr>
-              <a:t>12</a:t>
+              <a:t>14</a:t>
             </a:fld>
             <a:endParaRPr lang="es-CO" altLang="es-CO"/>
           </a:p>
@@ -3470,883 +2997,16 @@
           </a:bodyPr>
           <a:lstStyle/>
           <a:p>
-            <a:r>
-              <a:rPr lang="es-ES" sz="1800" b="0" i="0">
-                <a:solidFill>
-                  <a:srgbClr val="008013"/>
-                </a:solidFill>
-                <a:effectLst/>
-                <a:latin typeface="Menlo"/>
-              </a:rPr>
-              <a:t>% Parámetros</a:t>
-            </a:r>
-            <a:endParaRPr lang="es-ES" sz="1800" b="0" i="0">
-              <a:effectLst/>
-              <a:latin typeface="Menlo"/>
-            </a:endParaRPr>
+            <a:endParaRPr lang="en-US" u="sng" dirty="0"/>
           </a:p>
           <a:p>
-            <a:r>
-              <a:rPr lang="es-ES" sz="1800" b="0" i="0">
-                <a:effectLst/>
-                <a:latin typeface="Menlo"/>
-              </a:rPr>
-              <a:t>T = 1; </a:t>
-            </a:r>
-            <a:r>
-              <a:rPr lang="es-ES" sz="1800" b="0" i="0">
-                <a:solidFill>
-                  <a:srgbClr val="008013"/>
-                </a:solidFill>
-                <a:effectLst/>
-                <a:latin typeface="Menlo"/>
-              </a:rPr>
-              <a:t>% Intervalo de tiempo en segundos</a:t>
-            </a:r>
-            <a:endParaRPr lang="es-ES" sz="1800" b="0" i="0">
-              <a:effectLst/>
-              <a:latin typeface="Menlo"/>
-            </a:endParaRPr>
+            <a:endParaRPr lang="en-US" dirty="0"/>
           </a:p>
           <a:p>
-            <a:r>
-              <a:rPr lang="es-ES" sz="1800" b="0" i="0">
-                <a:effectLst/>
-                <a:latin typeface="Menlo"/>
-              </a:rPr>
-              <a:t>n = 0:10; </a:t>
-            </a:r>
-            <a:r>
-              <a:rPr lang="es-ES" sz="1800" b="0" i="0">
-                <a:solidFill>
-                  <a:srgbClr val="008013"/>
-                </a:solidFill>
-                <a:effectLst/>
-                <a:latin typeface="Menlo"/>
-              </a:rPr>
-              <a:t>% Valores de n para la secuencia discreta</a:t>
-            </a:r>
-            <a:endParaRPr lang="es-ES" sz="1800" b="0" i="0">
-              <a:effectLst/>
-              <a:latin typeface="Menlo"/>
-            </a:endParaRPr>
+            <a:endParaRPr lang="en-US" dirty="0"/>
           </a:p>
           <a:p>
-            <a:br>
-              <a:rPr lang="es-ES" sz="1800" b="0" i="0">
-                <a:effectLst/>
-                <a:latin typeface="Menlo"/>
-              </a:rPr>
-            </a:br>
-            <a:endParaRPr lang="es-ES" sz="1800" b="0" i="0">
-              <a:effectLst/>
-              <a:latin typeface="Menlo"/>
-            </a:endParaRPr>
-          </a:p>
-          <a:p>
-            <a:r>
-              <a:rPr lang="es-ES" sz="1800" b="0" i="0">
-                <a:solidFill>
-                  <a:srgbClr val="008013"/>
-                </a:solidFill>
-                <a:effectLst/>
-                <a:latin typeface="Menlo"/>
-              </a:rPr>
-              <a:t>% Crear la señal de escalón unitario discreto</a:t>
-            </a:r>
-            <a:endParaRPr lang="es-ES" sz="1800" b="0" i="0">
-              <a:effectLst/>
-              <a:latin typeface="Menlo"/>
-            </a:endParaRPr>
-          </a:p>
-          <a:p>
-            <a:r>
-              <a:rPr lang="es-ES" sz="1800" b="0" i="0" err="1">
-                <a:effectLst/>
-                <a:latin typeface="Menlo"/>
-              </a:rPr>
-              <a:t>u_discreto</a:t>
-            </a:r>
-            <a:r>
-              <a:rPr lang="es-ES" sz="1800" b="0" i="0">
-                <a:effectLst/>
-                <a:latin typeface="Menlo"/>
-              </a:rPr>
-              <a:t> = (n &gt;= 0);</a:t>
-            </a:r>
-          </a:p>
-          <a:p>
-            <a:br>
-              <a:rPr lang="es-ES" sz="1800" b="0" i="0">
-                <a:effectLst/>
-                <a:latin typeface="Menlo"/>
-              </a:rPr>
-            </a:br>
-            <a:endParaRPr lang="es-ES" sz="1800" b="0" i="0">
-              <a:effectLst/>
-              <a:latin typeface="Menlo"/>
-            </a:endParaRPr>
-          </a:p>
-          <a:p>
-            <a:r>
-              <a:rPr lang="es-ES" sz="1800" b="0" i="0">
-                <a:solidFill>
-                  <a:srgbClr val="008013"/>
-                </a:solidFill>
-                <a:effectLst/>
-                <a:latin typeface="Menlo"/>
-              </a:rPr>
-              <a:t>% Graficar la señal discreta de escalón unitario</a:t>
-            </a:r>
-            <a:endParaRPr lang="es-ES" sz="1800" b="0" i="0">
-              <a:effectLst/>
-              <a:latin typeface="Menlo"/>
-            </a:endParaRPr>
-          </a:p>
-          <a:p>
-            <a:r>
-              <a:rPr lang="es-ES" sz="1800" b="0" i="0" err="1">
-                <a:effectLst/>
-                <a:latin typeface="Menlo"/>
-              </a:rPr>
-              <a:t>stem</a:t>
-            </a:r>
-            <a:r>
-              <a:rPr lang="es-ES" sz="1800" b="0" i="0">
-                <a:effectLst/>
-                <a:latin typeface="Menlo"/>
-              </a:rPr>
-              <a:t>(n*T, </a:t>
-            </a:r>
-            <a:r>
-              <a:rPr lang="es-ES" sz="1800" b="0" i="0" err="1">
-                <a:effectLst/>
-                <a:latin typeface="Menlo"/>
-              </a:rPr>
-              <a:t>u_discreto</a:t>
-            </a:r>
-            <a:r>
-              <a:rPr lang="es-ES" sz="1800" b="0" i="0">
-                <a:effectLst/>
-                <a:latin typeface="Menlo"/>
-              </a:rPr>
-              <a:t>, </a:t>
-            </a:r>
-            <a:r>
-              <a:rPr lang="es-ES" sz="1800" b="0" i="0">
-                <a:solidFill>
-                  <a:srgbClr val="A709F5"/>
-                </a:solidFill>
-                <a:effectLst/>
-                <a:latin typeface="Menlo"/>
-              </a:rPr>
-              <a:t>'</a:t>
-            </a:r>
-            <a:r>
-              <a:rPr lang="es-ES" sz="1800" b="0" i="0" err="1">
-                <a:solidFill>
-                  <a:srgbClr val="A709F5"/>
-                </a:solidFill>
-                <a:effectLst/>
-                <a:latin typeface="Menlo"/>
-              </a:rPr>
-              <a:t>filled</a:t>
-            </a:r>
-            <a:r>
-              <a:rPr lang="es-ES" sz="1800" b="0" i="0">
-                <a:solidFill>
-                  <a:srgbClr val="A709F5"/>
-                </a:solidFill>
-                <a:effectLst/>
-                <a:latin typeface="Menlo"/>
-              </a:rPr>
-              <a:t>'</a:t>
-            </a:r>
-            <a:r>
-              <a:rPr lang="es-ES" sz="1800" b="0" i="0">
-                <a:effectLst/>
-                <a:latin typeface="Menlo"/>
-              </a:rPr>
-              <a:t>, </a:t>
-            </a:r>
-            <a:r>
-              <a:rPr lang="es-ES" sz="1800" b="0" i="0">
-                <a:solidFill>
-                  <a:srgbClr val="A709F5"/>
-                </a:solidFill>
-                <a:effectLst/>
-                <a:latin typeface="Menlo"/>
-              </a:rPr>
-              <a:t>'</a:t>
-            </a:r>
-            <a:r>
-              <a:rPr lang="es-ES" sz="1800" b="0" i="0" err="1">
-                <a:solidFill>
-                  <a:srgbClr val="A709F5"/>
-                </a:solidFill>
-                <a:effectLst/>
-                <a:latin typeface="Menlo"/>
-              </a:rPr>
-              <a:t>LineWidth</a:t>
-            </a:r>
-            <a:r>
-              <a:rPr lang="es-ES" sz="1800" b="0" i="0">
-                <a:solidFill>
-                  <a:srgbClr val="A709F5"/>
-                </a:solidFill>
-                <a:effectLst/>
-                <a:latin typeface="Menlo"/>
-              </a:rPr>
-              <a:t>'</a:t>
-            </a:r>
-            <a:r>
-              <a:rPr lang="es-ES" sz="1800" b="0" i="0">
-                <a:effectLst/>
-                <a:latin typeface="Menlo"/>
-              </a:rPr>
-              <a:t>, 2);</a:t>
-            </a:r>
-          </a:p>
-          <a:p>
-            <a:r>
-              <a:rPr lang="es-ES" sz="1800" b="0" i="0" err="1">
-                <a:effectLst/>
-                <a:latin typeface="Menlo"/>
-              </a:rPr>
-              <a:t>title</a:t>
-            </a:r>
-            <a:r>
-              <a:rPr lang="es-ES" sz="1800" b="0" i="0">
-                <a:effectLst/>
-                <a:latin typeface="Menlo"/>
-              </a:rPr>
-              <a:t>(</a:t>
-            </a:r>
-            <a:r>
-              <a:rPr lang="es-ES" sz="1800" b="0" i="0">
-                <a:solidFill>
-                  <a:srgbClr val="A709F5"/>
-                </a:solidFill>
-                <a:effectLst/>
-                <a:latin typeface="Menlo"/>
-              </a:rPr>
-              <a:t>'Escalón Unitario Discreto'</a:t>
-            </a:r>
-            <a:r>
-              <a:rPr lang="es-ES" sz="1800" b="0" i="0">
-                <a:effectLst/>
-                <a:latin typeface="Menlo"/>
-              </a:rPr>
-              <a:t>);</a:t>
-            </a:r>
-          </a:p>
-          <a:p>
-            <a:r>
-              <a:rPr lang="es-ES" sz="1800" b="0" i="0" err="1">
-                <a:effectLst/>
-                <a:latin typeface="Menlo"/>
-              </a:rPr>
-              <a:t>xlabel</a:t>
-            </a:r>
-            <a:r>
-              <a:rPr lang="es-ES" sz="1800" b="0" i="0">
-                <a:effectLst/>
-                <a:latin typeface="Menlo"/>
-              </a:rPr>
-              <a:t>(</a:t>
-            </a:r>
-            <a:r>
-              <a:rPr lang="es-ES" sz="1800" b="0" i="0">
-                <a:solidFill>
-                  <a:srgbClr val="A709F5"/>
-                </a:solidFill>
-                <a:effectLst/>
-                <a:latin typeface="Menlo"/>
-              </a:rPr>
-              <a:t>'</a:t>
-            </a:r>
-            <a:r>
-              <a:rPr lang="es-ES" sz="1800" b="0" i="0" err="1">
-                <a:solidFill>
-                  <a:srgbClr val="A709F5"/>
-                </a:solidFill>
-                <a:effectLst/>
-                <a:latin typeface="Menlo"/>
-              </a:rPr>
-              <a:t>nT</a:t>
-            </a:r>
-            <a:r>
-              <a:rPr lang="es-ES" sz="1800" b="0" i="0">
-                <a:solidFill>
-                  <a:srgbClr val="A709F5"/>
-                </a:solidFill>
-                <a:effectLst/>
-                <a:latin typeface="Menlo"/>
-              </a:rPr>
-              <a:t> (Tiempo en segundos)'</a:t>
-            </a:r>
-            <a:r>
-              <a:rPr lang="es-ES" sz="1800" b="0" i="0">
-                <a:effectLst/>
-                <a:latin typeface="Menlo"/>
-              </a:rPr>
-              <a:t>);</a:t>
-            </a:r>
-          </a:p>
-          <a:p>
-            <a:r>
-              <a:rPr lang="es-ES" sz="1800" b="0" i="0" err="1">
-                <a:effectLst/>
-                <a:latin typeface="Menlo"/>
-              </a:rPr>
-              <a:t>ylabel</a:t>
-            </a:r>
-            <a:r>
-              <a:rPr lang="es-ES" sz="1800" b="0" i="0">
-                <a:effectLst/>
-                <a:latin typeface="Menlo"/>
-              </a:rPr>
-              <a:t>(</a:t>
-            </a:r>
-            <a:r>
-              <a:rPr lang="es-ES" sz="1800" b="0" i="0">
-                <a:solidFill>
-                  <a:srgbClr val="A709F5"/>
-                </a:solidFill>
-                <a:effectLst/>
-                <a:latin typeface="Menlo"/>
-              </a:rPr>
-              <a:t>'Amplitud'</a:t>
-            </a:r>
-            <a:r>
-              <a:rPr lang="es-ES" sz="1800" b="0" i="0">
-                <a:effectLst/>
-                <a:latin typeface="Menlo"/>
-              </a:rPr>
-              <a:t>);</a:t>
-            </a:r>
-          </a:p>
-          <a:p>
-            <a:r>
-              <a:rPr lang="es-ES" sz="1800" b="0" i="0" err="1">
-                <a:effectLst/>
-                <a:latin typeface="Menlo"/>
-              </a:rPr>
-              <a:t>ylim</a:t>
-            </a:r>
-            <a:r>
-              <a:rPr lang="es-ES" sz="1800" b="0" i="0">
-                <a:effectLst/>
-                <a:latin typeface="Menlo"/>
-              </a:rPr>
-              <a:t>([-0.1, 1.1]); </a:t>
-            </a:r>
-            <a:r>
-              <a:rPr lang="es-ES" sz="1800" b="0" i="0">
-                <a:solidFill>
-                  <a:srgbClr val="008013"/>
-                </a:solidFill>
-                <a:effectLst/>
-                <a:latin typeface="Menlo"/>
-              </a:rPr>
-              <a:t>% Ajustar los límites en el eje y</a:t>
-            </a:r>
-            <a:endParaRPr lang="es-ES" sz="1800" b="0" i="0">
-              <a:effectLst/>
-              <a:latin typeface="Menlo"/>
-            </a:endParaRPr>
-          </a:p>
-          <a:p>
-            <a:r>
-              <a:rPr lang="es-ES" sz="1800" b="0" i="0" err="1">
-                <a:effectLst/>
-                <a:latin typeface="Menlo"/>
-              </a:rPr>
-              <a:t>grid</a:t>
-            </a:r>
-            <a:r>
-              <a:rPr lang="es-ES" sz="1800" b="0" i="0">
-                <a:effectLst/>
-                <a:latin typeface="Menlo"/>
-              </a:rPr>
-              <a:t> </a:t>
-            </a:r>
-            <a:r>
-              <a:rPr lang="es-ES" sz="1800" b="0" i="0" err="1">
-                <a:solidFill>
-                  <a:srgbClr val="A709F5"/>
-                </a:solidFill>
-                <a:effectLst/>
-                <a:latin typeface="Menlo"/>
-              </a:rPr>
-              <a:t>on</a:t>
-            </a:r>
-            <a:r>
-              <a:rPr lang="es-ES" sz="1800" b="0" i="0">
-                <a:effectLst/>
-                <a:latin typeface="Menlo"/>
-              </a:rPr>
-              <a:t>;</a:t>
-            </a:r>
-          </a:p>
-          <a:p>
-            <a:br>
-              <a:rPr lang="es-ES" sz="1800" b="0" i="0">
-                <a:effectLst/>
-                <a:latin typeface="Menlo"/>
-              </a:rPr>
-            </a:br>
-            <a:endParaRPr lang="es-ES" sz="1800" b="0" i="0">
-              <a:effectLst/>
-              <a:latin typeface="Menlo"/>
-            </a:endParaRPr>
-          </a:p>
-          <a:p>
-            <a:endParaRPr lang="en-US"/>
-          </a:p>
-          <a:p>
-            <a:r>
-              <a:rPr lang="es-ES" sz="1800" b="0" i="0">
-                <a:solidFill>
-                  <a:srgbClr val="008013"/>
-                </a:solidFill>
-                <a:effectLst/>
-                <a:latin typeface="Menlo"/>
-              </a:rPr>
-              <a:t>% Parámetros</a:t>
-            </a:r>
-            <a:endParaRPr lang="es-ES" sz="1800" b="0" i="0">
-              <a:effectLst/>
-              <a:latin typeface="Menlo"/>
-            </a:endParaRPr>
-          </a:p>
-          <a:p>
-            <a:r>
-              <a:rPr lang="es-ES" sz="1800" b="0" i="0">
-                <a:effectLst/>
-                <a:latin typeface="Menlo"/>
-              </a:rPr>
-              <a:t>T = 1; </a:t>
-            </a:r>
-            <a:r>
-              <a:rPr lang="es-ES" sz="1800" b="0" i="0">
-                <a:solidFill>
-                  <a:srgbClr val="008013"/>
-                </a:solidFill>
-                <a:effectLst/>
-                <a:latin typeface="Menlo"/>
-              </a:rPr>
-              <a:t>% Intervalo de tiempo en segundos</a:t>
-            </a:r>
-            <a:endParaRPr lang="es-ES" sz="1800" b="0" i="0">
-              <a:effectLst/>
-              <a:latin typeface="Menlo"/>
-            </a:endParaRPr>
-          </a:p>
-          <a:p>
-            <a:r>
-              <a:rPr lang="es-ES" sz="1800" b="0" i="0">
-                <a:effectLst/>
-                <a:latin typeface="Menlo"/>
-              </a:rPr>
-              <a:t>n = 0:10; </a:t>
-            </a:r>
-            <a:r>
-              <a:rPr lang="es-ES" sz="1800" b="0" i="0">
-                <a:solidFill>
-                  <a:srgbClr val="008013"/>
-                </a:solidFill>
-                <a:effectLst/>
-                <a:latin typeface="Menlo"/>
-              </a:rPr>
-              <a:t>% Valores de n para la secuencia discreta</a:t>
-            </a:r>
-            <a:endParaRPr lang="es-ES" sz="1800" b="0" i="0">
-              <a:effectLst/>
-              <a:latin typeface="Menlo"/>
-            </a:endParaRPr>
-          </a:p>
-          <a:p>
-            <a:br>
-              <a:rPr lang="es-ES" sz="1800" b="0" i="0">
-                <a:effectLst/>
-                <a:latin typeface="Menlo"/>
-              </a:rPr>
-            </a:br>
-            <a:endParaRPr lang="es-ES" sz="1800" b="0" i="0">
-              <a:effectLst/>
-              <a:latin typeface="Menlo"/>
-            </a:endParaRPr>
-          </a:p>
-          <a:p>
-            <a:r>
-              <a:rPr lang="es-ES" sz="1800" b="0" i="0">
-                <a:solidFill>
-                  <a:srgbClr val="008013"/>
-                </a:solidFill>
-                <a:effectLst/>
-                <a:latin typeface="Menlo"/>
-              </a:rPr>
-              <a:t>% Crear la señal de escalón unitario discreto</a:t>
-            </a:r>
-            <a:endParaRPr lang="es-ES" sz="1800" b="0" i="0">
-              <a:effectLst/>
-              <a:latin typeface="Menlo"/>
-            </a:endParaRPr>
-          </a:p>
-          <a:p>
-            <a:r>
-              <a:rPr lang="es-ES" sz="1800" b="0" i="0" err="1">
-                <a:effectLst/>
-                <a:latin typeface="Menlo"/>
-              </a:rPr>
-              <a:t>u_discreto</a:t>
-            </a:r>
-            <a:r>
-              <a:rPr lang="es-ES" sz="1800" b="0" i="0">
-                <a:effectLst/>
-                <a:latin typeface="Menlo"/>
-              </a:rPr>
-              <a:t> = (n &gt;= 0);</a:t>
-            </a:r>
-          </a:p>
-          <a:p>
-            <a:br>
-              <a:rPr lang="es-ES" sz="1800" b="0" i="0">
-                <a:effectLst/>
-                <a:latin typeface="Menlo"/>
-              </a:rPr>
-            </a:br>
-            <a:endParaRPr lang="es-ES" sz="1800" b="0" i="0">
-              <a:effectLst/>
-              <a:latin typeface="Menlo"/>
-            </a:endParaRPr>
-          </a:p>
-          <a:p>
-            <a:r>
-              <a:rPr lang="es-ES" sz="1800" b="0" i="0">
-                <a:solidFill>
-                  <a:srgbClr val="008013"/>
-                </a:solidFill>
-                <a:effectLst/>
-                <a:latin typeface="Menlo"/>
-              </a:rPr>
-              <a:t>% Graficar la señal discreta de escalón unitario</a:t>
-            </a:r>
-            <a:endParaRPr lang="es-ES" sz="1800" b="0" i="0">
-              <a:effectLst/>
-              <a:latin typeface="Menlo"/>
-            </a:endParaRPr>
-          </a:p>
-          <a:p>
-            <a:r>
-              <a:rPr lang="es-ES" sz="1800" b="0" i="0" err="1">
-                <a:effectLst/>
-                <a:latin typeface="Menlo"/>
-              </a:rPr>
-              <a:t>stem</a:t>
-            </a:r>
-            <a:r>
-              <a:rPr lang="es-ES" sz="1800" b="0" i="0">
-                <a:effectLst/>
-                <a:latin typeface="Menlo"/>
-              </a:rPr>
-              <a:t>(n*T, 2*</a:t>
-            </a:r>
-            <a:r>
-              <a:rPr lang="es-ES" sz="1800" b="0" i="0" err="1">
-                <a:effectLst/>
-                <a:latin typeface="Menlo"/>
-              </a:rPr>
-              <a:t>u_discreto</a:t>
-            </a:r>
-            <a:r>
-              <a:rPr lang="es-ES" sz="1800" b="0" i="0">
-                <a:effectLst/>
-                <a:latin typeface="Menlo"/>
-              </a:rPr>
-              <a:t>, </a:t>
-            </a:r>
-            <a:r>
-              <a:rPr lang="es-ES" sz="1800" b="0" i="0">
-                <a:solidFill>
-                  <a:srgbClr val="A709F5"/>
-                </a:solidFill>
-                <a:effectLst/>
-                <a:latin typeface="Menlo"/>
-              </a:rPr>
-              <a:t>'</a:t>
-            </a:r>
-            <a:r>
-              <a:rPr lang="es-ES" sz="1800" b="0" i="0" err="1">
-                <a:solidFill>
-                  <a:srgbClr val="A709F5"/>
-                </a:solidFill>
-                <a:effectLst/>
-                <a:latin typeface="Menlo"/>
-              </a:rPr>
-              <a:t>filled</a:t>
-            </a:r>
-            <a:r>
-              <a:rPr lang="es-ES" sz="1800" b="0" i="0">
-                <a:solidFill>
-                  <a:srgbClr val="A709F5"/>
-                </a:solidFill>
-                <a:effectLst/>
-                <a:latin typeface="Menlo"/>
-              </a:rPr>
-              <a:t>'</a:t>
-            </a:r>
-            <a:r>
-              <a:rPr lang="es-ES" sz="1800" b="0" i="0">
-                <a:effectLst/>
-                <a:latin typeface="Menlo"/>
-              </a:rPr>
-              <a:t>, </a:t>
-            </a:r>
-            <a:r>
-              <a:rPr lang="es-ES" sz="1800" b="0" i="0">
-                <a:solidFill>
-                  <a:srgbClr val="A709F5"/>
-                </a:solidFill>
-                <a:effectLst/>
-                <a:latin typeface="Menlo"/>
-              </a:rPr>
-              <a:t>'</a:t>
-            </a:r>
-            <a:r>
-              <a:rPr lang="es-ES" sz="1800" b="0" i="0" err="1">
-                <a:solidFill>
-                  <a:srgbClr val="A709F5"/>
-                </a:solidFill>
-                <a:effectLst/>
-                <a:latin typeface="Menlo"/>
-              </a:rPr>
-              <a:t>LineWidth</a:t>
-            </a:r>
-            <a:r>
-              <a:rPr lang="es-ES" sz="1800" b="0" i="0">
-                <a:solidFill>
-                  <a:srgbClr val="A709F5"/>
-                </a:solidFill>
-                <a:effectLst/>
-                <a:latin typeface="Menlo"/>
-              </a:rPr>
-              <a:t>'</a:t>
-            </a:r>
-            <a:r>
-              <a:rPr lang="es-ES" sz="1800" b="0" i="0">
-                <a:effectLst/>
-                <a:latin typeface="Menlo"/>
-              </a:rPr>
-              <a:t>, 2);</a:t>
-            </a:r>
-          </a:p>
-          <a:p>
-            <a:r>
-              <a:rPr lang="es-ES" sz="1800" b="0" i="0" err="1">
-                <a:effectLst/>
-                <a:latin typeface="Menlo"/>
-              </a:rPr>
-              <a:t>title</a:t>
-            </a:r>
-            <a:r>
-              <a:rPr lang="es-ES" sz="1800" b="0" i="0">
-                <a:effectLst/>
-                <a:latin typeface="Menlo"/>
-              </a:rPr>
-              <a:t>(</a:t>
-            </a:r>
-            <a:r>
-              <a:rPr lang="es-ES" sz="1800" b="0" i="0">
-                <a:solidFill>
-                  <a:srgbClr val="A709F5"/>
-                </a:solidFill>
-                <a:effectLst/>
-                <a:latin typeface="Menlo"/>
-              </a:rPr>
-              <a:t>'Escalón Unitario Discreto'</a:t>
-            </a:r>
-            <a:r>
-              <a:rPr lang="es-ES" sz="1800" b="0" i="0">
-                <a:effectLst/>
-                <a:latin typeface="Menlo"/>
-              </a:rPr>
-              <a:t>);</a:t>
-            </a:r>
-          </a:p>
-          <a:p>
-            <a:r>
-              <a:rPr lang="es-ES" sz="1800" b="0" i="0" err="1">
-                <a:effectLst/>
-                <a:latin typeface="Menlo"/>
-              </a:rPr>
-              <a:t>xlabel</a:t>
-            </a:r>
-            <a:r>
-              <a:rPr lang="es-ES" sz="1800" b="0" i="0">
-                <a:effectLst/>
-                <a:latin typeface="Menlo"/>
-              </a:rPr>
-              <a:t>(</a:t>
-            </a:r>
-            <a:r>
-              <a:rPr lang="es-ES" sz="1800" b="0" i="0">
-                <a:solidFill>
-                  <a:srgbClr val="A709F5"/>
-                </a:solidFill>
-                <a:effectLst/>
-                <a:latin typeface="Menlo"/>
-              </a:rPr>
-              <a:t>'</a:t>
-            </a:r>
-            <a:r>
-              <a:rPr lang="es-ES" sz="1800" b="0" i="0" err="1">
-                <a:solidFill>
-                  <a:srgbClr val="A709F5"/>
-                </a:solidFill>
-                <a:effectLst/>
-                <a:latin typeface="Menlo"/>
-              </a:rPr>
-              <a:t>nT</a:t>
-            </a:r>
-            <a:r>
-              <a:rPr lang="es-ES" sz="1800" b="0" i="0">
-                <a:solidFill>
-                  <a:srgbClr val="A709F5"/>
-                </a:solidFill>
-                <a:effectLst/>
-                <a:latin typeface="Menlo"/>
-              </a:rPr>
-              <a:t> (Tiempo en segundos)'</a:t>
-            </a:r>
-            <a:r>
-              <a:rPr lang="es-ES" sz="1800" b="0" i="0">
-                <a:effectLst/>
-                <a:latin typeface="Menlo"/>
-              </a:rPr>
-              <a:t>);</a:t>
-            </a:r>
-          </a:p>
-          <a:p>
-            <a:r>
-              <a:rPr lang="es-ES" sz="1800" b="0" i="0" err="1">
-                <a:effectLst/>
-                <a:latin typeface="Menlo"/>
-              </a:rPr>
-              <a:t>ylabel</a:t>
-            </a:r>
-            <a:r>
-              <a:rPr lang="es-ES" sz="1800" b="0" i="0">
-                <a:effectLst/>
-                <a:latin typeface="Menlo"/>
-              </a:rPr>
-              <a:t>(</a:t>
-            </a:r>
-            <a:r>
-              <a:rPr lang="es-ES" sz="1800" b="0" i="0">
-                <a:solidFill>
-                  <a:srgbClr val="A709F5"/>
-                </a:solidFill>
-                <a:effectLst/>
-                <a:latin typeface="Menlo"/>
-              </a:rPr>
-              <a:t>'Amplitud'</a:t>
-            </a:r>
-            <a:r>
-              <a:rPr lang="es-ES" sz="1800" b="0" i="0">
-                <a:effectLst/>
-                <a:latin typeface="Menlo"/>
-              </a:rPr>
-              <a:t>);</a:t>
-            </a:r>
-          </a:p>
-          <a:p>
-            <a:r>
-              <a:rPr lang="es-ES" sz="1800" b="0" i="0" err="1">
-                <a:effectLst/>
-                <a:latin typeface="Menlo"/>
-              </a:rPr>
-              <a:t>ylim</a:t>
-            </a:r>
-            <a:r>
-              <a:rPr lang="es-ES" sz="1800" b="0" i="0">
-                <a:effectLst/>
-                <a:latin typeface="Menlo"/>
-              </a:rPr>
-              <a:t>([-0.1, 2.1]); </a:t>
-            </a:r>
-            <a:r>
-              <a:rPr lang="es-ES" sz="1800" b="0" i="0">
-                <a:solidFill>
-                  <a:srgbClr val="008013"/>
-                </a:solidFill>
-                <a:effectLst/>
-                <a:latin typeface="Menlo"/>
-              </a:rPr>
-              <a:t>% Ajustar los límites en el eje y</a:t>
-            </a:r>
-            <a:endParaRPr lang="es-ES" sz="1800" b="0" i="0">
-              <a:effectLst/>
-              <a:latin typeface="Menlo"/>
-            </a:endParaRPr>
-          </a:p>
-          <a:p>
-            <a:r>
-              <a:rPr lang="es-ES" sz="1800" b="0" i="0" err="1">
-                <a:effectLst/>
-                <a:latin typeface="Menlo"/>
-              </a:rPr>
-              <a:t>grid</a:t>
-            </a:r>
-            <a:r>
-              <a:rPr lang="es-ES" sz="1800" b="0" i="0">
-                <a:effectLst/>
-                <a:latin typeface="Menlo"/>
-              </a:rPr>
-              <a:t> </a:t>
-            </a:r>
-            <a:r>
-              <a:rPr lang="es-ES" sz="1800" b="0" i="0" err="1">
-                <a:solidFill>
-                  <a:srgbClr val="A709F5"/>
-                </a:solidFill>
-                <a:effectLst/>
-                <a:latin typeface="Menlo"/>
-              </a:rPr>
-              <a:t>on</a:t>
-            </a:r>
-            <a:r>
-              <a:rPr lang="es-ES" sz="1800" b="0" i="0">
-                <a:effectLst/>
-                <a:latin typeface="Menlo"/>
-              </a:rPr>
-              <a:t>;</a:t>
-            </a:r>
-          </a:p>
-          <a:p>
-            <a:br>
-              <a:rPr lang="es-ES" sz="1800" b="0" i="0">
-                <a:effectLst/>
-                <a:latin typeface="Menlo"/>
-              </a:rPr>
-            </a:br>
-            <a:endParaRPr lang="es-ES" sz="1800" b="0" i="0">
-              <a:effectLst/>
-              <a:latin typeface="Menlo"/>
-            </a:endParaRPr>
-          </a:p>
-          <a:p>
-            <a:endParaRPr lang="en-US" u="sng"/>
-          </a:p>
-          <a:p>
-            <a:endParaRPr lang="en-US"/>
-          </a:p>
-          <a:p>
-            <a:endParaRPr lang="en-US"/>
-          </a:p>
-          <a:p>
-            <a:endParaRPr lang="en-US"/>
+            <a:endParaRPr lang="en-US" dirty="0"/>
           </a:p>
         </p:txBody>
       </p:sp>
@@ -4373,7 +3033,7 @@
               <a:pPr>
                 <a:defRPr/>
               </a:pPr>
-              <a:t>16</a:t>
+              <a:t>18</a:t>
             </a:fld>
             <a:endParaRPr lang="es-CO" altLang="es-CO"/>
           </a:p>
@@ -4465,7 +3125,7 @@
               <a:pPr>
                 <a:defRPr/>
               </a:pPr>
-              <a:t>17</a:t>
+              <a:t>19</a:t>
             </a:fld>
             <a:endParaRPr lang="es-CO" altLang="es-CO"/>
           </a:p>
@@ -4557,7 +3217,7 @@
               <a:pPr>
                 <a:defRPr/>
               </a:pPr>
-              <a:t>18</a:t>
+              <a:t>20</a:t>
             </a:fld>
             <a:endParaRPr lang="es-CO" altLang="es-CO"/>
           </a:p>
@@ -4622,1351 +3282,19 @@
           </a:bodyPr>
           <a:lstStyle/>
           <a:p>
-            <a:r>
-              <a:rPr lang="es-ES" sz="1800" b="0" i="0">
-                <a:solidFill>
-                  <a:srgbClr val="008013"/>
-                </a:solidFill>
+            <a:br>
+              <a:rPr lang="es-ES" sz="1800" b="0" i="0" dirty="0">
                 <a:effectLst/>
                 <a:latin typeface="Menlo"/>
               </a:rPr>
-              <a:t>% Parámetros</a:t>
-            </a:r>
-            <a:endParaRPr lang="es-ES" sz="1800" b="0" i="0">
+            </a:br>
+            <a:endParaRPr lang="es-ES" sz="1800" b="0" i="0" dirty="0">
               <a:effectLst/>
               <a:latin typeface="Menlo"/>
             </a:endParaRPr>
           </a:p>
           <a:p>
-            <a:r>
-              <a:rPr lang="es-ES" sz="1800" b="0" i="0">
-                <a:effectLst/>
-                <a:latin typeface="Menlo"/>
-              </a:rPr>
-              <a:t>T = 1; </a:t>
-            </a:r>
-            <a:r>
-              <a:rPr lang="es-ES" sz="1800" b="0" i="0">
-                <a:solidFill>
-                  <a:srgbClr val="008013"/>
-                </a:solidFill>
-                <a:effectLst/>
-                <a:latin typeface="Menlo"/>
-              </a:rPr>
-              <a:t>% Intervalo de tiempo en segundos</a:t>
-            </a:r>
-            <a:endParaRPr lang="es-ES" sz="1800" b="0" i="0">
-              <a:effectLst/>
-              <a:latin typeface="Menlo"/>
-            </a:endParaRPr>
-          </a:p>
-          <a:p>
-            <a:r>
-              <a:rPr lang="es-ES" sz="1800" b="0" i="0">
-                <a:effectLst/>
-                <a:latin typeface="Menlo"/>
-              </a:rPr>
-              <a:t>n = 0:10; </a:t>
-            </a:r>
-            <a:r>
-              <a:rPr lang="es-ES" sz="1800" b="0" i="0">
-                <a:solidFill>
-                  <a:srgbClr val="008013"/>
-                </a:solidFill>
-                <a:effectLst/>
-                <a:latin typeface="Menlo"/>
-              </a:rPr>
-              <a:t>% Valores de n para la secuencia discreta</a:t>
-            </a:r>
-            <a:endParaRPr lang="es-ES" sz="1800" b="0" i="0">
-              <a:effectLst/>
-              <a:latin typeface="Menlo"/>
-            </a:endParaRPr>
-          </a:p>
-          <a:p>
-            <a:br>
-              <a:rPr lang="es-ES" sz="1800" b="0" i="0">
-                <a:effectLst/>
-                <a:latin typeface="Menlo"/>
-              </a:rPr>
-            </a:br>
-            <a:endParaRPr lang="es-ES" sz="1800" b="0" i="0">
-              <a:effectLst/>
-              <a:latin typeface="Menlo"/>
-            </a:endParaRPr>
-          </a:p>
-          <a:p>
-            <a:r>
-              <a:rPr lang="es-ES" sz="1800" b="0" i="0">
-                <a:solidFill>
-                  <a:srgbClr val="008013"/>
-                </a:solidFill>
-                <a:effectLst/>
-                <a:latin typeface="Menlo"/>
-              </a:rPr>
-              <a:t>% Crear la señal de escalón unitario discreto</a:t>
-            </a:r>
-            <a:endParaRPr lang="es-ES" sz="1800" b="0" i="0">
-              <a:effectLst/>
-              <a:latin typeface="Menlo"/>
-            </a:endParaRPr>
-          </a:p>
-          <a:p>
-            <a:r>
-              <a:rPr lang="es-ES" sz="1800" b="0" i="0" err="1">
-                <a:effectLst/>
-                <a:latin typeface="Menlo"/>
-              </a:rPr>
-              <a:t>u_discreto</a:t>
-            </a:r>
-            <a:r>
-              <a:rPr lang="es-ES" sz="1800" b="0" i="0">
-                <a:effectLst/>
-                <a:latin typeface="Menlo"/>
-              </a:rPr>
-              <a:t> = (n &gt;= 1);</a:t>
-            </a:r>
-          </a:p>
-          <a:p>
-            <a:br>
-              <a:rPr lang="es-ES" sz="1800" b="0" i="0">
-                <a:effectLst/>
-                <a:latin typeface="Menlo"/>
-              </a:rPr>
-            </a:br>
-            <a:endParaRPr lang="es-ES" sz="1800" b="0" i="0">
-              <a:effectLst/>
-              <a:latin typeface="Menlo"/>
-            </a:endParaRPr>
-          </a:p>
-          <a:p>
-            <a:r>
-              <a:rPr lang="es-ES" sz="1800" b="0" i="0">
-                <a:solidFill>
-                  <a:srgbClr val="008013"/>
-                </a:solidFill>
-                <a:effectLst/>
-                <a:latin typeface="Menlo"/>
-              </a:rPr>
-              <a:t>% Graficar la señal discreta de escalón unitario</a:t>
-            </a:r>
-            <a:endParaRPr lang="es-ES" sz="1800" b="0" i="0">
-              <a:effectLst/>
-              <a:latin typeface="Menlo"/>
-            </a:endParaRPr>
-          </a:p>
-          <a:p>
-            <a:r>
-              <a:rPr lang="es-ES" sz="1800" b="0" i="0" err="1">
-                <a:effectLst/>
-                <a:latin typeface="Menlo"/>
-              </a:rPr>
-              <a:t>stem</a:t>
-            </a:r>
-            <a:r>
-              <a:rPr lang="es-ES" sz="1800" b="0" i="0">
-                <a:effectLst/>
-                <a:latin typeface="Menlo"/>
-              </a:rPr>
-              <a:t>(n*T, </a:t>
-            </a:r>
-            <a:r>
-              <a:rPr lang="es-ES" sz="1800" b="0" i="0" err="1">
-                <a:effectLst/>
-                <a:latin typeface="Menlo"/>
-              </a:rPr>
-              <a:t>u_discreto</a:t>
-            </a:r>
-            <a:r>
-              <a:rPr lang="es-ES" sz="1800" b="0" i="0">
-                <a:effectLst/>
-                <a:latin typeface="Menlo"/>
-              </a:rPr>
-              <a:t>, </a:t>
-            </a:r>
-            <a:r>
-              <a:rPr lang="es-ES" sz="1800" b="0" i="0">
-                <a:solidFill>
-                  <a:srgbClr val="A709F5"/>
-                </a:solidFill>
-                <a:effectLst/>
-                <a:latin typeface="Menlo"/>
-              </a:rPr>
-              <a:t>'</a:t>
-            </a:r>
-            <a:r>
-              <a:rPr lang="es-ES" sz="1800" b="0" i="0" err="1">
-                <a:solidFill>
-                  <a:srgbClr val="A709F5"/>
-                </a:solidFill>
-                <a:effectLst/>
-                <a:latin typeface="Menlo"/>
-              </a:rPr>
-              <a:t>filled</a:t>
-            </a:r>
-            <a:r>
-              <a:rPr lang="es-ES" sz="1800" b="0" i="0">
-                <a:solidFill>
-                  <a:srgbClr val="A709F5"/>
-                </a:solidFill>
-                <a:effectLst/>
-                <a:latin typeface="Menlo"/>
-              </a:rPr>
-              <a:t>'</a:t>
-            </a:r>
-            <a:r>
-              <a:rPr lang="es-ES" sz="1800" b="0" i="0">
-                <a:effectLst/>
-                <a:latin typeface="Menlo"/>
-              </a:rPr>
-              <a:t>, </a:t>
-            </a:r>
-            <a:r>
-              <a:rPr lang="es-ES" sz="1800" b="0" i="0">
-                <a:solidFill>
-                  <a:srgbClr val="A709F5"/>
-                </a:solidFill>
-                <a:effectLst/>
-                <a:latin typeface="Menlo"/>
-              </a:rPr>
-              <a:t>'</a:t>
-            </a:r>
-            <a:r>
-              <a:rPr lang="es-ES" sz="1800" b="0" i="0" err="1">
-                <a:solidFill>
-                  <a:srgbClr val="A709F5"/>
-                </a:solidFill>
-                <a:effectLst/>
-                <a:latin typeface="Menlo"/>
-              </a:rPr>
-              <a:t>LineWidth</a:t>
-            </a:r>
-            <a:r>
-              <a:rPr lang="es-ES" sz="1800" b="0" i="0">
-                <a:solidFill>
-                  <a:srgbClr val="A709F5"/>
-                </a:solidFill>
-                <a:effectLst/>
-                <a:latin typeface="Menlo"/>
-              </a:rPr>
-              <a:t>'</a:t>
-            </a:r>
-            <a:r>
-              <a:rPr lang="es-ES" sz="1800" b="0" i="0">
-                <a:effectLst/>
-                <a:latin typeface="Menlo"/>
-              </a:rPr>
-              <a:t>, 2);</a:t>
-            </a:r>
-          </a:p>
-          <a:p>
-            <a:r>
-              <a:rPr lang="es-ES" sz="1800" b="0" i="0" err="1">
-                <a:effectLst/>
-                <a:latin typeface="Menlo"/>
-              </a:rPr>
-              <a:t>title</a:t>
-            </a:r>
-            <a:r>
-              <a:rPr lang="es-ES" sz="1800" b="0" i="0">
-                <a:effectLst/>
-                <a:latin typeface="Menlo"/>
-              </a:rPr>
-              <a:t>(</a:t>
-            </a:r>
-            <a:r>
-              <a:rPr lang="es-ES" sz="1800" b="0" i="0">
-                <a:solidFill>
-                  <a:srgbClr val="A709F5"/>
-                </a:solidFill>
-                <a:effectLst/>
-                <a:latin typeface="Menlo"/>
-              </a:rPr>
-              <a:t>'Escalón Unitario Discreto'</a:t>
-            </a:r>
-            <a:r>
-              <a:rPr lang="es-ES" sz="1800" b="0" i="0">
-                <a:effectLst/>
-                <a:latin typeface="Menlo"/>
-              </a:rPr>
-              <a:t>);</a:t>
-            </a:r>
-          </a:p>
-          <a:p>
-            <a:r>
-              <a:rPr lang="es-ES" sz="1800" b="0" i="0" err="1">
-                <a:effectLst/>
-                <a:latin typeface="Menlo"/>
-              </a:rPr>
-              <a:t>xlabel</a:t>
-            </a:r>
-            <a:r>
-              <a:rPr lang="es-ES" sz="1800" b="0" i="0">
-                <a:effectLst/>
-                <a:latin typeface="Menlo"/>
-              </a:rPr>
-              <a:t>(</a:t>
-            </a:r>
-            <a:r>
-              <a:rPr lang="es-ES" sz="1800" b="0" i="0">
-                <a:solidFill>
-                  <a:srgbClr val="A709F5"/>
-                </a:solidFill>
-                <a:effectLst/>
-                <a:latin typeface="Menlo"/>
-              </a:rPr>
-              <a:t>'</a:t>
-            </a:r>
-            <a:r>
-              <a:rPr lang="es-ES" sz="1800" b="0" i="0" err="1">
-                <a:solidFill>
-                  <a:srgbClr val="A709F5"/>
-                </a:solidFill>
-                <a:effectLst/>
-                <a:latin typeface="Menlo"/>
-              </a:rPr>
-              <a:t>nT</a:t>
-            </a:r>
-            <a:r>
-              <a:rPr lang="es-ES" sz="1800" b="0" i="0">
-                <a:solidFill>
-                  <a:srgbClr val="A709F5"/>
-                </a:solidFill>
-                <a:effectLst/>
-                <a:latin typeface="Menlo"/>
-              </a:rPr>
-              <a:t> (Tiempo en segundos)'</a:t>
-            </a:r>
-            <a:r>
-              <a:rPr lang="es-ES" sz="1800" b="0" i="0">
-                <a:effectLst/>
-                <a:latin typeface="Menlo"/>
-              </a:rPr>
-              <a:t>);</a:t>
-            </a:r>
-          </a:p>
-          <a:p>
-            <a:r>
-              <a:rPr lang="es-ES" sz="1800" b="0" i="0" err="1">
-                <a:effectLst/>
-                <a:latin typeface="Menlo"/>
-              </a:rPr>
-              <a:t>ylabel</a:t>
-            </a:r>
-            <a:r>
-              <a:rPr lang="es-ES" sz="1800" b="0" i="0">
-                <a:effectLst/>
-                <a:latin typeface="Menlo"/>
-              </a:rPr>
-              <a:t>(</a:t>
-            </a:r>
-            <a:r>
-              <a:rPr lang="es-ES" sz="1800" b="0" i="0">
-                <a:solidFill>
-                  <a:srgbClr val="A709F5"/>
-                </a:solidFill>
-                <a:effectLst/>
-                <a:latin typeface="Menlo"/>
-              </a:rPr>
-              <a:t>'Amplitud'</a:t>
-            </a:r>
-            <a:r>
-              <a:rPr lang="es-ES" sz="1800" b="0" i="0">
-                <a:effectLst/>
-                <a:latin typeface="Menlo"/>
-              </a:rPr>
-              <a:t>);</a:t>
-            </a:r>
-          </a:p>
-          <a:p>
-            <a:r>
-              <a:rPr lang="es-ES" sz="1800" b="0" i="0" err="1">
-                <a:effectLst/>
-                <a:latin typeface="Menlo"/>
-              </a:rPr>
-              <a:t>ylim</a:t>
-            </a:r>
-            <a:r>
-              <a:rPr lang="es-ES" sz="1800" b="0" i="0">
-                <a:effectLst/>
-                <a:latin typeface="Menlo"/>
-              </a:rPr>
-              <a:t>([-0.1, 1.1]); </a:t>
-            </a:r>
-            <a:r>
-              <a:rPr lang="es-ES" sz="1800" b="0" i="0">
-                <a:solidFill>
-                  <a:srgbClr val="008013"/>
-                </a:solidFill>
-                <a:effectLst/>
-                <a:latin typeface="Menlo"/>
-              </a:rPr>
-              <a:t>% Ajustar los límites en el eje y</a:t>
-            </a:r>
-            <a:endParaRPr lang="es-ES" sz="1800" b="0" i="0">
-              <a:effectLst/>
-              <a:latin typeface="Menlo"/>
-            </a:endParaRPr>
-          </a:p>
-          <a:p>
-            <a:r>
-              <a:rPr lang="es-ES" sz="1800" b="0" i="0" err="1">
-                <a:effectLst/>
-                <a:latin typeface="Menlo"/>
-              </a:rPr>
-              <a:t>grid</a:t>
-            </a:r>
-            <a:r>
-              <a:rPr lang="es-ES" sz="1800" b="0" i="0">
-                <a:effectLst/>
-                <a:latin typeface="Menlo"/>
-              </a:rPr>
-              <a:t> </a:t>
-            </a:r>
-            <a:r>
-              <a:rPr lang="es-ES" sz="1800" b="0" i="0" err="1">
-                <a:solidFill>
-                  <a:srgbClr val="A709F5"/>
-                </a:solidFill>
-                <a:effectLst/>
-                <a:latin typeface="Menlo"/>
-              </a:rPr>
-              <a:t>on</a:t>
-            </a:r>
-            <a:r>
-              <a:rPr lang="es-ES" sz="1800" b="0" i="0">
-                <a:effectLst/>
-                <a:latin typeface="Menlo"/>
-              </a:rPr>
-              <a:t>;</a:t>
-            </a:r>
-          </a:p>
-          <a:p>
-            <a:br>
-              <a:rPr lang="es-ES" sz="1800" b="0" i="0">
-                <a:effectLst/>
-                <a:latin typeface="Menlo"/>
-              </a:rPr>
-            </a:br>
-            <a:endParaRPr lang="es-ES" sz="1800" b="0" i="0">
-              <a:effectLst/>
-              <a:latin typeface="Menlo"/>
-            </a:endParaRPr>
-          </a:p>
-          <a:p>
-            <a:endParaRPr lang="en-US"/>
-          </a:p>
-        </p:txBody>
-      </p:sp>
-      <p:sp>
-        <p:nvSpPr>
-          <p:cNvPr id="4" name="Marcador de número de diapositiva 3"/>
-          <p:cNvSpPr>
-            <a:spLocks noGrp="1"/>
-          </p:cNvSpPr>
-          <p:nvPr>
-            <p:ph type="sldNum" sz="quarter" idx="5"/>
-          </p:nvPr>
-        </p:nvSpPr>
-        <p:spPr/>
-        <p:txBody>
-          <a:bodyPr/>
-          <a:lstStyle/>
-          <a:p>
-            <a:pPr>
-              <a:defRPr/>
-            </a:pPr>
-            <a:fld id="{2D1E0FDF-8C6F-43B4-8722-700C06D0C414}" type="slidenum">
-              <a:rPr lang="es-CO" altLang="es-CO" smtClean="0"/>
-              <a:pPr>
-                <a:defRPr/>
-              </a:pPr>
-              <a:t>19</a:t>
-            </a:fld>
-            <a:endParaRPr lang="es-CO" altLang="es-CO"/>
-          </a:p>
-        </p:txBody>
-      </p:sp>
-    </p:spTree>
-    <p:extLst>
-      <p:ext uri="{BB962C8B-B14F-4D97-AF65-F5344CB8AC3E}">
-        <p14:creationId xmlns:p14="http://schemas.microsoft.com/office/powerpoint/2010/main" val="4073415293"/>
-      </p:ext>
-    </p:extLst>
-  </p:cSld>
-  <p:clrMapOvr>
-    <a:masterClrMapping/>
-  </p:clrMapOvr>
-</p:notes>
-</file>
-
-<file path=ppt/notesSlides/notesSlide8.xml><?xml version="1.0" encoding="utf-8"?>
-<p:notes xmlns:a="http://schemas.openxmlformats.org/drawingml/2006/main" xmlns:r="http://schemas.openxmlformats.org/officeDocument/2006/relationships" xmlns:p="http://schemas.openxmlformats.org/presentationml/2006/main">
-  <p:cSld>
-    <p:spTree>
-      <p:nvGrpSpPr>
-        <p:cNvPr id="1" name=""/>
-        <p:cNvGrpSpPr/>
-        <p:nvPr/>
-      </p:nvGrpSpPr>
-      <p:grpSpPr>
-        <a:xfrm>
-          <a:off x="0" y="0"/>
-          <a:ext cx="0" cy="0"/>
-          <a:chOff x="0" y="0"/>
-          <a:chExt cx="0" cy="0"/>
-        </a:xfrm>
-      </p:grpSpPr>
-      <p:sp>
-        <p:nvSpPr>
-          <p:cNvPr id="2" name="Marcador de imagen de diapositiva 1"/>
-          <p:cNvSpPr>
-            <a:spLocks noGrp="1" noRot="1" noChangeAspect="1"/>
-          </p:cNvSpPr>
-          <p:nvPr>
-            <p:ph type="sldImg"/>
-          </p:nvPr>
-        </p:nvSpPr>
-        <p:spPr/>
-      </p:sp>
-      <p:sp>
-        <p:nvSpPr>
-          <p:cNvPr id="3" name="Marcador de notas 2"/>
-          <p:cNvSpPr>
-            <a:spLocks noGrp="1"/>
-          </p:cNvSpPr>
-          <p:nvPr>
-            <p:ph type="body" idx="1"/>
-          </p:nvPr>
-        </p:nvSpPr>
-        <p:spPr/>
-        <p:txBody>
-          <a:bodyPr>
-            <a:normAutofit fontScale="62500" lnSpcReduction="20000"/>
-          </a:bodyPr>
-          <a:lstStyle/>
-          <a:p>
-            <a:r>
-              <a:rPr lang="en-US" sz="1800" b="0" i="0">
-                <a:solidFill>
-                  <a:srgbClr val="008013"/>
-                </a:solidFill>
-                <a:effectLst/>
-                <a:latin typeface="Menlo"/>
-              </a:rPr>
-              <a:t>% </a:t>
-            </a:r>
-            <a:r>
-              <a:rPr lang="en-US" sz="1800" b="0" i="0" err="1">
-                <a:solidFill>
-                  <a:srgbClr val="008013"/>
-                </a:solidFill>
-                <a:effectLst/>
-                <a:latin typeface="Menlo"/>
-              </a:rPr>
-              <a:t>Definir</a:t>
-            </a:r>
-            <a:r>
-              <a:rPr lang="en-US" sz="1800" b="0" i="0">
-                <a:solidFill>
-                  <a:srgbClr val="008013"/>
-                </a:solidFill>
-                <a:effectLst/>
-                <a:latin typeface="Menlo"/>
-              </a:rPr>
-              <a:t> la variable </a:t>
-            </a:r>
-            <a:r>
-              <a:rPr lang="en-US" sz="1800" b="0" i="0" err="1">
-                <a:solidFill>
-                  <a:srgbClr val="008013"/>
-                </a:solidFill>
-                <a:effectLst/>
-                <a:latin typeface="Menlo"/>
-              </a:rPr>
-              <a:t>compleja</a:t>
-            </a:r>
-            <a:r>
-              <a:rPr lang="en-US" sz="1800" b="0" i="0">
-                <a:solidFill>
-                  <a:srgbClr val="008013"/>
-                </a:solidFill>
-                <a:effectLst/>
-                <a:latin typeface="Menlo"/>
-              </a:rPr>
-              <a:t> Z</a:t>
-            </a:r>
-            <a:endParaRPr lang="en-US" sz="1800" b="0" i="0">
-              <a:effectLst/>
-              <a:latin typeface="Menlo"/>
-            </a:endParaRPr>
-          </a:p>
-          <a:p>
-            <a:r>
-              <a:rPr lang="en-US" sz="1800" b="0" i="0">
-                <a:effectLst/>
-                <a:latin typeface="Menlo"/>
-              </a:rPr>
-              <a:t>Re = -2:0.001:2;</a:t>
-            </a:r>
-          </a:p>
-          <a:p>
-            <a:r>
-              <a:rPr lang="en-US" sz="1800" b="0" i="0" err="1">
-                <a:effectLst/>
-                <a:latin typeface="Menlo"/>
-              </a:rPr>
-              <a:t>Im</a:t>
-            </a:r>
-            <a:r>
-              <a:rPr lang="en-US" sz="1800" b="0" i="0">
-                <a:effectLst/>
-                <a:latin typeface="Menlo"/>
-              </a:rPr>
-              <a:t> = -2:0.001:2;</a:t>
-            </a:r>
-          </a:p>
-          <a:p>
-            <a:r>
-              <a:rPr lang="en-US" sz="1800" b="0" i="0">
-                <a:effectLst/>
-                <a:latin typeface="Menlo"/>
-              </a:rPr>
-              <a:t>[</a:t>
-            </a:r>
-            <a:r>
-              <a:rPr lang="en-US" sz="1800" b="0" i="0" err="1">
-                <a:effectLst/>
-                <a:latin typeface="Menlo"/>
-              </a:rPr>
-              <a:t>Z_Re</a:t>
-            </a:r>
-            <a:r>
-              <a:rPr lang="en-US" sz="1800" b="0" i="0">
-                <a:effectLst/>
-                <a:latin typeface="Menlo"/>
-              </a:rPr>
-              <a:t>, </a:t>
-            </a:r>
-            <a:r>
-              <a:rPr lang="en-US" sz="1800" b="0" i="0" err="1">
-                <a:effectLst/>
-                <a:latin typeface="Menlo"/>
-              </a:rPr>
-              <a:t>Z_Im</a:t>
-            </a:r>
-            <a:r>
-              <a:rPr lang="en-US" sz="1800" b="0" i="0">
-                <a:effectLst/>
-                <a:latin typeface="Menlo"/>
-              </a:rPr>
-              <a:t>] = </a:t>
-            </a:r>
-            <a:r>
-              <a:rPr lang="en-US" sz="1800" b="0" i="0" err="1">
-                <a:effectLst/>
-                <a:latin typeface="Menlo"/>
-              </a:rPr>
-              <a:t>meshgrid</a:t>
-            </a:r>
-            <a:r>
-              <a:rPr lang="en-US" sz="1800" b="0" i="0">
-                <a:effectLst/>
-                <a:latin typeface="Menlo"/>
-              </a:rPr>
-              <a:t>(Re, </a:t>
-            </a:r>
-            <a:r>
-              <a:rPr lang="en-US" sz="1800" b="0" i="0" err="1">
-                <a:effectLst/>
-                <a:latin typeface="Menlo"/>
-              </a:rPr>
-              <a:t>Im</a:t>
-            </a:r>
-            <a:r>
-              <a:rPr lang="en-US" sz="1800" b="0" i="0">
-                <a:effectLst/>
-                <a:latin typeface="Menlo"/>
-              </a:rPr>
-              <a:t>);</a:t>
-            </a:r>
-          </a:p>
-          <a:p>
-            <a:r>
-              <a:rPr lang="en-US" sz="1800" b="0" i="0">
-                <a:effectLst/>
-                <a:latin typeface="Menlo"/>
-              </a:rPr>
-              <a:t>Z = </a:t>
-            </a:r>
-            <a:r>
-              <a:rPr lang="en-US" sz="1800" b="0" i="0" err="1">
-                <a:effectLst/>
-                <a:latin typeface="Menlo"/>
-              </a:rPr>
-              <a:t>Z_Re</a:t>
-            </a:r>
-            <a:r>
-              <a:rPr lang="en-US" sz="1800" b="0" i="0">
-                <a:effectLst/>
-                <a:latin typeface="Menlo"/>
-              </a:rPr>
-              <a:t> + 1i * </a:t>
-            </a:r>
-            <a:r>
-              <a:rPr lang="en-US" sz="1800" b="0" i="0" err="1">
-                <a:effectLst/>
-                <a:latin typeface="Menlo"/>
-              </a:rPr>
-              <a:t>Z_Im</a:t>
-            </a:r>
-            <a:r>
-              <a:rPr lang="en-US" sz="1800" b="0" i="0">
-                <a:effectLst/>
-                <a:latin typeface="Menlo"/>
-              </a:rPr>
-              <a:t>;</a:t>
-            </a:r>
-          </a:p>
-          <a:p>
-            <a:br>
-              <a:rPr lang="en-US" sz="1800" b="0" i="0">
-                <a:effectLst/>
-                <a:latin typeface="Menlo"/>
-              </a:rPr>
-            </a:br>
-            <a:endParaRPr lang="en-US" sz="1800" b="0" i="0">
-              <a:effectLst/>
-              <a:latin typeface="Menlo"/>
-            </a:endParaRPr>
-          </a:p>
-          <a:p>
-            <a:r>
-              <a:rPr lang="en-US" sz="1800" b="0" i="0">
-                <a:solidFill>
-                  <a:srgbClr val="008013"/>
-                </a:solidFill>
-                <a:effectLst/>
-                <a:latin typeface="Menlo"/>
-              </a:rPr>
-              <a:t>% </a:t>
-            </a:r>
-            <a:r>
-              <a:rPr lang="en-US" sz="1800" b="0" i="0" err="1">
-                <a:solidFill>
-                  <a:srgbClr val="008013"/>
-                </a:solidFill>
-                <a:effectLst/>
-                <a:latin typeface="Menlo"/>
-              </a:rPr>
-              <a:t>Definir</a:t>
-            </a:r>
-            <a:r>
-              <a:rPr lang="en-US" sz="1800" b="0" i="0">
-                <a:solidFill>
-                  <a:srgbClr val="008013"/>
-                </a:solidFill>
-                <a:effectLst/>
-                <a:latin typeface="Menlo"/>
-              </a:rPr>
-              <a:t> la ROC del </a:t>
-            </a:r>
-            <a:r>
-              <a:rPr lang="en-US" sz="1800" b="0" i="0" err="1">
-                <a:solidFill>
-                  <a:srgbClr val="008013"/>
-                </a:solidFill>
-                <a:effectLst/>
-                <a:latin typeface="Menlo"/>
-              </a:rPr>
-              <a:t>escalón</a:t>
-            </a:r>
-            <a:r>
-              <a:rPr lang="en-US" sz="1800" b="0" i="0">
-                <a:solidFill>
-                  <a:srgbClr val="008013"/>
-                </a:solidFill>
-                <a:effectLst/>
-                <a:latin typeface="Menlo"/>
-              </a:rPr>
-              <a:t> </a:t>
-            </a:r>
-            <a:r>
-              <a:rPr lang="en-US" sz="1800" b="0" i="0" err="1">
-                <a:solidFill>
-                  <a:srgbClr val="008013"/>
-                </a:solidFill>
-                <a:effectLst/>
-                <a:latin typeface="Menlo"/>
-              </a:rPr>
-              <a:t>unitario</a:t>
-            </a:r>
-            <a:endParaRPr lang="en-US" sz="1800" b="0" i="0">
-              <a:effectLst/>
-              <a:latin typeface="Menlo"/>
-            </a:endParaRPr>
-          </a:p>
-          <a:p>
-            <a:r>
-              <a:rPr lang="en-US" sz="1800" b="0" i="0">
-                <a:effectLst/>
-                <a:latin typeface="Menlo"/>
-              </a:rPr>
-              <a:t>ROC = abs(Z) &gt; 1;</a:t>
-            </a:r>
-          </a:p>
-          <a:p>
-            <a:br>
-              <a:rPr lang="en-US" sz="1800" b="0" i="0">
-                <a:effectLst/>
-                <a:latin typeface="Menlo"/>
-              </a:rPr>
-            </a:br>
-            <a:endParaRPr lang="en-US" sz="1800" b="0" i="0">
-              <a:effectLst/>
-              <a:latin typeface="Menlo"/>
-            </a:endParaRPr>
-          </a:p>
-          <a:p>
-            <a:r>
-              <a:rPr lang="en-US" sz="1800" b="0" i="0">
-                <a:solidFill>
-                  <a:srgbClr val="008013"/>
-                </a:solidFill>
-                <a:effectLst/>
-                <a:latin typeface="Menlo"/>
-              </a:rPr>
-              <a:t>% </a:t>
-            </a:r>
-            <a:r>
-              <a:rPr lang="en-US" sz="1800" b="0" i="0" err="1">
-                <a:solidFill>
-                  <a:srgbClr val="008013"/>
-                </a:solidFill>
-                <a:effectLst/>
-                <a:latin typeface="Menlo"/>
-              </a:rPr>
-              <a:t>Graficar</a:t>
-            </a:r>
-            <a:r>
-              <a:rPr lang="en-US" sz="1800" b="0" i="0">
-                <a:solidFill>
-                  <a:srgbClr val="008013"/>
-                </a:solidFill>
-                <a:effectLst/>
-                <a:latin typeface="Menlo"/>
-              </a:rPr>
-              <a:t> la ROC</a:t>
-            </a:r>
-            <a:endParaRPr lang="en-US" sz="1800" b="0" i="0">
-              <a:effectLst/>
-              <a:latin typeface="Menlo"/>
-            </a:endParaRPr>
-          </a:p>
-          <a:p>
-            <a:r>
-              <a:rPr lang="en-US" sz="1800" b="0" i="0">
-                <a:effectLst/>
-                <a:latin typeface="Menlo"/>
-              </a:rPr>
-              <a:t>figure;</a:t>
-            </a:r>
-          </a:p>
-          <a:p>
-            <a:r>
-              <a:rPr lang="en-US" sz="1800" b="0" i="0" err="1">
-                <a:effectLst/>
-                <a:latin typeface="Menlo"/>
-              </a:rPr>
-              <a:t>imshow</a:t>
-            </a:r>
-            <a:r>
-              <a:rPr lang="en-US" sz="1800" b="0" i="0">
-                <a:effectLst/>
-                <a:latin typeface="Menlo"/>
-              </a:rPr>
-              <a:t>(ROC, </a:t>
-            </a:r>
-            <a:r>
-              <a:rPr lang="en-US" sz="1800" b="0" i="0">
-                <a:solidFill>
-                  <a:srgbClr val="A709F5"/>
-                </a:solidFill>
-                <a:effectLst/>
-                <a:latin typeface="Menlo"/>
-              </a:rPr>
-              <a:t>'</a:t>
-            </a:r>
-            <a:r>
-              <a:rPr lang="en-US" sz="1800" b="0" i="0" err="1">
-                <a:solidFill>
-                  <a:srgbClr val="A709F5"/>
-                </a:solidFill>
-                <a:effectLst/>
-                <a:latin typeface="Menlo"/>
-              </a:rPr>
-              <a:t>XData</a:t>
-            </a:r>
-            <a:r>
-              <a:rPr lang="en-US" sz="1800" b="0" i="0">
-                <a:solidFill>
-                  <a:srgbClr val="A709F5"/>
-                </a:solidFill>
-                <a:effectLst/>
-                <a:latin typeface="Menlo"/>
-              </a:rPr>
-              <a:t>'</a:t>
-            </a:r>
-            <a:r>
-              <a:rPr lang="en-US" sz="1800" b="0" i="0">
-                <a:effectLst/>
-                <a:latin typeface="Menlo"/>
-              </a:rPr>
-              <a:t>, Re, </a:t>
-            </a:r>
-            <a:r>
-              <a:rPr lang="en-US" sz="1800" b="0" i="0">
-                <a:solidFill>
-                  <a:srgbClr val="A709F5"/>
-                </a:solidFill>
-                <a:effectLst/>
-                <a:latin typeface="Menlo"/>
-              </a:rPr>
-              <a:t>'</a:t>
-            </a:r>
-            <a:r>
-              <a:rPr lang="en-US" sz="1800" b="0" i="0" err="1">
-                <a:solidFill>
-                  <a:srgbClr val="A709F5"/>
-                </a:solidFill>
-                <a:effectLst/>
-                <a:latin typeface="Menlo"/>
-              </a:rPr>
-              <a:t>YData</a:t>
-            </a:r>
-            <a:r>
-              <a:rPr lang="en-US" sz="1800" b="0" i="0">
-                <a:solidFill>
-                  <a:srgbClr val="A709F5"/>
-                </a:solidFill>
-                <a:effectLst/>
-                <a:latin typeface="Menlo"/>
-              </a:rPr>
-              <a:t>'</a:t>
-            </a:r>
-            <a:r>
-              <a:rPr lang="en-US" sz="1800" b="0" i="0">
-                <a:effectLst/>
-                <a:latin typeface="Menlo"/>
-              </a:rPr>
-              <a:t>, </a:t>
-            </a:r>
-            <a:r>
-              <a:rPr lang="en-US" sz="1800" b="0" i="0" err="1">
-                <a:effectLst/>
-                <a:latin typeface="Menlo"/>
-              </a:rPr>
-              <a:t>Im</a:t>
-            </a:r>
-            <a:r>
-              <a:rPr lang="en-US" sz="1800" b="0" i="0">
-                <a:effectLst/>
-                <a:latin typeface="Menlo"/>
-              </a:rPr>
-              <a:t>);</a:t>
-            </a:r>
-          </a:p>
-          <a:p>
-            <a:r>
-              <a:rPr lang="en-US" sz="1800" b="0" i="0">
-                <a:effectLst/>
-                <a:latin typeface="Menlo"/>
-              </a:rPr>
-              <a:t>title(</a:t>
-            </a:r>
-            <a:r>
-              <a:rPr lang="en-US" sz="1800" b="0" i="0">
-                <a:solidFill>
-                  <a:srgbClr val="A709F5"/>
-                </a:solidFill>
-                <a:effectLst/>
-                <a:latin typeface="Menlo"/>
-              </a:rPr>
-              <a:t>'</a:t>
-            </a:r>
-            <a:r>
-              <a:rPr lang="en-US" sz="1800" b="0" i="0" err="1">
-                <a:solidFill>
-                  <a:srgbClr val="A709F5"/>
-                </a:solidFill>
-                <a:effectLst/>
-                <a:latin typeface="Menlo"/>
-              </a:rPr>
-              <a:t>Región</a:t>
-            </a:r>
-            <a:r>
-              <a:rPr lang="en-US" sz="1800" b="0" i="0">
-                <a:solidFill>
-                  <a:srgbClr val="A709F5"/>
-                </a:solidFill>
-                <a:effectLst/>
-                <a:latin typeface="Menlo"/>
-              </a:rPr>
-              <a:t> de </a:t>
-            </a:r>
-            <a:r>
-              <a:rPr lang="en-US" sz="1800" b="0" i="0" err="1">
-                <a:solidFill>
-                  <a:srgbClr val="A709F5"/>
-                </a:solidFill>
-                <a:effectLst/>
-                <a:latin typeface="Menlo"/>
-              </a:rPr>
-              <a:t>Convergencia</a:t>
-            </a:r>
-            <a:r>
-              <a:rPr lang="en-US" sz="1800" b="0" i="0">
-                <a:solidFill>
-                  <a:srgbClr val="A709F5"/>
-                </a:solidFill>
-                <a:effectLst/>
-                <a:latin typeface="Menlo"/>
-              </a:rPr>
-              <a:t> (ROC) del </a:t>
-            </a:r>
-            <a:r>
-              <a:rPr lang="en-US" sz="1800" b="0" i="0" err="1">
-                <a:solidFill>
-                  <a:srgbClr val="A709F5"/>
-                </a:solidFill>
-                <a:effectLst/>
-                <a:latin typeface="Menlo"/>
-              </a:rPr>
-              <a:t>Escalón</a:t>
-            </a:r>
-            <a:r>
-              <a:rPr lang="en-US" sz="1800" b="0" i="0">
-                <a:solidFill>
-                  <a:srgbClr val="A709F5"/>
-                </a:solidFill>
-                <a:effectLst/>
-                <a:latin typeface="Menlo"/>
-              </a:rPr>
-              <a:t> </a:t>
-            </a:r>
-            <a:r>
-              <a:rPr lang="en-US" sz="1800" b="0" i="0" err="1">
-                <a:solidFill>
-                  <a:srgbClr val="A709F5"/>
-                </a:solidFill>
-                <a:effectLst/>
-                <a:latin typeface="Menlo"/>
-              </a:rPr>
-              <a:t>Unitario</a:t>
-            </a:r>
-            <a:r>
-              <a:rPr lang="en-US" sz="1800" b="0" i="0">
-                <a:solidFill>
-                  <a:srgbClr val="A709F5"/>
-                </a:solidFill>
-                <a:effectLst/>
-                <a:latin typeface="Menlo"/>
-              </a:rPr>
-              <a:t> </a:t>
-            </a:r>
-            <a:r>
-              <a:rPr lang="en-US" sz="1800" b="0" i="0" err="1">
-                <a:solidFill>
-                  <a:srgbClr val="A709F5"/>
-                </a:solidFill>
-                <a:effectLst/>
-                <a:latin typeface="Menlo"/>
-              </a:rPr>
-              <a:t>en</a:t>
-            </a:r>
-            <a:r>
-              <a:rPr lang="en-US" sz="1800" b="0" i="0">
-                <a:solidFill>
-                  <a:srgbClr val="A709F5"/>
-                </a:solidFill>
-                <a:effectLst/>
-                <a:latin typeface="Menlo"/>
-              </a:rPr>
-              <a:t> </a:t>
-            </a:r>
-            <a:r>
-              <a:rPr lang="en-US" sz="1800" b="0" i="0" err="1">
-                <a:solidFill>
-                  <a:srgbClr val="A709F5"/>
-                </a:solidFill>
-                <a:effectLst/>
-                <a:latin typeface="Menlo"/>
-              </a:rPr>
-              <a:t>el</a:t>
-            </a:r>
-            <a:r>
-              <a:rPr lang="en-US" sz="1800" b="0" i="0">
-                <a:solidFill>
-                  <a:srgbClr val="A709F5"/>
-                </a:solidFill>
-                <a:effectLst/>
-                <a:latin typeface="Menlo"/>
-              </a:rPr>
-              <a:t> </a:t>
-            </a:r>
-            <a:r>
-              <a:rPr lang="en-US" sz="1800" b="0" i="0" err="1">
-                <a:solidFill>
-                  <a:srgbClr val="A709F5"/>
-                </a:solidFill>
-                <a:effectLst/>
-                <a:latin typeface="Menlo"/>
-              </a:rPr>
-              <a:t>Dominio</a:t>
-            </a:r>
-            <a:r>
-              <a:rPr lang="en-US" sz="1800" b="0" i="0">
-                <a:solidFill>
-                  <a:srgbClr val="A709F5"/>
-                </a:solidFill>
-                <a:effectLst/>
-                <a:latin typeface="Menlo"/>
-              </a:rPr>
-              <a:t> Z'</a:t>
-            </a:r>
-            <a:r>
-              <a:rPr lang="en-US" sz="1800" b="0" i="0">
-                <a:effectLst/>
-                <a:latin typeface="Menlo"/>
-              </a:rPr>
-              <a:t>);</a:t>
-            </a:r>
-          </a:p>
-          <a:p>
-            <a:r>
-              <a:rPr lang="en-US" sz="1800" b="0" i="0" err="1">
-                <a:effectLst/>
-                <a:latin typeface="Menlo"/>
-              </a:rPr>
-              <a:t>xlabel</a:t>
-            </a:r>
-            <a:r>
-              <a:rPr lang="en-US" sz="1800" b="0" i="0">
-                <a:effectLst/>
-                <a:latin typeface="Menlo"/>
-              </a:rPr>
-              <a:t>(</a:t>
-            </a:r>
-            <a:r>
-              <a:rPr lang="en-US" sz="1800" b="0" i="0">
-                <a:solidFill>
-                  <a:srgbClr val="A709F5"/>
-                </a:solidFill>
-                <a:effectLst/>
-                <a:latin typeface="Menlo"/>
-              </a:rPr>
-              <a:t>'</a:t>
-            </a:r>
-            <a:r>
-              <a:rPr lang="en-US" sz="1800" b="0" i="0" err="1">
-                <a:solidFill>
-                  <a:srgbClr val="A709F5"/>
-                </a:solidFill>
-                <a:effectLst/>
-                <a:latin typeface="Menlo"/>
-              </a:rPr>
-              <a:t>Parte</a:t>
-            </a:r>
-            <a:r>
-              <a:rPr lang="en-US" sz="1800" b="0" i="0">
-                <a:solidFill>
-                  <a:srgbClr val="A709F5"/>
-                </a:solidFill>
-                <a:effectLst/>
-                <a:latin typeface="Menlo"/>
-              </a:rPr>
-              <a:t> Real'</a:t>
-            </a:r>
-            <a:r>
-              <a:rPr lang="en-US" sz="1800" b="0" i="0">
-                <a:effectLst/>
-                <a:latin typeface="Menlo"/>
-              </a:rPr>
-              <a:t>);</a:t>
-            </a:r>
-          </a:p>
-          <a:p>
-            <a:r>
-              <a:rPr lang="en-US" sz="1800" b="0" i="0" err="1">
-                <a:effectLst/>
-                <a:latin typeface="Menlo"/>
-              </a:rPr>
-              <a:t>ylabel</a:t>
-            </a:r>
-            <a:r>
-              <a:rPr lang="en-US" sz="1800" b="0" i="0">
-                <a:effectLst/>
-                <a:latin typeface="Menlo"/>
-              </a:rPr>
-              <a:t>(</a:t>
-            </a:r>
-            <a:r>
-              <a:rPr lang="en-US" sz="1800" b="0" i="0">
-                <a:solidFill>
-                  <a:srgbClr val="A709F5"/>
-                </a:solidFill>
-                <a:effectLst/>
-                <a:latin typeface="Menlo"/>
-              </a:rPr>
-              <a:t>'</a:t>
-            </a:r>
-            <a:r>
-              <a:rPr lang="en-US" sz="1800" b="0" i="0" err="1">
-                <a:solidFill>
-                  <a:srgbClr val="A709F5"/>
-                </a:solidFill>
-                <a:effectLst/>
-                <a:latin typeface="Menlo"/>
-              </a:rPr>
-              <a:t>Parte</a:t>
-            </a:r>
-            <a:r>
-              <a:rPr lang="en-US" sz="1800" b="0" i="0">
-                <a:solidFill>
-                  <a:srgbClr val="A709F5"/>
-                </a:solidFill>
-                <a:effectLst/>
-                <a:latin typeface="Menlo"/>
-              </a:rPr>
-              <a:t> </a:t>
-            </a:r>
-            <a:r>
-              <a:rPr lang="en-US" sz="1800" b="0" i="0" err="1">
-                <a:solidFill>
-                  <a:srgbClr val="A709F5"/>
-                </a:solidFill>
-                <a:effectLst/>
-                <a:latin typeface="Menlo"/>
-              </a:rPr>
-              <a:t>Imaginaria</a:t>
-            </a:r>
-            <a:r>
-              <a:rPr lang="en-US" sz="1800" b="0" i="0">
-                <a:solidFill>
-                  <a:srgbClr val="A709F5"/>
-                </a:solidFill>
-                <a:effectLst/>
-                <a:latin typeface="Menlo"/>
-              </a:rPr>
-              <a:t>'</a:t>
-            </a:r>
-            <a:r>
-              <a:rPr lang="en-US" sz="1800" b="0" i="0">
-                <a:effectLst/>
-                <a:latin typeface="Menlo"/>
-              </a:rPr>
-              <a:t>);</a:t>
-            </a:r>
-          </a:p>
-          <a:p>
-            <a:r>
-              <a:rPr lang="en-US" sz="1800" b="0" i="0">
-                <a:effectLst/>
-                <a:latin typeface="Menlo"/>
-              </a:rPr>
-              <a:t>colormap([1, 1, 1; 0, 0, 0]); </a:t>
-            </a:r>
-            <a:r>
-              <a:rPr lang="en-US" sz="1800" b="0" i="0">
-                <a:solidFill>
-                  <a:srgbClr val="008013"/>
-                </a:solidFill>
-                <a:effectLst/>
-                <a:latin typeface="Menlo"/>
-              </a:rPr>
-              <a:t>% Blanco y negro para mayor </a:t>
-            </a:r>
-            <a:r>
-              <a:rPr lang="en-US" sz="1800" b="0" i="0" err="1">
-                <a:solidFill>
-                  <a:srgbClr val="008013"/>
-                </a:solidFill>
-                <a:effectLst/>
-                <a:latin typeface="Menlo"/>
-              </a:rPr>
-              <a:t>claridad</a:t>
-            </a:r>
-            <a:endParaRPr lang="en-US" sz="1800" b="0" i="0">
-              <a:effectLst/>
-              <a:latin typeface="Menlo"/>
-            </a:endParaRPr>
-          </a:p>
-          <a:p>
-            <a:r>
-              <a:rPr lang="en-US" sz="1800" b="0" i="0">
-                <a:effectLst/>
-                <a:latin typeface="Menlo"/>
-              </a:rPr>
-              <a:t>axis </a:t>
-            </a:r>
-            <a:r>
-              <a:rPr lang="en-US" sz="1800" b="0" i="0">
-                <a:solidFill>
-                  <a:srgbClr val="A709F5"/>
-                </a:solidFill>
-                <a:effectLst/>
-                <a:latin typeface="Menlo"/>
-              </a:rPr>
-              <a:t>on</a:t>
-            </a:r>
-            <a:r>
-              <a:rPr lang="en-US" sz="1800" b="0" i="0">
-                <a:effectLst/>
-                <a:latin typeface="Menlo"/>
-              </a:rPr>
-              <a:t>;</a:t>
-            </a:r>
-          </a:p>
-          <a:p>
-            <a:r>
-              <a:rPr lang="en-US" sz="1800" b="0" i="0">
-                <a:effectLst/>
-                <a:latin typeface="Menlo"/>
-              </a:rPr>
-              <a:t>grid </a:t>
-            </a:r>
-            <a:r>
-              <a:rPr lang="en-US" sz="1800" b="0" i="0">
-                <a:solidFill>
-                  <a:srgbClr val="A709F5"/>
-                </a:solidFill>
-                <a:effectLst/>
-                <a:latin typeface="Menlo"/>
-              </a:rPr>
-              <a:t>on</a:t>
-            </a:r>
-            <a:r>
-              <a:rPr lang="en-US" sz="1800" b="0" i="0">
-                <a:effectLst/>
-                <a:latin typeface="Menlo"/>
-              </a:rPr>
-              <a:t>;</a:t>
-            </a:r>
-          </a:p>
-          <a:p>
-            <a:br>
-              <a:rPr lang="en-US" sz="1800" b="0" i="0">
-                <a:effectLst/>
-                <a:latin typeface="Menlo"/>
-              </a:rPr>
-            </a:br>
-            <a:endParaRPr lang="en-US" sz="1800" b="0" i="0">
-              <a:effectLst/>
-              <a:latin typeface="Menlo"/>
-            </a:endParaRPr>
-          </a:p>
-          <a:p>
-            <a:endParaRPr lang="en-US"/>
+            <a:endParaRPr lang="en-US" dirty="0"/>
           </a:p>
         </p:txBody>
       </p:sp>
@@ -6002,7 +3330,7 @@
     </p:spTree>
     <p:extLst>
       <p:ext uri="{BB962C8B-B14F-4D97-AF65-F5344CB8AC3E}">
-        <p14:creationId xmlns:p14="http://schemas.microsoft.com/office/powerpoint/2010/main" val="4133371173"/>
+        <p14:creationId xmlns:p14="http://schemas.microsoft.com/office/powerpoint/2010/main" val="4073415293"/>
       </p:ext>
     </p:extLst>
   </p:cSld>
@@ -11577,6 +8905,1178 @@
   <p:cSld>
     <p:spTree>
       <p:nvGrpSpPr>
+        <p:cNvPr id="1" name="">
+          <a:extLst>
+            <a:ext uri="{FF2B5EF4-FFF2-40B4-BE49-F238E27FC236}">
+              <a16:creationId xmlns:a16="http://schemas.microsoft.com/office/drawing/2014/main" id="{25B18865-A536-FF78-A3E6-EA1C02F4E45F}"/>
+            </a:ext>
+          </a:extLst>
+        </p:cNvPr>
+        <p:cNvGrpSpPr/>
+        <p:nvPr/>
+      </p:nvGrpSpPr>
+      <p:grpSpPr>
+        <a:xfrm>
+          <a:off x="0" y="0"/>
+          <a:ext cx="0" cy="0"/>
+          <a:chOff x="0" y="0"/>
+          <a:chExt cx="0" cy="0"/>
+        </a:xfrm>
+      </p:grpSpPr>
+      <p:sp>
+        <p:nvSpPr>
+          <p:cNvPr id="2" name="Título 1">
+            <a:extLst>
+              <a:ext uri="{FF2B5EF4-FFF2-40B4-BE49-F238E27FC236}">
+                <a16:creationId xmlns:a16="http://schemas.microsoft.com/office/drawing/2014/main" id="{E8F11E3E-A664-A2C7-E0E6-CB0E19E9C442}"/>
+              </a:ext>
+            </a:extLst>
+          </p:cNvPr>
+          <p:cNvSpPr>
+            <a:spLocks noGrp="1"/>
+          </p:cNvSpPr>
+          <p:nvPr>
+            <p:ph type="title"/>
+          </p:nvPr>
+        </p:nvSpPr>
+        <p:spPr>
+          <a:xfrm>
+            <a:off x="2050926" y="1340768"/>
+            <a:ext cx="5456585" cy="1162050"/>
+          </a:xfrm>
+        </p:spPr>
+        <p:txBody>
+          <a:bodyPr>
+            <a:normAutofit/>
+          </a:bodyPr>
+          <a:lstStyle/>
+          <a:p>
+            <a:pPr algn="ctr"/>
+            <a:r>
+              <a:rPr lang="es-CO" b="1" dirty="0"/>
+              <a:t>Teoremas de la transformada de Laplace</a:t>
+            </a:r>
+          </a:p>
+        </p:txBody>
+      </p:sp>
+      <p:sp>
+        <p:nvSpPr>
+          <p:cNvPr id="10" name="1 Título">
+            <a:extLst>
+              <a:ext uri="{FF2B5EF4-FFF2-40B4-BE49-F238E27FC236}">
+                <a16:creationId xmlns:a16="http://schemas.microsoft.com/office/drawing/2014/main" id="{81863EB9-70AC-94AC-9357-8D202F2E6281}"/>
+              </a:ext>
+            </a:extLst>
+          </p:cNvPr>
+          <p:cNvSpPr txBox="1">
+            <a:spLocks/>
+          </p:cNvSpPr>
+          <p:nvPr/>
+        </p:nvSpPr>
+        <p:spPr bwMode="auto">
+          <a:xfrm>
+            <a:off x="0" y="-28575"/>
+            <a:ext cx="779463" cy="720725"/>
+          </a:xfrm>
+          <a:prstGeom prst="rect">
+            <a:avLst/>
+          </a:prstGeom>
+          <a:noFill/>
+          <a:ln>
+            <a:noFill/>
+          </a:ln>
+          <a:extLst>
+            <a:ext uri="{909E8E84-426E-40DD-AFC4-6F175D3DCCD1}">
+              <a14:hiddenFill xmlns:a14="http://schemas.microsoft.com/office/drawing/2010/main">
+                <a:solidFill>
+                  <a:srgbClr val="FFFFFF"/>
+                </a:solidFill>
+              </a14:hiddenFill>
+            </a:ext>
+            <a:ext uri="{91240B29-F687-4F45-9708-019B960494DF}">
+              <a14:hiddenLine xmlns:a14="http://schemas.microsoft.com/office/drawing/2010/main" w="9525">
+                <a:solidFill>
+                  <a:srgbClr val="000000"/>
+                </a:solidFill>
+                <a:miter lim="800000"/>
+                <a:headEnd/>
+                <a:tailEnd/>
+              </a14:hiddenLine>
+            </a:ext>
+          </a:extLst>
+        </p:spPr>
+        <p:txBody>
+          <a:bodyPr vert="horz" wrap="square" lIns="91440" tIns="45720" rIns="91440" bIns="45720" numCol="1" anchor="b" anchorCtr="0" compatLnSpc="1">
+            <a:prstTxWarp prst="textNoShape">
+              <a:avLst/>
+            </a:prstTxWarp>
+          </a:bodyPr>
+          <a:lstStyle>
+            <a:lvl1pPr algn="l" rtl="0" eaLnBrk="0" fontAlgn="base" hangingPunct="0">
+              <a:spcBef>
+                <a:spcPct val="0"/>
+              </a:spcBef>
+              <a:spcAft>
+                <a:spcPct val="0"/>
+              </a:spcAft>
+              <a:defRPr sz="2000" b="1" kern="1200">
+                <a:solidFill>
+                  <a:schemeClr val="tx1"/>
+                </a:solidFill>
+                <a:latin typeface="Arial" pitchFamily="34" charset="0"/>
+                <a:ea typeface="+mj-ea"/>
+                <a:cs typeface="Arial" pitchFamily="34" charset="0"/>
+              </a:defRPr>
+            </a:lvl1pPr>
+            <a:lvl2pPr algn="l" rtl="0" eaLnBrk="0" fontAlgn="base" hangingPunct="0">
+              <a:spcBef>
+                <a:spcPct val="0"/>
+              </a:spcBef>
+              <a:spcAft>
+                <a:spcPct val="0"/>
+              </a:spcAft>
+              <a:defRPr sz="4400">
+                <a:solidFill>
+                  <a:schemeClr val="tx1"/>
+                </a:solidFill>
+                <a:latin typeface="Arial" charset="0"/>
+                <a:cs typeface="Arial" charset="0"/>
+              </a:defRPr>
+            </a:lvl2pPr>
+            <a:lvl3pPr algn="l" rtl="0" eaLnBrk="0" fontAlgn="base" hangingPunct="0">
+              <a:spcBef>
+                <a:spcPct val="0"/>
+              </a:spcBef>
+              <a:spcAft>
+                <a:spcPct val="0"/>
+              </a:spcAft>
+              <a:defRPr sz="4400">
+                <a:solidFill>
+                  <a:schemeClr val="tx1"/>
+                </a:solidFill>
+                <a:latin typeface="Arial" charset="0"/>
+                <a:cs typeface="Arial" charset="0"/>
+              </a:defRPr>
+            </a:lvl3pPr>
+            <a:lvl4pPr algn="l" rtl="0" eaLnBrk="0" fontAlgn="base" hangingPunct="0">
+              <a:spcBef>
+                <a:spcPct val="0"/>
+              </a:spcBef>
+              <a:spcAft>
+                <a:spcPct val="0"/>
+              </a:spcAft>
+              <a:defRPr sz="4400">
+                <a:solidFill>
+                  <a:schemeClr val="tx1"/>
+                </a:solidFill>
+                <a:latin typeface="Arial" charset="0"/>
+                <a:cs typeface="Arial" charset="0"/>
+              </a:defRPr>
+            </a:lvl4pPr>
+            <a:lvl5pPr algn="l" rtl="0" eaLnBrk="0" fontAlgn="base" hangingPunct="0">
+              <a:spcBef>
+                <a:spcPct val="0"/>
+              </a:spcBef>
+              <a:spcAft>
+                <a:spcPct val="0"/>
+              </a:spcAft>
+              <a:defRPr sz="4400">
+                <a:solidFill>
+                  <a:schemeClr val="tx1"/>
+                </a:solidFill>
+                <a:latin typeface="Arial" charset="0"/>
+                <a:cs typeface="Arial" charset="0"/>
+              </a:defRPr>
+            </a:lvl5pPr>
+            <a:lvl6pPr marL="457200" algn="l" rtl="0" fontAlgn="base">
+              <a:spcBef>
+                <a:spcPct val="0"/>
+              </a:spcBef>
+              <a:spcAft>
+                <a:spcPct val="0"/>
+              </a:spcAft>
+              <a:defRPr sz="4400">
+                <a:solidFill>
+                  <a:schemeClr val="tx1"/>
+                </a:solidFill>
+                <a:latin typeface="Arial" charset="0"/>
+                <a:cs typeface="Arial" charset="0"/>
+              </a:defRPr>
+            </a:lvl6pPr>
+            <a:lvl7pPr marL="914400" algn="l" rtl="0" fontAlgn="base">
+              <a:spcBef>
+                <a:spcPct val="0"/>
+              </a:spcBef>
+              <a:spcAft>
+                <a:spcPct val="0"/>
+              </a:spcAft>
+              <a:defRPr sz="4400">
+                <a:solidFill>
+                  <a:schemeClr val="tx1"/>
+                </a:solidFill>
+                <a:latin typeface="Arial" charset="0"/>
+                <a:cs typeface="Arial" charset="0"/>
+              </a:defRPr>
+            </a:lvl7pPr>
+            <a:lvl8pPr marL="1371600" algn="l" rtl="0" fontAlgn="base">
+              <a:spcBef>
+                <a:spcPct val="0"/>
+              </a:spcBef>
+              <a:spcAft>
+                <a:spcPct val="0"/>
+              </a:spcAft>
+              <a:defRPr sz="4400">
+                <a:solidFill>
+                  <a:schemeClr val="tx1"/>
+                </a:solidFill>
+                <a:latin typeface="Arial" charset="0"/>
+                <a:cs typeface="Arial" charset="0"/>
+              </a:defRPr>
+            </a:lvl8pPr>
+            <a:lvl9pPr marL="1828800" algn="l" rtl="0" fontAlgn="base">
+              <a:spcBef>
+                <a:spcPct val="0"/>
+              </a:spcBef>
+              <a:spcAft>
+                <a:spcPct val="0"/>
+              </a:spcAft>
+              <a:defRPr sz="4400">
+                <a:solidFill>
+                  <a:schemeClr val="tx1"/>
+                </a:solidFill>
+                <a:latin typeface="Arial" charset="0"/>
+                <a:cs typeface="Arial" charset="0"/>
+              </a:defRPr>
+            </a:lvl9pPr>
+          </a:lstStyle>
+          <a:p>
+            <a:pPr algn="ctr" eaLnBrk="1" hangingPunct="1"/>
+            <a:r>
+              <a:rPr lang="es-CO" altLang="es-CO" sz="3600" b="0" dirty="0"/>
+              <a:t>10</a:t>
+            </a:r>
+          </a:p>
+        </p:txBody>
+      </p:sp>
+      <p:pic>
+        <p:nvPicPr>
+          <p:cNvPr id="14" name="Picture 4" descr="Programas - Intranet ETITC">
+            <a:extLst>
+              <a:ext uri="{FF2B5EF4-FFF2-40B4-BE49-F238E27FC236}">
+                <a16:creationId xmlns:a16="http://schemas.microsoft.com/office/drawing/2014/main" id="{FE00FAF5-F089-2ABF-F0F5-4AFFAF797F3B}"/>
+              </a:ext>
+            </a:extLst>
+          </p:cNvPr>
+          <p:cNvPicPr>
+            <a:picLocks noChangeAspect="1" noChangeArrowheads="1"/>
+          </p:cNvPicPr>
+          <p:nvPr/>
+        </p:nvPicPr>
+        <p:blipFill>
+          <a:blip r:embed="rId2">
+            <a:extLst>
+              <a:ext uri="{28A0092B-C50C-407E-A947-70E740481C1C}">
+                <a14:useLocalDpi xmlns:a14="http://schemas.microsoft.com/office/drawing/2010/main" val="0"/>
+              </a:ext>
+            </a:extLst>
+          </a:blip>
+          <a:srcRect/>
+          <a:stretch>
+            <a:fillRect/>
+          </a:stretch>
+        </p:blipFill>
+        <p:spPr bwMode="auto">
+          <a:xfrm>
+            <a:off x="795338" y="44758"/>
+            <a:ext cx="2483768" cy="794720"/>
+          </a:xfrm>
+          <a:prstGeom prst="rect">
+            <a:avLst/>
+          </a:prstGeom>
+          <a:noFill/>
+          <a:extLst>
+            <a:ext uri="{909E8E84-426E-40DD-AFC4-6F175D3DCCD1}">
+              <a14:hiddenFill xmlns:a14="http://schemas.microsoft.com/office/drawing/2010/main">
+                <a:solidFill>
+                  <a:srgbClr val="FFFFFF"/>
+                </a:solidFill>
+              </a14:hiddenFill>
+            </a:ext>
+          </a:extLst>
+        </p:spPr>
+      </p:pic>
+      <p:sp>
+        <p:nvSpPr>
+          <p:cNvPr id="5" name="2 Subtítulo">
+            <a:extLst>
+              <a:ext uri="{FF2B5EF4-FFF2-40B4-BE49-F238E27FC236}">
+                <a16:creationId xmlns:a16="http://schemas.microsoft.com/office/drawing/2014/main" id="{C00A6E59-1095-2AE0-BB7C-1AA9C023C494}"/>
+              </a:ext>
+            </a:extLst>
+          </p:cNvPr>
+          <p:cNvSpPr txBox="1">
+            <a:spLocks/>
+          </p:cNvSpPr>
+          <p:nvPr/>
+        </p:nvSpPr>
+        <p:spPr bwMode="auto">
+          <a:xfrm>
+            <a:off x="2267744" y="259824"/>
+            <a:ext cx="6400800" cy="500063"/>
+          </a:xfrm>
+          <a:prstGeom prst="rect">
+            <a:avLst/>
+          </a:prstGeom>
+          <a:noFill/>
+          <a:ln>
+            <a:noFill/>
+          </a:ln>
+          <a:extLst>
+            <a:ext uri="{909E8E84-426E-40DD-AFC4-6F175D3DCCD1}">
+              <a14:hiddenFill xmlns:a14="http://schemas.microsoft.com/office/drawing/2010/main">
+                <a:solidFill>
+                  <a:srgbClr val="FFFFFF"/>
+                </a:solidFill>
+              </a14:hiddenFill>
+            </a:ext>
+            <a:ext uri="{91240B29-F687-4F45-9708-019B960494DF}">
+              <a14:hiddenLine xmlns:a14="http://schemas.microsoft.com/office/drawing/2010/main" w="9525">
+                <a:solidFill>
+                  <a:srgbClr val="000000"/>
+                </a:solidFill>
+                <a:miter lim="800000"/>
+                <a:headEnd/>
+                <a:tailEnd/>
+              </a14:hiddenLine>
+            </a:ext>
+          </a:extLst>
+        </p:spPr>
+        <p:txBody>
+          <a:bodyPr vert="horz" wrap="square" lIns="91440" tIns="45720" rIns="91440" bIns="45720" numCol="1" rtlCol="0" anchor="t" anchorCtr="0" compatLnSpc="1">
+            <a:prstTxWarp prst="textNoShape">
+              <a:avLst/>
+            </a:prstTxWarp>
+            <a:noAutofit/>
+          </a:bodyPr>
+          <a:lstStyle>
+            <a:lvl1pPr marL="342900" indent="-342900" algn="l" rtl="0" eaLnBrk="0" fontAlgn="base" hangingPunct="0">
+              <a:spcBef>
+                <a:spcPct val="20000"/>
+              </a:spcBef>
+              <a:spcAft>
+                <a:spcPct val="0"/>
+              </a:spcAft>
+              <a:buFont typeface="Arial" panose="020B0604020202020204" pitchFamily="34" charset="0"/>
+              <a:buChar char="•"/>
+              <a:defRPr sz="3200" kern="1200">
+                <a:solidFill>
+                  <a:schemeClr val="tx1"/>
+                </a:solidFill>
+                <a:latin typeface="Arial" pitchFamily="34" charset="0"/>
+                <a:ea typeface="+mn-ea"/>
+                <a:cs typeface="Arial" pitchFamily="34" charset="0"/>
+              </a:defRPr>
+            </a:lvl1pPr>
+            <a:lvl2pPr marL="742950" indent="-285750" algn="l" rtl="0" eaLnBrk="0" fontAlgn="base" hangingPunct="0">
+              <a:spcBef>
+                <a:spcPct val="20000"/>
+              </a:spcBef>
+              <a:spcAft>
+                <a:spcPct val="0"/>
+              </a:spcAft>
+              <a:buFont typeface="Arial" panose="020B0604020202020204" pitchFamily="34" charset="0"/>
+              <a:buChar char="–"/>
+              <a:defRPr sz="2800" kern="1200">
+                <a:solidFill>
+                  <a:schemeClr val="tx1"/>
+                </a:solidFill>
+                <a:latin typeface="Arial" pitchFamily="34" charset="0"/>
+                <a:ea typeface="+mn-ea"/>
+                <a:cs typeface="Arial" pitchFamily="34" charset="0"/>
+              </a:defRPr>
+            </a:lvl2pPr>
+            <a:lvl3pPr marL="1143000" indent="-228600" algn="l" rtl="0" eaLnBrk="0" fontAlgn="base" hangingPunct="0">
+              <a:spcBef>
+                <a:spcPct val="20000"/>
+              </a:spcBef>
+              <a:spcAft>
+                <a:spcPct val="0"/>
+              </a:spcAft>
+              <a:buFont typeface="Arial" panose="020B0604020202020204" pitchFamily="34" charset="0"/>
+              <a:buChar char="•"/>
+              <a:defRPr sz="2400" kern="1200">
+                <a:solidFill>
+                  <a:schemeClr val="tx1"/>
+                </a:solidFill>
+                <a:latin typeface="Arial" pitchFamily="34" charset="0"/>
+                <a:ea typeface="+mn-ea"/>
+                <a:cs typeface="Arial" pitchFamily="34" charset="0"/>
+              </a:defRPr>
+            </a:lvl3pPr>
+            <a:lvl4pPr marL="1600200" indent="-228600" algn="l" rtl="0" eaLnBrk="0" fontAlgn="base" hangingPunct="0">
+              <a:spcBef>
+                <a:spcPct val="20000"/>
+              </a:spcBef>
+              <a:spcAft>
+                <a:spcPct val="0"/>
+              </a:spcAft>
+              <a:buFont typeface="Arial" panose="020B0604020202020204" pitchFamily="34" charset="0"/>
+              <a:buChar char="–"/>
+              <a:defRPr sz="2000" kern="1200">
+                <a:solidFill>
+                  <a:schemeClr val="tx1"/>
+                </a:solidFill>
+                <a:latin typeface="Arial" pitchFamily="34" charset="0"/>
+                <a:ea typeface="+mn-ea"/>
+                <a:cs typeface="Arial" pitchFamily="34" charset="0"/>
+              </a:defRPr>
+            </a:lvl4pPr>
+            <a:lvl5pPr marL="2057400" indent="-228600" algn="l" rtl="0" eaLnBrk="0" fontAlgn="base" hangingPunct="0">
+              <a:spcBef>
+                <a:spcPct val="20000"/>
+              </a:spcBef>
+              <a:spcAft>
+                <a:spcPct val="0"/>
+              </a:spcAft>
+              <a:buFont typeface="Arial" panose="020B0604020202020204" pitchFamily="34" charset="0"/>
+              <a:buChar char="»"/>
+              <a:defRPr sz="2000" kern="1200">
+                <a:solidFill>
+                  <a:schemeClr val="tx1"/>
+                </a:solidFill>
+                <a:latin typeface="Arial" pitchFamily="34" charset="0"/>
+                <a:ea typeface="+mn-ea"/>
+                <a:cs typeface="Arial" pitchFamily="34" charset="0"/>
+              </a:defRPr>
+            </a:lvl5pPr>
+            <a:lvl6pPr marL="2514600" indent="-228600" algn="l" defTabSz="914400" rtl="0" eaLnBrk="1" latinLnBrk="0" hangingPunct="1">
+              <a:spcBef>
+                <a:spcPct val="20000"/>
+              </a:spcBef>
+              <a:buFont typeface="Arial" pitchFamily="34" charset="0"/>
+              <a:buChar char="•"/>
+              <a:defRPr sz="2000" kern="1200">
+                <a:solidFill>
+                  <a:schemeClr val="tx1"/>
+                </a:solidFill>
+                <a:latin typeface="+mn-lt"/>
+                <a:ea typeface="+mn-ea"/>
+                <a:cs typeface="+mn-cs"/>
+              </a:defRPr>
+            </a:lvl6pPr>
+            <a:lvl7pPr marL="2971800" indent="-228600" algn="l" defTabSz="914400" rtl="0" eaLnBrk="1" latinLnBrk="0" hangingPunct="1">
+              <a:spcBef>
+                <a:spcPct val="20000"/>
+              </a:spcBef>
+              <a:buFont typeface="Arial" pitchFamily="34" charset="0"/>
+              <a:buChar char="•"/>
+              <a:defRPr sz="2000" kern="1200">
+                <a:solidFill>
+                  <a:schemeClr val="tx1"/>
+                </a:solidFill>
+                <a:latin typeface="+mn-lt"/>
+                <a:ea typeface="+mn-ea"/>
+                <a:cs typeface="+mn-cs"/>
+              </a:defRPr>
+            </a:lvl7pPr>
+            <a:lvl8pPr marL="3429000" indent="-228600" algn="l" defTabSz="914400" rtl="0" eaLnBrk="1" latinLnBrk="0" hangingPunct="1">
+              <a:spcBef>
+                <a:spcPct val="20000"/>
+              </a:spcBef>
+              <a:buFont typeface="Arial" pitchFamily="34" charset="0"/>
+              <a:buChar char="•"/>
+              <a:defRPr sz="2000" kern="1200">
+                <a:solidFill>
+                  <a:schemeClr val="tx1"/>
+                </a:solidFill>
+                <a:latin typeface="+mn-lt"/>
+                <a:ea typeface="+mn-ea"/>
+                <a:cs typeface="+mn-cs"/>
+              </a:defRPr>
+            </a:lvl8pPr>
+            <a:lvl9pPr marL="3886200" indent="-228600" algn="l" defTabSz="914400" rtl="0" eaLnBrk="1" latinLnBrk="0" hangingPunct="1">
+              <a:spcBef>
+                <a:spcPct val="20000"/>
+              </a:spcBef>
+              <a:buFont typeface="Arial" pitchFamily="34" charset="0"/>
+              <a:buChar char="•"/>
+              <a:defRPr sz="2000" kern="1200">
+                <a:solidFill>
+                  <a:schemeClr val="tx1"/>
+                </a:solidFill>
+                <a:latin typeface="+mn-lt"/>
+                <a:ea typeface="+mn-ea"/>
+                <a:cs typeface="+mn-cs"/>
+              </a:defRPr>
+            </a:lvl9pPr>
+          </a:lstStyle>
+          <a:p>
+            <a:pPr marL="0" indent="0" algn="r" eaLnBrk="1" fontAlgn="auto" hangingPunct="1">
+              <a:spcAft>
+                <a:spcPts val="0"/>
+              </a:spcAft>
+              <a:buNone/>
+              <a:defRPr/>
+            </a:pPr>
+            <a:r>
+              <a:rPr lang="es-CO" sz="2000" b="1" dirty="0">
+                <a:solidFill>
+                  <a:schemeClr val="tx1">
+                    <a:lumMod val="75000"/>
+                    <a:lumOff val="25000"/>
+                  </a:schemeClr>
+                </a:solidFill>
+              </a:rPr>
+              <a:t> SISTEMAS DE CONTROL INDUSTRIAL</a:t>
+            </a:r>
+          </a:p>
+        </p:txBody>
+      </p:sp>
+      <p:pic>
+        <p:nvPicPr>
+          <p:cNvPr id="6" name="Imagen 5">
+            <a:extLst>
+              <a:ext uri="{FF2B5EF4-FFF2-40B4-BE49-F238E27FC236}">
+                <a16:creationId xmlns:a16="http://schemas.microsoft.com/office/drawing/2014/main" id="{87664AC0-8B17-47EA-E51F-71E1EC2A5007}"/>
+              </a:ext>
+            </a:extLst>
+          </p:cNvPr>
+          <p:cNvPicPr>
+            <a:picLocks noChangeAspect="1"/>
+          </p:cNvPicPr>
+          <p:nvPr/>
+        </p:nvPicPr>
+        <p:blipFill>
+          <a:blip r:embed="rId3"/>
+          <a:stretch>
+            <a:fillRect/>
+          </a:stretch>
+        </p:blipFill>
+        <p:spPr>
+          <a:xfrm>
+            <a:off x="3485998" y="2646870"/>
+            <a:ext cx="2172003" cy="714475"/>
+          </a:xfrm>
+          <a:prstGeom prst="rect">
+            <a:avLst/>
+          </a:prstGeom>
+        </p:spPr>
+      </p:pic>
+      <p:pic>
+        <p:nvPicPr>
+          <p:cNvPr id="8" name="Imagen 7">
+            <a:extLst>
+              <a:ext uri="{FF2B5EF4-FFF2-40B4-BE49-F238E27FC236}">
+                <a16:creationId xmlns:a16="http://schemas.microsoft.com/office/drawing/2014/main" id="{1750422D-1A2A-2C1D-AF12-EA69A381DE49}"/>
+              </a:ext>
+            </a:extLst>
+          </p:cNvPr>
+          <p:cNvPicPr>
+            <a:picLocks noChangeAspect="1"/>
+          </p:cNvPicPr>
+          <p:nvPr/>
+        </p:nvPicPr>
+        <p:blipFill>
+          <a:blip r:embed="rId4"/>
+          <a:stretch>
+            <a:fillRect/>
+          </a:stretch>
+        </p:blipFill>
+        <p:spPr>
+          <a:xfrm>
+            <a:off x="2933470" y="3622897"/>
+            <a:ext cx="3277057" cy="333422"/>
+          </a:xfrm>
+          <a:prstGeom prst="rect">
+            <a:avLst/>
+          </a:prstGeom>
+        </p:spPr>
+      </p:pic>
+      <p:pic>
+        <p:nvPicPr>
+          <p:cNvPr id="13" name="Imagen 12">
+            <a:extLst>
+              <a:ext uri="{FF2B5EF4-FFF2-40B4-BE49-F238E27FC236}">
+                <a16:creationId xmlns:a16="http://schemas.microsoft.com/office/drawing/2014/main" id="{D1A9096A-B2DC-DFE3-D1F2-DF914EE01AB7}"/>
+              </a:ext>
+            </a:extLst>
+          </p:cNvPr>
+          <p:cNvPicPr>
+            <a:picLocks noChangeAspect="1"/>
+          </p:cNvPicPr>
+          <p:nvPr/>
+        </p:nvPicPr>
+        <p:blipFill>
+          <a:blip r:embed="rId5"/>
+          <a:stretch>
+            <a:fillRect/>
+          </a:stretch>
+        </p:blipFill>
+        <p:spPr>
+          <a:xfrm>
+            <a:off x="3485998" y="4329002"/>
+            <a:ext cx="2257740" cy="304843"/>
+          </a:xfrm>
+          <a:prstGeom prst="rect">
+            <a:avLst/>
+          </a:prstGeom>
+        </p:spPr>
+      </p:pic>
+    </p:spTree>
+    <p:extLst>
+      <p:ext uri="{BB962C8B-B14F-4D97-AF65-F5344CB8AC3E}">
+        <p14:creationId xmlns:p14="http://schemas.microsoft.com/office/powerpoint/2010/main" val="3420418071"/>
+      </p:ext>
+    </p:extLst>
+  </p:cSld>
+  <p:clrMapOvr>
+    <a:masterClrMapping/>
+  </p:clrMapOvr>
+</p:sld>
+</file>
+
+<file path=ppt/slides/slide11.xml><?xml version="1.0" encoding="utf-8"?>
+<p:sld xmlns:a="http://schemas.openxmlformats.org/drawingml/2006/main" xmlns:r="http://schemas.openxmlformats.org/officeDocument/2006/relationships" xmlns:p="http://schemas.openxmlformats.org/presentationml/2006/main">
+  <p:cSld>
+    <p:spTree>
+      <p:nvGrpSpPr>
+        <p:cNvPr id="1" name=""/>
+        <p:cNvGrpSpPr/>
+        <p:nvPr/>
+      </p:nvGrpSpPr>
+      <p:grpSpPr>
+        <a:xfrm>
+          <a:off x="0" y="0"/>
+          <a:ext cx="0" cy="0"/>
+          <a:chOff x="0" y="0"/>
+          <a:chExt cx="0" cy="0"/>
+        </a:xfrm>
+      </p:grpSpPr>
+      <p:sp>
+        <p:nvSpPr>
+          <p:cNvPr id="2" name="Título 1">
+            <a:extLst>
+              <a:ext uri="{FF2B5EF4-FFF2-40B4-BE49-F238E27FC236}">
+                <a16:creationId xmlns:a16="http://schemas.microsoft.com/office/drawing/2014/main" id="{FB1B6180-BCA0-4F51-9F68-9E5BAB8A4FDC}"/>
+              </a:ext>
+            </a:extLst>
+          </p:cNvPr>
+          <p:cNvSpPr>
+            <a:spLocks noGrp="1"/>
+          </p:cNvSpPr>
+          <p:nvPr>
+            <p:ph type="title"/>
+          </p:nvPr>
+        </p:nvSpPr>
+        <p:spPr>
+          <a:xfrm>
+            <a:off x="2036078" y="2847975"/>
+            <a:ext cx="5456585" cy="1162050"/>
+          </a:xfrm>
+        </p:spPr>
+        <p:txBody>
+          <a:bodyPr/>
+          <a:lstStyle/>
+          <a:p>
+            <a:pPr algn="ctr"/>
+            <a:r>
+              <a:rPr lang="es-CO" b="1" dirty="0"/>
+              <a:t>¿Qué cree usted que es la transformada Z?</a:t>
+            </a:r>
+          </a:p>
+        </p:txBody>
+      </p:sp>
+      <p:sp>
+        <p:nvSpPr>
+          <p:cNvPr id="10" name="1 Título">
+            <a:extLst>
+              <a:ext uri="{FF2B5EF4-FFF2-40B4-BE49-F238E27FC236}">
+                <a16:creationId xmlns:a16="http://schemas.microsoft.com/office/drawing/2014/main" id="{AF4E183E-A171-4923-A99E-D149888CEC37}"/>
+              </a:ext>
+            </a:extLst>
+          </p:cNvPr>
+          <p:cNvSpPr txBox="1">
+            <a:spLocks/>
+          </p:cNvSpPr>
+          <p:nvPr/>
+        </p:nvSpPr>
+        <p:spPr bwMode="auto">
+          <a:xfrm>
+            <a:off x="0" y="-28575"/>
+            <a:ext cx="779463" cy="720725"/>
+          </a:xfrm>
+          <a:prstGeom prst="rect">
+            <a:avLst/>
+          </a:prstGeom>
+          <a:noFill/>
+          <a:ln>
+            <a:noFill/>
+          </a:ln>
+          <a:extLst>
+            <a:ext uri="{909E8E84-426E-40DD-AFC4-6F175D3DCCD1}">
+              <a14:hiddenFill xmlns:a14="http://schemas.microsoft.com/office/drawing/2010/main">
+                <a:solidFill>
+                  <a:srgbClr val="FFFFFF"/>
+                </a:solidFill>
+              </a14:hiddenFill>
+            </a:ext>
+            <a:ext uri="{91240B29-F687-4F45-9708-019B960494DF}">
+              <a14:hiddenLine xmlns:a14="http://schemas.microsoft.com/office/drawing/2010/main" w="9525">
+                <a:solidFill>
+                  <a:srgbClr val="000000"/>
+                </a:solidFill>
+                <a:miter lim="800000"/>
+                <a:headEnd/>
+                <a:tailEnd/>
+              </a14:hiddenLine>
+            </a:ext>
+          </a:extLst>
+        </p:spPr>
+        <p:txBody>
+          <a:bodyPr vert="horz" wrap="square" lIns="91440" tIns="45720" rIns="91440" bIns="45720" numCol="1" anchor="b" anchorCtr="0" compatLnSpc="1">
+            <a:prstTxWarp prst="textNoShape">
+              <a:avLst/>
+            </a:prstTxWarp>
+          </a:bodyPr>
+          <a:lstStyle>
+            <a:lvl1pPr algn="l" rtl="0" eaLnBrk="0" fontAlgn="base" hangingPunct="0">
+              <a:spcBef>
+                <a:spcPct val="0"/>
+              </a:spcBef>
+              <a:spcAft>
+                <a:spcPct val="0"/>
+              </a:spcAft>
+              <a:defRPr sz="2000" b="1" kern="1200">
+                <a:solidFill>
+                  <a:schemeClr val="tx1"/>
+                </a:solidFill>
+                <a:latin typeface="Arial" pitchFamily="34" charset="0"/>
+                <a:ea typeface="+mj-ea"/>
+                <a:cs typeface="Arial" pitchFamily="34" charset="0"/>
+              </a:defRPr>
+            </a:lvl1pPr>
+            <a:lvl2pPr algn="l" rtl="0" eaLnBrk="0" fontAlgn="base" hangingPunct="0">
+              <a:spcBef>
+                <a:spcPct val="0"/>
+              </a:spcBef>
+              <a:spcAft>
+                <a:spcPct val="0"/>
+              </a:spcAft>
+              <a:defRPr sz="4400">
+                <a:solidFill>
+                  <a:schemeClr val="tx1"/>
+                </a:solidFill>
+                <a:latin typeface="Arial" charset="0"/>
+                <a:cs typeface="Arial" charset="0"/>
+              </a:defRPr>
+            </a:lvl2pPr>
+            <a:lvl3pPr algn="l" rtl="0" eaLnBrk="0" fontAlgn="base" hangingPunct="0">
+              <a:spcBef>
+                <a:spcPct val="0"/>
+              </a:spcBef>
+              <a:spcAft>
+                <a:spcPct val="0"/>
+              </a:spcAft>
+              <a:defRPr sz="4400">
+                <a:solidFill>
+                  <a:schemeClr val="tx1"/>
+                </a:solidFill>
+                <a:latin typeface="Arial" charset="0"/>
+                <a:cs typeface="Arial" charset="0"/>
+              </a:defRPr>
+            </a:lvl3pPr>
+            <a:lvl4pPr algn="l" rtl="0" eaLnBrk="0" fontAlgn="base" hangingPunct="0">
+              <a:spcBef>
+                <a:spcPct val="0"/>
+              </a:spcBef>
+              <a:spcAft>
+                <a:spcPct val="0"/>
+              </a:spcAft>
+              <a:defRPr sz="4400">
+                <a:solidFill>
+                  <a:schemeClr val="tx1"/>
+                </a:solidFill>
+                <a:latin typeface="Arial" charset="0"/>
+                <a:cs typeface="Arial" charset="0"/>
+              </a:defRPr>
+            </a:lvl4pPr>
+            <a:lvl5pPr algn="l" rtl="0" eaLnBrk="0" fontAlgn="base" hangingPunct="0">
+              <a:spcBef>
+                <a:spcPct val="0"/>
+              </a:spcBef>
+              <a:spcAft>
+                <a:spcPct val="0"/>
+              </a:spcAft>
+              <a:defRPr sz="4400">
+                <a:solidFill>
+                  <a:schemeClr val="tx1"/>
+                </a:solidFill>
+                <a:latin typeface="Arial" charset="0"/>
+                <a:cs typeface="Arial" charset="0"/>
+              </a:defRPr>
+            </a:lvl5pPr>
+            <a:lvl6pPr marL="457200" algn="l" rtl="0" fontAlgn="base">
+              <a:spcBef>
+                <a:spcPct val="0"/>
+              </a:spcBef>
+              <a:spcAft>
+                <a:spcPct val="0"/>
+              </a:spcAft>
+              <a:defRPr sz="4400">
+                <a:solidFill>
+                  <a:schemeClr val="tx1"/>
+                </a:solidFill>
+                <a:latin typeface="Arial" charset="0"/>
+                <a:cs typeface="Arial" charset="0"/>
+              </a:defRPr>
+            </a:lvl6pPr>
+            <a:lvl7pPr marL="914400" algn="l" rtl="0" fontAlgn="base">
+              <a:spcBef>
+                <a:spcPct val="0"/>
+              </a:spcBef>
+              <a:spcAft>
+                <a:spcPct val="0"/>
+              </a:spcAft>
+              <a:defRPr sz="4400">
+                <a:solidFill>
+                  <a:schemeClr val="tx1"/>
+                </a:solidFill>
+                <a:latin typeface="Arial" charset="0"/>
+                <a:cs typeface="Arial" charset="0"/>
+              </a:defRPr>
+            </a:lvl7pPr>
+            <a:lvl8pPr marL="1371600" algn="l" rtl="0" fontAlgn="base">
+              <a:spcBef>
+                <a:spcPct val="0"/>
+              </a:spcBef>
+              <a:spcAft>
+                <a:spcPct val="0"/>
+              </a:spcAft>
+              <a:defRPr sz="4400">
+                <a:solidFill>
+                  <a:schemeClr val="tx1"/>
+                </a:solidFill>
+                <a:latin typeface="Arial" charset="0"/>
+                <a:cs typeface="Arial" charset="0"/>
+              </a:defRPr>
+            </a:lvl8pPr>
+            <a:lvl9pPr marL="1828800" algn="l" rtl="0" fontAlgn="base">
+              <a:spcBef>
+                <a:spcPct val="0"/>
+              </a:spcBef>
+              <a:spcAft>
+                <a:spcPct val="0"/>
+              </a:spcAft>
+              <a:defRPr sz="4400">
+                <a:solidFill>
+                  <a:schemeClr val="tx1"/>
+                </a:solidFill>
+                <a:latin typeface="Arial" charset="0"/>
+                <a:cs typeface="Arial" charset="0"/>
+              </a:defRPr>
+            </a:lvl9pPr>
+          </a:lstStyle>
+          <a:p>
+            <a:pPr algn="ctr" eaLnBrk="1" hangingPunct="1"/>
+            <a:r>
+              <a:rPr lang="es-CO" altLang="es-CO" sz="3600" b="0" dirty="0"/>
+              <a:t>11</a:t>
+            </a:r>
+          </a:p>
+        </p:txBody>
+      </p:sp>
+      <p:pic>
+        <p:nvPicPr>
+          <p:cNvPr id="14" name="Picture 4" descr="Programas - Intranet ETITC">
+            <a:extLst>
+              <a:ext uri="{FF2B5EF4-FFF2-40B4-BE49-F238E27FC236}">
+                <a16:creationId xmlns:a16="http://schemas.microsoft.com/office/drawing/2014/main" id="{EC83F540-C4A2-EE56-0418-B8CD7CA17275}"/>
+              </a:ext>
+            </a:extLst>
+          </p:cNvPr>
+          <p:cNvPicPr>
+            <a:picLocks noChangeAspect="1" noChangeArrowheads="1"/>
+          </p:cNvPicPr>
+          <p:nvPr/>
+        </p:nvPicPr>
+        <p:blipFill>
+          <a:blip r:embed="rId2">
+            <a:extLst>
+              <a:ext uri="{28A0092B-C50C-407E-A947-70E740481C1C}">
+                <a14:useLocalDpi xmlns:a14="http://schemas.microsoft.com/office/drawing/2010/main" val="0"/>
+              </a:ext>
+            </a:extLst>
+          </a:blip>
+          <a:srcRect/>
+          <a:stretch>
+            <a:fillRect/>
+          </a:stretch>
+        </p:blipFill>
+        <p:spPr bwMode="auto">
+          <a:xfrm>
+            <a:off x="795338" y="44758"/>
+            <a:ext cx="2483768" cy="794720"/>
+          </a:xfrm>
+          <a:prstGeom prst="rect">
+            <a:avLst/>
+          </a:prstGeom>
+          <a:noFill/>
+          <a:extLst>
+            <a:ext uri="{909E8E84-426E-40DD-AFC4-6F175D3DCCD1}">
+              <a14:hiddenFill xmlns:a14="http://schemas.microsoft.com/office/drawing/2010/main">
+                <a:solidFill>
+                  <a:srgbClr val="FFFFFF"/>
+                </a:solidFill>
+              </a14:hiddenFill>
+            </a:ext>
+          </a:extLst>
+        </p:spPr>
+      </p:pic>
+      <p:sp>
+        <p:nvSpPr>
+          <p:cNvPr id="5" name="2 Subtítulo">
+            <a:extLst>
+              <a:ext uri="{FF2B5EF4-FFF2-40B4-BE49-F238E27FC236}">
+                <a16:creationId xmlns:a16="http://schemas.microsoft.com/office/drawing/2014/main" id="{AD83FA30-4A3C-43B8-17CD-C08519129156}"/>
+              </a:ext>
+            </a:extLst>
+          </p:cNvPr>
+          <p:cNvSpPr txBox="1">
+            <a:spLocks/>
+          </p:cNvSpPr>
+          <p:nvPr/>
+        </p:nvSpPr>
+        <p:spPr bwMode="auto">
+          <a:xfrm>
+            <a:off x="2267744" y="259824"/>
+            <a:ext cx="6400800" cy="500063"/>
+          </a:xfrm>
+          <a:prstGeom prst="rect">
+            <a:avLst/>
+          </a:prstGeom>
+          <a:noFill/>
+          <a:ln>
+            <a:noFill/>
+          </a:ln>
+          <a:extLst>
+            <a:ext uri="{909E8E84-426E-40DD-AFC4-6F175D3DCCD1}">
+              <a14:hiddenFill xmlns:a14="http://schemas.microsoft.com/office/drawing/2010/main">
+                <a:solidFill>
+                  <a:srgbClr val="FFFFFF"/>
+                </a:solidFill>
+              </a14:hiddenFill>
+            </a:ext>
+            <a:ext uri="{91240B29-F687-4F45-9708-019B960494DF}">
+              <a14:hiddenLine xmlns:a14="http://schemas.microsoft.com/office/drawing/2010/main" w="9525">
+                <a:solidFill>
+                  <a:srgbClr val="000000"/>
+                </a:solidFill>
+                <a:miter lim="800000"/>
+                <a:headEnd/>
+                <a:tailEnd/>
+              </a14:hiddenLine>
+            </a:ext>
+          </a:extLst>
+        </p:spPr>
+        <p:txBody>
+          <a:bodyPr vert="horz" wrap="square" lIns="91440" tIns="45720" rIns="91440" bIns="45720" numCol="1" rtlCol="0" anchor="t" anchorCtr="0" compatLnSpc="1">
+            <a:prstTxWarp prst="textNoShape">
+              <a:avLst/>
+            </a:prstTxWarp>
+            <a:noAutofit/>
+          </a:bodyPr>
+          <a:lstStyle>
+            <a:lvl1pPr marL="342900" indent="-342900" algn="l" rtl="0" eaLnBrk="0" fontAlgn="base" hangingPunct="0">
+              <a:spcBef>
+                <a:spcPct val="20000"/>
+              </a:spcBef>
+              <a:spcAft>
+                <a:spcPct val="0"/>
+              </a:spcAft>
+              <a:buFont typeface="Arial" panose="020B0604020202020204" pitchFamily="34" charset="0"/>
+              <a:buChar char="•"/>
+              <a:defRPr sz="3200" kern="1200">
+                <a:solidFill>
+                  <a:schemeClr val="tx1"/>
+                </a:solidFill>
+                <a:latin typeface="Arial" pitchFamily="34" charset="0"/>
+                <a:ea typeface="+mn-ea"/>
+                <a:cs typeface="Arial" pitchFamily="34" charset="0"/>
+              </a:defRPr>
+            </a:lvl1pPr>
+            <a:lvl2pPr marL="742950" indent="-285750" algn="l" rtl="0" eaLnBrk="0" fontAlgn="base" hangingPunct="0">
+              <a:spcBef>
+                <a:spcPct val="20000"/>
+              </a:spcBef>
+              <a:spcAft>
+                <a:spcPct val="0"/>
+              </a:spcAft>
+              <a:buFont typeface="Arial" panose="020B0604020202020204" pitchFamily="34" charset="0"/>
+              <a:buChar char="–"/>
+              <a:defRPr sz="2800" kern="1200">
+                <a:solidFill>
+                  <a:schemeClr val="tx1"/>
+                </a:solidFill>
+                <a:latin typeface="Arial" pitchFamily="34" charset="0"/>
+                <a:ea typeface="+mn-ea"/>
+                <a:cs typeface="Arial" pitchFamily="34" charset="0"/>
+              </a:defRPr>
+            </a:lvl2pPr>
+            <a:lvl3pPr marL="1143000" indent="-228600" algn="l" rtl="0" eaLnBrk="0" fontAlgn="base" hangingPunct="0">
+              <a:spcBef>
+                <a:spcPct val="20000"/>
+              </a:spcBef>
+              <a:spcAft>
+                <a:spcPct val="0"/>
+              </a:spcAft>
+              <a:buFont typeface="Arial" panose="020B0604020202020204" pitchFamily="34" charset="0"/>
+              <a:buChar char="•"/>
+              <a:defRPr sz="2400" kern="1200">
+                <a:solidFill>
+                  <a:schemeClr val="tx1"/>
+                </a:solidFill>
+                <a:latin typeface="Arial" pitchFamily="34" charset="0"/>
+                <a:ea typeface="+mn-ea"/>
+                <a:cs typeface="Arial" pitchFamily="34" charset="0"/>
+              </a:defRPr>
+            </a:lvl3pPr>
+            <a:lvl4pPr marL="1600200" indent="-228600" algn="l" rtl="0" eaLnBrk="0" fontAlgn="base" hangingPunct="0">
+              <a:spcBef>
+                <a:spcPct val="20000"/>
+              </a:spcBef>
+              <a:spcAft>
+                <a:spcPct val="0"/>
+              </a:spcAft>
+              <a:buFont typeface="Arial" panose="020B0604020202020204" pitchFamily="34" charset="0"/>
+              <a:buChar char="–"/>
+              <a:defRPr sz="2000" kern="1200">
+                <a:solidFill>
+                  <a:schemeClr val="tx1"/>
+                </a:solidFill>
+                <a:latin typeface="Arial" pitchFamily="34" charset="0"/>
+                <a:ea typeface="+mn-ea"/>
+                <a:cs typeface="Arial" pitchFamily="34" charset="0"/>
+              </a:defRPr>
+            </a:lvl4pPr>
+            <a:lvl5pPr marL="2057400" indent="-228600" algn="l" rtl="0" eaLnBrk="0" fontAlgn="base" hangingPunct="0">
+              <a:spcBef>
+                <a:spcPct val="20000"/>
+              </a:spcBef>
+              <a:spcAft>
+                <a:spcPct val="0"/>
+              </a:spcAft>
+              <a:buFont typeface="Arial" panose="020B0604020202020204" pitchFamily="34" charset="0"/>
+              <a:buChar char="»"/>
+              <a:defRPr sz="2000" kern="1200">
+                <a:solidFill>
+                  <a:schemeClr val="tx1"/>
+                </a:solidFill>
+                <a:latin typeface="Arial" pitchFamily="34" charset="0"/>
+                <a:ea typeface="+mn-ea"/>
+                <a:cs typeface="Arial" pitchFamily="34" charset="0"/>
+              </a:defRPr>
+            </a:lvl5pPr>
+            <a:lvl6pPr marL="2514600" indent="-228600" algn="l" defTabSz="914400" rtl="0" eaLnBrk="1" latinLnBrk="0" hangingPunct="1">
+              <a:spcBef>
+                <a:spcPct val="20000"/>
+              </a:spcBef>
+              <a:buFont typeface="Arial" pitchFamily="34" charset="0"/>
+              <a:buChar char="•"/>
+              <a:defRPr sz="2000" kern="1200">
+                <a:solidFill>
+                  <a:schemeClr val="tx1"/>
+                </a:solidFill>
+                <a:latin typeface="+mn-lt"/>
+                <a:ea typeface="+mn-ea"/>
+                <a:cs typeface="+mn-cs"/>
+              </a:defRPr>
+            </a:lvl6pPr>
+            <a:lvl7pPr marL="2971800" indent="-228600" algn="l" defTabSz="914400" rtl="0" eaLnBrk="1" latinLnBrk="0" hangingPunct="1">
+              <a:spcBef>
+                <a:spcPct val="20000"/>
+              </a:spcBef>
+              <a:buFont typeface="Arial" pitchFamily="34" charset="0"/>
+              <a:buChar char="•"/>
+              <a:defRPr sz="2000" kern="1200">
+                <a:solidFill>
+                  <a:schemeClr val="tx1"/>
+                </a:solidFill>
+                <a:latin typeface="+mn-lt"/>
+                <a:ea typeface="+mn-ea"/>
+                <a:cs typeface="+mn-cs"/>
+              </a:defRPr>
+            </a:lvl7pPr>
+            <a:lvl8pPr marL="3429000" indent="-228600" algn="l" defTabSz="914400" rtl="0" eaLnBrk="1" latinLnBrk="0" hangingPunct="1">
+              <a:spcBef>
+                <a:spcPct val="20000"/>
+              </a:spcBef>
+              <a:buFont typeface="Arial" pitchFamily="34" charset="0"/>
+              <a:buChar char="•"/>
+              <a:defRPr sz="2000" kern="1200">
+                <a:solidFill>
+                  <a:schemeClr val="tx1"/>
+                </a:solidFill>
+                <a:latin typeface="+mn-lt"/>
+                <a:ea typeface="+mn-ea"/>
+                <a:cs typeface="+mn-cs"/>
+              </a:defRPr>
+            </a:lvl8pPr>
+            <a:lvl9pPr marL="3886200" indent="-228600" algn="l" defTabSz="914400" rtl="0" eaLnBrk="1" latinLnBrk="0" hangingPunct="1">
+              <a:spcBef>
+                <a:spcPct val="20000"/>
+              </a:spcBef>
+              <a:buFont typeface="Arial" pitchFamily="34" charset="0"/>
+              <a:buChar char="•"/>
+              <a:defRPr sz="2000" kern="1200">
+                <a:solidFill>
+                  <a:schemeClr val="tx1"/>
+                </a:solidFill>
+                <a:latin typeface="+mn-lt"/>
+                <a:ea typeface="+mn-ea"/>
+                <a:cs typeface="+mn-cs"/>
+              </a:defRPr>
+            </a:lvl9pPr>
+          </a:lstStyle>
+          <a:p>
+            <a:pPr marL="0" indent="0" algn="r" eaLnBrk="1" fontAlgn="auto" hangingPunct="1">
+              <a:spcAft>
+                <a:spcPts val="0"/>
+              </a:spcAft>
+              <a:buNone/>
+              <a:defRPr/>
+            </a:pPr>
+            <a:r>
+              <a:rPr lang="es-CO" sz="2000" b="1" dirty="0">
+                <a:solidFill>
+                  <a:schemeClr val="tx1">
+                    <a:lumMod val="75000"/>
+                    <a:lumOff val="25000"/>
+                  </a:schemeClr>
+                </a:solidFill>
+              </a:rPr>
+              <a:t> SISTEMAS DE CONTROL INDUSTRIAL</a:t>
+            </a:r>
+          </a:p>
+        </p:txBody>
+      </p:sp>
+    </p:spTree>
+    <p:extLst>
+      <p:ext uri="{BB962C8B-B14F-4D97-AF65-F5344CB8AC3E}">
+        <p14:creationId xmlns:p14="http://schemas.microsoft.com/office/powerpoint/2010/main" val="1894837781"/>
+      </p:ext>
+    </p:extLst>
+  </p:cSld>
+  <p:clrMapOvr>
+    <a:masterClrMapping/>
+  </p:clrMapOvr>
+</p:sld>
+</file>
+
+<file path=ppt/slides/slide12.xml><?xml version="1.0" encoding="utf-8"?>
+<p:sld xmlns:a="http://schemas.openxmlformats.org/drawingml/2006/main" xmlns:r="http://schemas.openxmlformats.org/officeDocument/2006/relationships" xmlns:p="http://schemas.openxmlformats.org/presentationml/2006/main">
+  <p:cSld>
+    <p:spTree>
+      <p:nvGrpSpPr>
         <p:cNvPr id="1" name=""/>
         <p:cNvGrpSpPr/>
         <p:nvPr/>
@@ -11816,8 +10316,8 @@
           <a:p>
             <a:pPr algn="ctr" eaLnBrk="1" hangingPunct="1"/>
             <a:r>
-              <a:rPr lang="es-CO" altLang="es-CO" sz="3600" b="0"/>
-              <a:t>10</a:t>
+              <a:rPr lang="es-CO" altLang="es-CO" sz="3600" b="0" dirty="0"/>
+              <a:t>12</a:t>
             </a:r>
           </a:p>
         </p:txBody>
@@ -12425,7 +10925,7 @@
 </p:sld>
 </file>
 
-<file path=ppt/slides/slide11.xml><?xml version="1.0" encoding="utf-8"?>
+<file path=ppt/slides/slide13.xml><?xml version="1.0" encoding="utf-8"?>
 <p:sld xmlns:a="http://schemas.openxmlformats.org/drawingml/2006/main" xmlns:r="http://schemas.openxmlformats.org/officeDocument/2006/relationships" xmlns:p="http://schemas.openxmlformats.org/presentationml/2006/main">
   <p:cSld>
     <p:spTree>
@@ -12678,8 +11178,8 @@
           <a:p>
             <a:pPr algn="ctr" eaLnBrk="1" hangingPunct="1"/>
             <a:r>
-              <a:rPr lang="es-CO" altLang="es-CO" sz="3600" b="0"/>
-              <a:t>11</a:t>
+              <a:rPr lang="es-CO" altLang="es-CO" sz="3600" b="0" dirty="0"/>
+              <a:t>13</a:t>
             </a:r>
           </a:p>
         </p:txBody>
@@ -13289,7 +11789,7 @@
 </p:sld>
 </file>
 
-<file path=ppt/slides/slide12.xml><?xml version="1.0" encoding="utf-8"?>
+<file path=ppt/slides/slide14.xml><?xml version="1.0" encoding="utf-8"?>
 <p:sld xmlns:a="http://schemas.openxmlformats.org/drawingml/2006/main" xmlns:r="http://schemas.openxmlformats.org/officeDocument/2006/relationships" xmlns:p="http://schemas.openxmlformats.org/presentationml/2006/main">
   <p:cSld>
     <p:spTree>
@@ -13546,8 +12046,8 @@
           <a:p>
             <a:pPr algn="ctr" eaLnBrk="1" hangingPunct="1"/>
             <a:r>
-              <a:rPr lang="es-CO" altLang="es-CO" sz="3600" b="0"/>
-              <a:t>12</a:t>
+              <a:rPr lang="es-CO" altLang="es-CO" sz="3600" b="0" dirty="0"/>
+              <a:t>14</a:t>
             </a:r>
           </a:p>
         </p:txBody>
@@ -14157,7 +12657,7 @@
 </p:sld>
 </file>
 
-<file path=ppt/slides/slide13.xml><?xml version="1.0" encoding="utf-8"?>
+<file path=ppt/slides/slide15.xml><?xml version="1.0" encoding="utf-8"?>
 <p:sld xmlns:a="http://schemas.openxmlformats.org/drawingml/2006/main" xmlns:r="http://schemas.openxmlformats.org/officeDocument/2006/relationships" xmlns:p="http://schemas.openxmlformats.org/presentationml/2006/main">
   <p:cSld>
     <p:spTree>
@@ -14415,7 +12915,7 @@
             <a:pPr algn="ctr" eaLnBrk="1" hangingPunct="1"/>
             <a:r>
               <a:rPr lang="es-CO" altLang="es-CO" sz="3600" b="0" dirty="0"/>
-              <a:t>13</a:t>
+              <a:t>15</a:t>
             </a:r>
           </a:p>
         </p:txBody>
@@ -15658,7 +14158,7 @@
 </p:sld>
 </file>
 
-<file path=ppt/slides/slide14.xml><?xml version="1.0" encoding="utf-8"?>
+<file path=ppt/slides/slide16.xml><?xml version="1.0" encoding="utf-8"?>
 <p:sld xmlns:a="http://schemas.openxmlformats.org/drawingml/2006/main" xmlns:r="http://schemas.openxmlformats.org/officeDocument/2006/relationships" xmlns:p="http://schemas.openxmlformats.org/presentationml/2006/main">
   <p:cSld>
     <p:spTree>
@@ -15916,7 +14416,7 @@
             <a:pPr algn="ctr" eaLnBrk="1" hangingPunct="1"/>
             <a:r>
               <a:rPr lang="es-CO" altLang="es-CO" sz="3600" b="0" dirty="0"/>
-              <a:t>14</a:t>
+              <a:t>16</a:t>
             </a:r>
           </a:p>
         </p:txBody>
@@ -17190,7 +15690,7 @@
 </p:sld>
 </file>
 
-<file path=ppt/slides/slide15.xml><?xml version="1.0" encoding="utf-8"?>
+<file path=ppt/slides/slide17.xml><?xml version="1.0" encoding="utf-8"?>
 <p:sld xmlns:a="http://schemas.openxmlformats.org/drawingml/2006/main" xmlns:r="http://schemas.openxmlformats.org/officeDocument/2006/relationships" xmlns:p="http://schemas.openxmlformats.org/presentationml/2006/main">
   <p:cSld>
     <p:spTree>
@@ -17447,8 +15947,8 @@
           <a:p>
             <a:pPr algn="ctr" eaLnBrk="1" hangingPunct="1"/>
             <a:r>
-              <a:rPr lang="es-CO" altLang="es-CO" sz="3600" b="0"/>
-              <a:t>15</a:t>
+              <a:rPr lang="es-CO" altLang="es-CO" sz="3600" b="0" dirty="0"/>
+              <a:t>17</a:t>
             </a:r>
           </a:p>
         </p:txBody>
@@ -18788,7 +17288,7 @@
 </p:sld>
 </file>
 
-<file path=ppt/slides/slide16.xml><?xml version="1.0" encoding="utf-8"?>
+<file path=ppt/slides/slide18.xml><?xml version="1.0" encoding="utf-8"?>
 <p:sld xmlns:a="http://schemas.openxmlformats.org/drawingml/2006/main" xmlns:r="http://schemas.openxmlformats.org/officeDocument/2006/relationships" xmlns:p="http://schemas.openxmlformats.org/presentationml/2006/main">
   <p:cSld>
     <p:spTree>
@@ -19041,8 +17541,8 @@
           <a:p>
             <a:pPr algn="ctr" eaLnBrk="1" hangingPunct="1"/>
             <a:r>
-              <a:rPr lang="es-CO" altLang="es-CO" sz="3600" b="0"/>
-              <a:t>16</a:t>
+              <a:rPr lang="es-CO" altLang="es-CO" sz="3600" b="0" dirty="0"/>
+              <a:t>18</a:t>
             </a:r>
           </a:p>
         </p:txBody>
@@ -19811,7 +18311,7 @@
 </p:sld>
 </file>
 
-<file path=ppt/slides/slide17.xml><?xml version="1.0" encoding="utf-8"?>
+<file path=ppt/slides/slide19.xml><?xml version="1.0" encoding="utf-8"?>
 <p:sld xmlns:a="http://schemas.openxmlformats.org/drawingml/2006/main" xmlns:r="http://schemas.openxmlformats.org/officeDocument/2006/relationships" xmlns:p="http://schemas.openxmlformats.org/presentationml/2006/main">
   <p:cSld>
     <p:spTree>
@@ -20057,8 +18557,8 @@
           <a:p>
             <a:pPr algn="ctr" eaLnBrk="1" hangingPunct="1"/>
             <a:r>
-              <a:rPr lang="es-CO" altLang="es-CO" sz="3600" b="0"/>
-              <a:t>17</a:t>
+              <a:rPr lang="es-CO" altLang="es-CO" sz="3600" b="0" dirty="0"/>
+              <a:t>19</a:t>
             </a:r>
           </a:p>
         </p:txBody>
@@ -20701,7 +19201,544 @@
 </p:sld>
 </file>
 
-<file path=ppt/slides/slide18.xml><?xml version="1.0" encoding="utf-8"?>
+<file path=ppt/slides/slide2.xml><?xml version="1.0" encoding="utf-8"?>
+<p:sld xmlns:a="http://schemas.openxmlformats.org/drawingml/2006/main" xmlns:r="http://schemas.openxmlformats.org/officeDocument/2006/relationships" xmlns:p="http://schemas.openxmlformats.org/presentationml/2006/main">
+  <p:cSld>
+    <p:spTree>
+      <p:nvGrpSpPr>
+        <p:cNvPr id="1" name=""/>
+        <p:cNvGrpSpPr/>
+        <p:nvPr/>
+      </p:nvGrpSpPr>
+      <p:grpSpPr>
+        <a:xfrm>
+          <a:off x="0" y="0"/>
+          <a:ext cx="0" cy="0"/>
+          <a:chOff x="0" y="0"/>
+          <a:chExt cx="0" cy="0"/>
+        </a:xfrm>
+      </p:grpSpPr>
+      <p:sp>
+        <p:nvSpPr>
+          <p:cNvPr id="2" name="Título 1">
+            <a:extLst>
+              <a:ext uri="{FF2B5EF4-FFF2-40B4-BE49-F238E27FC236}">
+                <a16:creationId xmlns:a16="http://schemas.microsoft.com/office/drawing/2014/main" id="{FB1B6180-BCA0-4F51-9F68-9E5BAB8A4FDC}"/>
+              </a:ext>
+            </a:extLst>
+          </p:cNvPr>
+          <p:cNvSpPr>
+            <a:spLocks noGrp="1"/>
+          </p:cNvSpPr>
+          <p:nvPr>
+            <p:ph type="title"/>
+          </p:nvPr>
+        </p:nvSpPr>
+        <p:spPr>
+          <a:xfrm>
+            <a:off x="2036078" y="2847975"/>
+            <a:ext cx="5456585" cy="1162050"/>
+          </a:xfrm>
+        </p:spPr>
+        <p:txBody>
+          <a:bodyPr/>
+          <a:lstStyle/>
+          <a:p>
+            <a:pPr algn="ctr"/>
+            <a:r>
+              <a:rPr lang="es-CO" b="1"/>
+              <a:t>¿Qué es la transformada de Laplace?</a:t>
+            </a:r>
+          </a:p>
+        </p:txBody>
+      </p:sp>
+      <p:sp>
+        <p:nvSpPr>
+          <p:cNvPr id="10" name="1 Título">
+            <a:extLst>
+              <a:ext uri="{FF2B5EF4-FFF2-40B4-BE49-F238E27FC236}">
+                <a16:creationId xmlns:a16="http://schemas.microsoft.com/office/drawing/2014/main" id="{AF4E183E-A171-4923-A99E-D149888CEC37}"/>
+              </a:ext>
+            </a:extLst>
+          </p:cNvPr>
+          <p:cNvSpPr txBox="1">
+            <a:spLocks/>
+          </p:cNvSpPr>
+          <p:nvPr/>
+        </p:nvSpPr>
+        <p:spPr bwMode="auto">
+          <a:xfrm>
+            <a:off x="0" y="-28575"/>
+            <a:ext cx="779463" cy="720725"/>
+          </a:xfrm>
+          <a:prstGeom prst="rect">
+            <a:avLst/>
+          </a:prstGeom>
+          <a:noFill/>
+          <a:ln>
+            <a:noFill/>
+          </a:ln>
+          <a:extLst>
+            <a:ext uri="{909E8E84-426E-40DD-AFC4-6F175D3DCCD1}">
+              <a14:hiddenFill xmlns:a14="http://schemas.microsoft.com/office/drawing/2010/main">
+                <a:solidFill>
+                  <a:srgbClr val="FFFFFF"/>
+                </a:solidFill>
+              </a14:hiddenFill>
+            </a:ext>
+            <a:ext uri="{91240B29-F687-4F45-9708-019B960494DF}">
+              <a14:hiddenLine xmlns:a14="http://schemas.microsoft.com/office/drawing/2010/main" w="9525">
+                <a:solidFill>
+                  <a:srgbClr val="000000"/>
+                </a:solidFill>
+                <a:miter lim="800000"/>
+                <a:headEnd/>
+                <a:tailEnd/>
+              </a14:hiddenLine>
+            </a:ext>
+          </a:extLst>
+        </p:spPr>
+        <p:txBody>
+          <a:bodyPr vert="horz" wrap="square" lIns="91440" tIns="45720" rIns="91440" bIns="45720" numCol="1" anchor="b" anchorCtr="0" compatLnSpc="1">
+            <a:prstTxWarp prst="textNoShape">
+              <a:avLst/>
+            </a:prstTxWarp>
+          </a:bodyPr>
+          <a:lstStyle>
+            <a:lvl1pPr algn="l" rtl="0" eaLnBrk="0" fontAlgn="base" hangingPunct="0">
+              <a:spcBef>
+                <a:spcPct val="0"/>
+              </a:spcBef>
+              <a:spcAft>
+                <a:spcPct val="0"/>
+              </a:spcAft>
+              <a:defRPr sz="2000" b="1" kern="1200">
+                <a:solidFill>
+                  <a:schemeClr val="tx1"/>
+                </a:solidFill>
+                <a:latin typeface="Arial" pitchFamily="34" charset="0"/>
+                <a:ea typeface="+mj-ea"/>
+                <a:cs typeface="Arial" pitchFamily="34" charset="0"/>
+              </a:defRPr>
+            </a:lvl1pPr>
+            <a:lvl2pPr algn="l" rtl="0" eaLnBrk="0" fontAlgn="base" hangingPunct="0">
+              <a:spcBef>
+                <a:spcPct val="0"/>
+              </a:spcBef>
+              <a:spcAft>
+                <a:spcPct val="0"/>
+              </a:spcAft>
+              <a:defRPr sz="4400">
+                <a:solidFill>
+                  <a:schemeClr val="tx1"/>
+                </a:solidFill>
+                <a:latin typeface="Arial" charset="0"/>
+                <a:cs typeface="Arial" charset="0"/>
+              </a:defRPr>
+            </a:lvl2pPr>
+            <a:lvl3pPr algn="l" rtl="0" eaLnBrk="0" fontAlgn="base" hangingPunct="0">
+              <a:spcBef>
+                <a:spcPct val="0"/>
+              </a:spcBef>
+              <a:spcAft>
+                <a:spcPct val="0"/>
+              </a:spcAft>
+              <a:defRPr sz="4400">
+                <a:solidFill>
+                  <a:schemeClr val="tx1"/>
+                </a:solidFill>
+                <a:latin typeface="Arial" charset="0"/>
+                <a:cs typeface="Arial" charset="0"/>
+              </a:defRPr>
+            </a:lvl3pPr>
+            <a:lvl4pPr algn="l" rtl="0" eaLnBrk="0" fontAlgn="base" hangingPunct="0">
+              <a:spcBef>
+                <a:spcPct val="0"/>
+              </a:spcBef>
+              <a:spcAft>
+                <a:spcPct val="0"/>
+              </a:spcAft>
+              <a:defRPr sz="4400">
+                <a:solidFill>
+                  <a:schemeClr val="tx1"/>
+                </a:solidFill>
+                <a:latin typeface="Arial" charset="0"/>
+                <a:cs typeface="Arial" charset="0"/>
+              </a:defRPr>
+            </a:lvl4pPr>
+            <a:lvl5pPr algn="l" rtl="0" eaLnBrk="0" fontAlgn="base" hangingPunct="0">
+              <a:spcBef>
+                <a:spcPct val="0"/>
+              </a:spcBef>
+              <a:spcAft>
+                <a:spcPct val="0"/>
+              </a:spcAft>
+              <a:defRPr sz="4400">
+                <a:solidFill>
+                  <a:schemeClr val="tx1"/>
+                </a:solidFill>
+                <a:latin typeface="Arial" charset="0"/>
+                <a:cs typeface="Arial" charset="0"/>
+              </a:defRPr>
+            </a:lvl5pPr>
+            <a:lvl6pPr marL="457200" algn="l" rtl="0" fontAlgn="base">
+              <a:spcBef>
+                <a:spcPct val="0"/>
+              </a:spcBef>
+              <a:spcAft>
+                <a:spcPct val="0"/>
+              </a:spcAft>
+              <a:defRPr sz="4400">
+                <a:solidFill>
+                  <a:schemeClr val="tx1"/>
+                </a:solidFill>
+                <a:latin typeface="Arial" charset="0"/>
+                <a:cs typeface="Arial" charset="0"/>
+              </a:defRPr>
+            </a:lvl6pPr>
+            <a:lvl7pPr marL="914400" algn="l" rtl="0" fontAlgn="base">
+              <a:spcBef>
+                <a:spcPct val="0"/>
+              </a:spcBef>
+              <a:spcAft>
+                <a:spcPct val="0"/>
+              </a:spcAft>
+              <a:defRPr sz="4400">
+                <a:solidFill>
+                  <a:schemeClr val="tx1"/>
+                </a:solidFill>
+                <a:latin typeface="Arial" charset="0"/>
+                <a:cs typeface="Arial" charset="0"/>
+              </a:defRPr>
+            </a:lvl7pPr>
+            <a:lvl8pPr marL="1371600" algn="l" rtl="0" fontAlgn="base">
+              <a:spcBef>
+                <a:spcPct val="0"/>
+              </a:spcBef>
+              <a:spcAft>
+                <a:spcPct val="0"/>
+              </a:spcAft>
+              <a:defRPr sz="4400">
+                <a:solidFill>
+                  <a:schemeClr val="tx1"/>
+                </a:solidFill>
+                <a:latin typeface="Arial" charset="0"/>
+                <a:cs typeface="Arial" charset="0"/>
+              </a:defRPr>
+            </a:lvl8pPr>
+            <a:lvl9pPr marL="1828800" algn="l" rtl="0" fontAlgn="base">
+              <a:spcBef>
+                <a:spcPct val="0"/>
+              </a:spcBef>
+              <a:spcAft>
+                <a:spcPct val="0"/>
+              </a:spcAft>
+              <a:defRPr sz="4400">
+                <a:solidFill>
+                  <a:schemeClr val="tx1"/>
+                </a:solidFill>
+                <a:latin typeface="Arial" charset="0"/>
+                <a:cs typeface="Arial" charset="0"/>
+              </a:defRPr>
+            </a:lvl9pPr>
+          </a:lstStyle>
+          <a:p>
+            <a:pPr algn="ctr" eaLnBrk="1" hangingPunct="1"/>
+            <a:r>
+              <a:rPr lang="es-CO" altLang="es-CO" sz="3600" b="0" dirty="0"/>
+              <a:t>2</a:t>
+            </a:r>
+          </a:p>
+        </p:txBody>
+      </p:sp>
+      <p:pic>
+        <p:nvPicPr>
+          <p:cNvPr id="14" name="Picture 4" descr="Programas - Intranet ETITC">
+            <a:extLst>
+              <a:ext uri="{FF2B5EF4-FFF2-40B4-BE49-F238E27FC236}">
+                <a16:creationId xmlns:a16="http://schemas.microsoft.com/office/drawing/2014/main" id="{EC83F540-C4A2-EE56-0418-B8CD7CA17275}"/>
+              </a:ext>
+            </a:extLst>
+          </p:cNvPr>
+          <p:cNvPicPr>
+            <a:picLocks noChangeAspect="1" noChangeArrowheads="1"/>
+          </p:cNvPicPr>
+          <p:nvPr/>
+        </p:nvPicPr>
+        <p:blipFill>
+          <a:blip r:embed="rId2">
+            <a:extLst>
+              <a:ext uri="{28A0092B-C50C-407E-A947-70E740481C1C}">
+                <a14:useLocalDpi xmlns:a14="http://schemas.microsoft.com/office/drawing/2010/main" val="0"/>
+              </a:ext>
+            </a:extLst>
+          </a:blip>
+          <a:srcRect/>
+          <a:stretch>
+            <a:fillRect/>
+          </a:stretch>
+        </p:blipFill>
+        <p:spPr bwMode="auto">
+          <a:xfrm>
+            <a:off x="795338" y="44758"/>
+            <a:ext cx="2483768" cy="794720"/>
+          </a:xfrm>
+          <a:prstGeom prst="rect">
+            <a:avLst/>
+          </a:prstGeom>
+          <a:noFill/>
+          <a:extLst>
+            <a:ext uri="{909E8E84-426E-40DD-AFC4-6F175D3DCCD1}">
+              <a14:hiddenFill xmlns:a14="http://schemas.microsoft.com/office/drawing/2010/main">
+                <a:solidFill>
+                  <a:srgbClr val="FFFFFF"/>
+                </a:solidFill>
+              </a14:hiddenFill>
+            </a:ext>
+          </a:extLst>
+        </p:spPr>
+      </p:pic>
+      <p:sp>
+        <p:nvSpPr>
+          <p:cNvPr id="5" name="2 Subtítulo">
+            <a:extLst>
+              <a:ext uri="{FF2B5EF4-FFF2-40B4-BE49-F238E27FC236}">
+                <a16:creationId xmlns:a16="http://schemas.microsoft.com/office/drawing/2014/main" id="{AD83FA30-4A3C-43B8-17CD-C08519129156}"/>
+              </a:ext>
+            </a:extLst>
+          </p:cNvPr>
+          <p:cNvSpPr txBox="1">
+            <a:spLocks/>
+          </p:cNvSpPr>
+          <p:nvPr/>
+        </p:nvSpPr>
+        <p:spPr bwMode="auto">
+          <a:xfrm>
+            <a:off x="2267744" y="259824"/>
+            <a:ext cx="6400800" cy="500063"/>
+          </a:xfrm>
+          <a:prstGeom prst="rect">
+            <a:avLst/>
+          </a:prstGeom>
+          <a:noFill/>
+          <a:ln>
+            <a:noFill/>
+          </a:ln>
+          <a:extLst>
+            <a:ext uri="{909E8E84-426E-40DD-AFC4-6F175D3DCCD1}">
+              <a14:hiddenFill xmlns:a14="http://schemas.microsoft.com/office/drawing/2010/main">
+                <a:solidFill>
+                  <a:srgbClr val="FFFFFF"/>
+                </a:solidFill>
+              </a14:hiddenFill>
+            </a:ext>
+            <a:ext uri="{91240B29-F687-4F45-9708-019B960494DF}">
+              <a14:hiddenLine xmlns:a14="http://schemas.microsoft.com/office/drawing/2010/main" w="9525">
+                <a:solidFill>
+                  <a:srgbClr val="000000"/>
+                </a:solidFill>
+                <a:miter lim="800000"/>
+                <a:headEnd/>
+                <a:tailEnd/>
+              </a14:hiddenLine>
+            </a:ext>
+          </a:extLst>
+        </p:spPr>
+        <p:txBody>
+          <a:bodyPr vert="horz" wrap="square" lIns="91440" tIns="45720" rIns="91440" bIns="45720" numCol="1" rtlCol="0" anchor="t" anchorCtr="0" compatLnSpc="1">
+            <a:prstTxWarp prst="textNoShape">
+              <a:avLst/>
+            </a:prstTxWarp>
+            <a:noAutofit/>
+          </a:bodyPr>
+          <a:lstStyle>
+            <a:lvl1pPr marL="342900" indent="-342900" algn="l" rtl="0" eaLnBrk="0" fontAlgn="base" hangingPunct="0">
+              <a:spcBef>
+                <a:spcPct val="20000"/>
+              </a:spcBef>
+              <a:spcAft>
+                <a:spcPct val="0"/>
+              </a:spcAft>
+              <a:buFont typeface="Arial" panose="020B0604020202020204" pitchFamily="34" charset="0"/>
+              <a:buChar char="•"/>
+              <a:defRPr sz="3200" kern="1200">
+                <a:solidFill>
+                  <a:schemeClr val="tx1"/>
+                </a:solidFill>
+                <a:latin typeface="Arial" pitchFamily="34" charset="0"/>
+                <a:ea typeface="+mn-ea"/>
+                <a:cs typeface="Arial" pitchFamily="34" charset="0"/>
+              </a:defRPr>
+            </a:lvl1pPr>
+            <a:lvl2pPr marL="742950" indent="-285750" algn="l" rtl="0" eaLnBrk="0" fontAlgn="base" hangingPunct="0">
+              <a:spcBef>
+                <a:spcPct val="20000"/>
+              </a:spcBef>
+              <a:spcAft>
+                <a:spcPct val="0"/>
+              </a:spcAft>
+              <a:buFont typeface="Arial" panose="020B0604020202020204" pitchFamily="34" charset="0"/>
+              <a:buChar char="–"/>
+              <a:defRPr sz="2800" kern="1200">
+                <a:solidFill>
+                  <a:schemeClr val="tx1"/>
+                </a:solidFill>
+                <a:latin typeface="Arial" pitchFamily="34" charset="0"/>
+                <a:ea typeface="+mn-ea"/>
+                <a:cs typeface="Arial" pitchFamily="34" charset="0"/>
+              </a:defRPr>
+            </a:lvl2pPr>
+            <a:lvl3pPr marL="1143000" indent="-228600" algn="l" rtl="0" eaLnBrk="0" fontAlgn="base" hangingPunct="0">
+              <a:spcBef>
+                <a:spcPct val="20000"/>
+              </a:spcBef>
+              <a:spcAft>
+                <a:spcPct val="0"/>
+              </a:spcAft>
+              <a:buFont typeface="Arial" panose="020B0604020202020204" pitchFamily="34" charset="0"/>
+              <a:buChar char="•"/>
+              <a:defRPr sz="2400" kern="1200">
+                <a:solidFill>
+                  <a:schemeClr val="tx1"/>
+                </a:solidFill>
+                <a:latin typeface="Arial" pitchFamily="34" charset="0"/>
+                <a:ea typeface="+mn-ea"/>
+                <a:cs typeface="Arial" pitchFamily="34" charset="0"/>
+              </a:defRPr>
+            </a:lvl3pPr>
+            <a:lvl4pPr marL="1600200" indent="-228600" algn="l" rtl="0" eaLnBrk="0" fontAlgn="base" hangingPunct="0">
+              <a:spcBef>
+                <a:spcPct val="20000"/>
+              </a:spcBef>
+              <a:spcAft>
+                <a:spcPct val="0"/>
+              </a:spcAft>
+              <a:buFont typeface="Arial" panose="020B0604020202020204" pitchFamily="34" charset="0"/>
+              <a:buChar char="–"/>
+              <a:defRPr sz="2000" kern="1200">
+                <a:solidFill>
+                  <a:schemeClr val="tx1"/>
+                </a:solidFill>
+                <a:latin typeface="Arial" pitchFamily="34" charset="0"/>
+                <a:ea typeface="+mn-ea"/>
+                <a:cs typeface="Arial" pitchFamily="34" charset="0"/>
+              </a:defRPr>
+            </a:lvl4pPr>
+            <a:lvl5pPr marL="2057400" indent="-228600" algn="l" rtl="0" eaLnBrk="0" fontAlgn="base" hangingPunct="0">
+              <a:spcBef>
+                <a:spcPct val="20000"/>
+              </a:spcBef>
+              <a:spcAft>
+                <a:spcPct val="0"/>
+              </a:spcAft>
+              <a:buFont typeface="Arial" panose="020B0604020202020204" pitchFamily="34" charset="0"/>
+              <a:buChar char="»"/>
+              <a:defRPr sz="2000" kern="1200">
+                <a:solidFill>
+                  <a:schemeClr val="tx1"/>
+                </a:solidFill>
+                <a:latin typeface="Arial" pitchFamily="34" charset="0"/>
+                <a:ea typeface="+mn-ea"/>
+                <a:cs typeface="Arial" pitchFamily="34" charset="0"/>
+              </a:defRPr>
+            </a:lvl5pPr>
+            <a:lvl6pPr marL="2514600" indent="-228600" algn="l" defTabSz="914400" rtl="0" eaLnBrk="1" latinLnBrk="0" hangingPunct="1">
+              <a:spcBef>
+                <a:spcPct val="20000"/>
+              </a:spcBef>
+              <a:buFont typeface="Arial" pitchFamily="34" charset="0"/>
+              <a:buChar char="•"/>
+              <a:defRPr sz="2000" kern="1200">
+                <a:solidFill>
+                  <a:schemeClr val="tx1"/>
+                </a:solidFill>
+                <a:latin typeface="+mn-lt"/>
+                <a:ea typeface="+mn-ea"/>
+                <a:cs typeface="+mn-cs"/>
+              </a:defRPr>
+            </a:lvl6pPr>
+            <a:lvl7pPr marL="2971800" indent="-228600" algn="l" defTabSz="914400" rtl="0" eaLnBrk="1" latinLnBrk="0" hangingPunct="1">
+              <a:spcBef>
+                <a:spcPct val="20000"/>
+              </a:spcBef>
+              <a:buFont typeface="Arial" pitchFamily="34" charset="0"/>
+              <a:buChar char="•"/>
+              <a:defRPr sz="2000" kern="1200">
+                <a:solidFill>
+                  <a:schemeClr val="tx1"/>
+                </a:solidFill>
+                <a:latin typeface="+mn-lt"/>
+                <a:ea typeface="+mn-ea"/>
+                <a:cs typeface="+mn-cs"/>
+              </a:defRPr>
+            </a:lvl7pPr>
+            <a:lvl8pPr marL="3429000" indent="-228600" algn="l" defTabSz="914400" rtl="0" eaLnBrk="1" latinLnBrk="0" hangingPunct="1">
+              <a:spcBef>
+                <a:spcPct val="20000"/>
+              </a:spcBef>
+              <a:buFont typeface="Arial" pitchFamily="34" charset="0"/>
+              <a:buChar char="•"/>
+              <a:defRPr sz="2000" kern="1200">
+                <a:solidFill>
+                  <a:schemeClr val="tx1"/>
+                </a:solidFill>
+                <a:latin typeface="+mn-lt"/>
+                <a:ea typeface="+mn-ea"/>
+                <a:cs typeface="+mn-cs"/>
+              </a:defRPr>
+            </a:lvl8pPr>
+            <a:lvl9pPr marL="3886200" indent="-228600" algn="l" defTabSz="914400" rtl="0" eaLnBrk="1" latinLnBrk="0" hangingPunct="1">
+              <a:spcBef>
+                <a:spcPct val="20000"/>
+              </a:spcBef>
+              <a:buFont typeface="Arial" pitchFamily="34" charset="0"/>
+              <a:buChar char="•"/>
+              <a:defRPr sz="2000" kern="1200">
+                <a:solidFill>
+                  <a:schemeClr val="tx1"/>
+                </a:solidFill>
+                <a:latin typeface="+mn-lt"/>
+                <a:ea typeface="+mn-ea"/>
+                <a:cs typeface="+mn-cs"/>
+              </a:defRPr>
+            </a:lvl9pPr>
+          </a:lstStyle>
+          <a:p>
+            <a:pPr marL="0" indent="0" algn="r" eaLnBrk="1" fontAlgn="auto" hangingPunct="1">
+              <a:spcAft>
+                <a:spcPts val="0"/>
+              </a:spcAft>
+              <a:buNone/>
+              <a:defRPr/>
+            </a:pPr>
+            <a:r>
+              <a:rPr lang="es-CO" sz="2000" b="1" dirty="0">
+                <a:solidFill>
+                  <a:schemeClr val="tx1">
+                    <a:lumMod val="75000"/>
+                    <a:lumOff val="25000"/>
+                  </a:schemeClr>
+                </a:solidFill>
+              </a:rPr>
+              <a:t> SISTEMAS DE CONTROL INDUSTRIAL</a:t>
+            </a:r>
+          </a:p>
+        </p:txBody>
+      </p:sp>
+    </p:spTree>
+    <p:extLst>
+      <p:ext uri="{BB962C8B-B14F-4D97-AF65-F5344CB8AC3E}">
+        <p14:creationId xmlns:p14="http://schemas.microsoft.com/office/powerpoint/2010/main" val="616220982"/>
+      </p:ext>
+    </p:extLst>
+  </p:cSld>
+  <p:clrMapOvr>
+    <a:masterClrMapping/>
+  </p:clrMapOvr>
+</p:sld>
+</file>
+
+<file path=ppt/slides/slide20.xml><?xml version="1.0" encoding="utf-8"?>
 <p:sld xmlns:a="http://schemas.openxmlformats.org/drawingml/2006/main" xmlns:r="http://schemas.openxmlformats.org/officeDocument/2006/relationships" xmlns:p="http://schemas.openxmlformats.org/presentationml/2006/main">
   <p:cSld>
     <p:spTree>
@@ -20947,8 +19984,8 @@
           <a:p>
             <a:pPr algn="ctr" eaLnBrk="1" hangingPunct="1"/>
             <a:r>
-              <a:rPr lang="es-CO" altLang="es-CO" sz="3600" b="0"/>
-              <a:t>18</a:t>
+              <a:rPr lang="es-CO" altLang="es-CO" sz="3600" b="0" dirty="0"/>
+              <a:t>20</a:t>
             </a:r>
           </a:p>
         </p:txBody>
@@ -21597,7 +20634,7 @@
 </p:sld>
 </file>
 
-<file path=ppt/slides/slide19.xml><?xml version="1.0" encoding="utf-8"?>
+<file path=ppt/slides/slide21.xml><?xml version="1.0" encoding="utf-8"?>
 <p:sld xmlns:a="http://schemas.openxmlformats.org/drawingml/2006/main" xmlns:r="http://schemas.openxmlformats.org/officeDocument/2006/relationships" xmlns:p="http://schemas.openxmlformats.org/presentationml/2006/main">
   <p:cSld>
     <p:spTree>
@@ -21843,8 +20880,8 @@
           <a:p>
             <a:pPr algn="ctr" eaLnBrk="1" hangingPunct="1"/>
             <a:r>
-              <a:rPr lang="es-CO" altLang="es-CO" sz="3600" b="0"/>
-              <a:t>19</a:t>
+              <a:rPr lang="es-CO" altLang="es-CO" sz="3600" b="0" dirty="0"/>
+              <a:t>21</a:t>
             </a:r>
           </a:p>
         </p:txBody>
@@ -22474,544 +21511,7 @@
 </p:sld>
 </file>
 
-<file path=ppt/slides/slide2.xml><?xml version="1.0" encoding="utf-8"?>
-<p:sld xmlns:a="http://schemas.openxmlformats.org/drawingml/2006/main" xmlns:r="http://schemas.openxmlformats.org/officeDocument/2006/relationships" xmlns:p="http://schemas.openxmlformats.org/presentationml/2006/main">
-  <p:cSld>
-    <p:spTree>
-      <p:nvGrpSpPr>
-        <p:cNvPr id="1" name=""/>
-        <p:cNvGrpSpPr/>
-        <p:nvPr/>
-      </p:nvGrpSpPr>
-      <p:grpSpPr>
-        <a:xfrm>
-          <a:off x="0" y="0"/>
-          <a:ext cx="0" cy="0"/>
-          <a:chOff x="0" y="0"/>
-          <a:chExt cx="0" cy="0"/>
-        </a:xfrm>
-      </p:grpSpPr>
-      <p:sp>
-        <p:nvSpPr>
-          <p:cNvPr id="2" name="Título 1">
-            <a:extLst>
-              <a:ext uri="{FF2B5EF4-FFF2-40B4-BE49-F238E27FC236}">
-                <a16:creationId xmlns:a16="http://schemas.microsoft.com/office/drawing/2014/main" id="{FB1B6180-BCA0-4F51-9F68-9E5BAB8A4FDC}"/>
-              </a:ext>
-            </a:extLst>
-          </p:cNvPr>
-          <p:cNvSpPr>
-            <a:spLocks noGrp="1"/>
-          </p:cNvSpPr>
-          <p:nvPr>
-            <p:ph type="title"/>
-          </p:nvPr>
-        </p:nvSpPr>
-        <p:spPr>
-          <a:xfrm>
-            <a:off x="2036078" y="2847975"/>
-            <a:ext cx="5456585" cy="1162050"/>
-          </a:xfrm>
-        </p:spPr>
-        <p:txBody>
-          <a:bodyPr/>
-          <a:lstStyle/>
-          <a:p>
-            <a:pPr algn="ctr"/>
-            <a:r>
-              <a:rPr lang="es-CO" b="1"/>
-              <a:t>¿Qué es la transformada de Laplace?</a:t>
-            </a:r>
-          </a:p>
-        </p:txBody>
-      </p:sp>
-      <p:sp>
-        <p:nvSpPr>
-          <p:cNvPr id="10" name="1 Título">
-            <a:extLst>
-              <a:ext uri="{FF2B5EF4-FFF2-40B4-BE49-F238E27FC236}">
-                <a16:creationId xmlns:a16="http://schemas.microsoft.com/office/drawing/2014/main" id="{AF4E183E-A171-4923-A99E-D149888CEC37}"/>
-              </a:ext>
-            </a:extLst>
-          </p:cNvPr>
-          <p:cNvSpPr txBox="1">
-            <a:spLocks/>
-          </p:cNvSpPr>
-          <p:nvPr/>
-        </p:nvSpPr>
-        <p:spPr bwMode="auto">
-          <a:xfrm>
-            <a:off x="0" y="-28575"/>
-            <a:ext cx="779463" cy="720725"/>
-          </a:xfrm>
-          <a:prstGeom prst="rect">
-            <a:avLst/>
-          </a:prstGeom>
-          <a:noFill/>
-          <a:ln>
-            <a:noFill/>
-          </a:ln>
-          <a:extLst>
-            <a:ext uri="{909E8E84-426E-40DD-AFC4-6F175D3DCCD1}">
-              <a14:hiddenFill xmlns:a14="http://schemas.microsoft.com/office/drawing/2010/main">
-                <a:solidFill>
-                  <a:srgbClr val="FFFFFF"/>
-                </a:solidFill>
-              </a14:hiddenFill>
-            </a:ext>
-            <a:ext uri="{91240B29-F687-4F45-9708-019B960494DF}">
-              <a14:hiddenLine xmlns:a14="http://schemas.microsoft.com/office/drawing/2010/main" w="9525">
-                <a:solidFill>
-                  <a:srgbClr val="000000"/>
-                </a:solidFill>
-                <a:miter lim="800000"/>
-                <a:headEnd/>
-                <a:tailEnd/>
-              </a14:hiddenLine>
-            </a:ext>
-          </a:extLst>
-        </p:spPr>
-        <p:txBody>
-          <a:bodyPr vert="horz" wrap="square" lIns="91440" tIns="45720" rIns="91440" bIns="45720" numCol="1" anchor="b" anchorCtr="0" compatLnSpc="1">
-            <a:prstTxWarp prst="textNoShape">
-              <a:avLst/>
-            </a:prstTxWarp>
-          </a:bodyPr>
-          <a:lstStyle>
-            <a:lvl1pPr algn="l" rtl="0" eaLnBrk="0" fontAlgn="base" hangingPunct="0">
-              <a:spcBef>
-                <a:spcPct val="0"/>
-              </a:spcBef>
-              <a:spcAft>
-                <a:spcPct val="0"/>
-              </a:spcAft>
-              <a:defRPr sz="2000" b="1" kern="1200">
-                <a:solidFill>
-                  <a:schemeClr val="tx1"/>
-                </a:solidFill>
-                <a:latin typeface="Arial" pitchFamily="34" charset="0"/>
-                <a:ea typeface="+mj-ea"/>
-                <a:cs typeface="Arial" pitchFamily="34" charset="0"/>
-              </a:defRPr>
-            </a:lvl1pPr>
-            <a:lvl2pPr algn="l" rtl="0" eaLnBrk="0" fontAlgn="base" hangingPunct="0">
-              <a:spcBef>
-                <a:spcPct val="0"/>
-              </a:spcBef>
-              <a:spcAft>
-                <a:spcPct val="0"/>
-              </a:spcAft>
-              <a:defRPr sz="4400">
-                <a:solidFill>
-                  <a:schemeClr val="tx1"/>
-                </a:solidFill>
-                <a:latin typeface="Arial" charset="0"/>
-                <a:cs typeface="Arial" charset="0"/>
-              </a:defRPr>
-            </a:lvl2pPr>
-            <a:lvl3pPr algn="l" rtl="0" eaLnBrk="0" fontAlgn="base" hangingPunct="0">
-              <a:spcBef>
-                <a:spcPct val="0"/>
-              </a:spcBef>
-              <a:spcAft>
-                <a:spcPct val="0"/>
-              </a:spcAft>
-              <a:defRPr sz="4400">
-                <a:solidFill>
-                  <a:schemeClr val="tx1"/>
-                </a:solidFill>
-                <a:latin typeface="Arial" charset="0"/>
-                <a:cs typeface="Arial" charset="0"/>
-              </a:defRPr>
-            </a:lvl3pPr>
-            <a:lvl4pPr algn="l" rtl="0" eaLnBrk="0" fontAlgn="base" hangingPunct="0">
-              <a:spcBef>
-                <a:spcPct val="0"/>
-              </a:spcBef>
-              <a:spcAft>
-                <a:spcPct val="0"/>
-              </a:spcAft>
-              <a:defRPr sz="4400">
-                <a:solidFill>
-                  <a:schemeClr val="tx1"/>
-                </a:solidFill>
-                <a:latin typeface="Arial" charset="0"/>
-                <a:cs typeface="Arial" charset="0"/>
-              </a:defRPr>
-            </a:lvl4pPr>
-            <a:lvl5pPr algn="l" rtl="0" eaLnBrk="0" fontAlgn="base" hangingPunct="0">
-              <a:spcBef>
-                <a:spcPct val="0"/>
-              </a:spcBef>
-              <a:spcAft>
-                <a:spcPct val="0"/>
-              </a:spcAft>
-              <a:defRPr sz="4400">
-                <a:solidFill>
-                  <a:schemeClr val="tx1"/>
-                </a:solidFill>
-                <a:latin typeface="Arial" charset="0"/>
-                <a:cs typeface="Arial" charset="0"/>
-              </a:defRPr>
-            </a:lvl5pPr>
-            <a:lvl6pPr marL="457200" algn="l" rtl="0" fontAlgn="base">
-              <a:spcBef>
-                <a:spcPct val="0"/>
-              </a:spcBef>
-              <a:spcAft>
-                <a:spcPct val="0"/>
-              </a:spcAft>
-              <a:defRPr sz="4400">
-                <a:solidFill>
-                  <a:schemeClr val="tx1"/>
-                </a:solidFill>
-                <a:latin typeface="Arial" charset="0"/>
-                <a:cs typeface="Arial" charset="0"/>
-              </a:defRPr>
-            </a:lvl6pPr>
-            <a:lvl7pPr marL="914400" algn="l" rtl="0" fontAlgn="base">
-              <a:spcBef>
-                <a:spcPct val="0"/>
-              </a:spcBef>
-              <a:spcAft>
-                <a:spcPct val="0"/>
-              </a:spcAft>
-              <a:defRPr sz="4400">
-                <a:solidFill>
-                  <a:schemeClr val="tx1"/>
-                </a:solidFill>
-                <a:latin typeface="Arial" charset="0"/>
-                <a:cs typeface="Arial" charset="0"/>
-              </a:defRPr>
-            </a:lvl7pPr>
-            <a:lvl8pPr marL="1371600" algn="l" rtl="0" fontAlgn="base">
-              <a:spcBef>
-                <a:spcPct val="0"/>
-              </a:spcBef>
-              <a:spcAft>
-                <a:spcPct val="0"/>
-              </a:spcAft>
-              <a:defRPr sz="4400">
-                <a:solidFill>
-                  <a:schemeClr val="tx1"/>
-                </a:solidFill>
-                <a:latin typeface="Arial" charset="0"/>
-                <a:cs typeface="Arial" charset="0"/>
-              </a:defRPr>
-            </a:lvl8pPr>
-            <a:lvl9pPr marL="1828800" algn="l" rtl="0" fontAlgn="base">
-              <a:spcBef>
-                <a:spcPct val="0"/>
-              </a:spcBef>
-              <a:spcAft>
-                <a:spcPct val="0"/>
-              </a:spcAft>
-              <a:defRPr sz="4400">
-                <a:solidFill>
-                  <a:schemeClr val="tx1"/>
-                </a:solidFill>
-                <a:latin typeface="Arial" charset="0"/>
-                <a:cs typeface="Arial" charset="0"/>
-              </a:defRPr>
-            </a:lvl9pPr>
-          </a:lstStyle>
-          <a:p>
-            <a:pPr algn="ctr" eaLnBrk="1" hangingPunct="1"/>
-            <a:r>
-              <a:rPr lang="es-CO" altLang="es-CO" sz="3600" b="0" dirty="0"/>
-              <a:t>2</a:t>
-            </a:r>
-          </a:p>
-        </p:txBody>
-      </p:sp>
-      <p:pic>
-        <p:nvPicPr>
-          <p:cNvPr id="14" name="Picture 4" descr="Programas - Intranet ETITC">
-            <a:extLst>
-              <a:ext uri="{FF2B5EF4-FFF2-40B4-BE49-F238E27FC236}">
-                <a16:creationId xmlns:a16="http://schemas.microsoft.com/office/drawing/2014/main" id="{EC83F540-C4A2-EE56-0418-B8CD7CA17275}"/>
-              </a:ext>
-            </a:extLst>
-          </p:cNvPr>
-          <p:cNvPicPr>
-            <a:picLocks noChangeAspect="1" noChangeArrowheads="1"/>
-          </p:cNvPicPr>
-          <p:nvPr/>
-        </p:nvPicPr>
-        <p:blipFill>
-          <a:blip r:embed="rId2">
-            <a:extLst>
-              <a:ext uri="{28A0092B-C50C-407E-A947-70E740481C1C}">
-                <a14:useLocalDpi xmlns:a14="http://schemas.microsoft.com/office/drawing/2010/main" val="0"/>
-              </a:ext>
-            </a:extLst>
-          </a:blip>
-          <a:srcRect/>
-          <a:stretch>
-            <a:fillRect/>
-          </a:stretch>
-        </p:blipFill>
-        <p:spPr bwMode="auto">
-          <a:xfrm>
-            <a:off x="795338" y="44758"/>
-            <a:ext cx="2483768" cy="794720"/>
-          </a:xfrm>
-          <a:prstGeom prst="rect">
-            <a:avLst/>
-          </a:prstGeom>
-          <a:noFill/>
-          <a:extLst>
-            <a:ext uri="{909E8E84-426E-40DD-AFC4-6F175D3DCCD1}">
-              <a14:hiddenFill xmlns:a14="http://schemas.microsoft.com/office/drawing/2010/main">
-                <a:solidFill>
-                  <a:srgbClr val="FFFFFF"/>
-                </a:solidFill>
-              </a14:hiddenFill>
-            </a:ext>
-          </a:extLst>
-        </p:spPr>
-      </p:pic>
-      <p:sp>
-        <p:nvSpPr>
-          <p:cNvPr id="5" name="2 Subtítulo">
-            <a:extLst>
-              <a:ext uri="{FF2B5EF4-FFF2-40B4-BE49-F238E27FC236}">
-                <a16:creationId xmlns:a16="http://schemas.microsoft.com/office/drawing/2014/main" id="{AD83FA30-4A3C-43B8-17CD-C08519129156}"/>
-              </a:ext>
-            </a:extLst>
-          </p:cNvPr>
-          <p:cNvSpPr txBox="1">
-            <a:spLocks/>
-          </p:cNvSpPr>
-          <p:nvPr/>
-        </p:nvSpPr>
-        <p:spPr bwMode="auto">
-          <a:xfrm>
-            <a:off x="2267744" y="259824"/>
-            <a:ext cx="6400800" cy="500063"/>
-          </a:xfrm>
-          <a:prstGeom prst="rect">
-            <a:avLst/>
-          </a:prstGeom>
-          <a:noFill/>
-          <a:ln>
-            <a:noFill/>
-          </a:ln>
-          <a:extLst>
-            <a:ext uri="{909E8E84-426E-40DD-AFC4-6F175D3DCCD1}">
-              <a14:hiddenFill xmlns:a14="http://schemas.microsoft.com/office/drawing/2010/main">
-                <a:solidFill>
-                  <a:srgbClr val="FFFFFF"/>
-                </a:solidFill>
-              </a14:hiddenFill>
-            </a:ext>
-            <a:ext uri="{91240B29-F687-4F45-9708-019B960494DF}">
-              <a14:hiddenLine xmlns:a14="http://schemas.microsoft.com/office/drawing/2010/main" w="9525">
-                <a:solidFill>
-                  <a:srgbClr val="000000"/>
-                </a:solidFill>
-                <a:miter lim="800000"/>
-                <a:headEnd/>
-                <a:tailEnd/>
-              </a14:hiddenLine>
-            </a:ext>
-          </a:extLst>
-        </p:spPr>
-        <p:txBody>
-          <a:bodyPr vert="horz" wrap="square" lIns="91440" tIns="45720" rIns="91440" bIns="45720" numCol="1" rtlCol="0" anchor="t" anchorCtr="0" compatLnSpc="1">
-            <a:prstTxWarp prst="textNoShape">
-              <a:avLst/>
-            </a:prstTxWarp>
-            <a:noAutofit/>
-          </a:bodyPr>
-          <a:lstStyle>
-            <a:lvl1pPr marL="342900" indent="-342900" algn="l" rtl="0" eaLnBrk="0" fontAlgn="base" hangingPunct="0">
-              <a:spcBef>
-                <a:spcPct val="20000"/>
-              </a:spcBef>
-              <a:spcAft>
-                <a:spcPct val="0"/>
-              </a:spcAft>
-              <a:buFont typeface="Arial" panose="020B0604020202020204" pitchFamily="34" charset="0"/>
-              <a:buChar char="•"/>
-              <a:defRPr sz="3200" kern="1200">
-                <a:solidFill>
-                  <a:schemeClr val="tx1"/>
-                </a:solidFill>
-                <a:latin typeface="Arial" pitchFamily="34" charset="0"/>
-                <a:ea typeface="+mn-ea"/>
-                <a:cs typeface="Arial" pitchFamily="34" charset="0"/>
-              </a:defRPr>
-            </a:lvl1pPr>
-            <a:lvl2pPr marL="742950" indent="-285750" algn="l" rtl="0" eaLnBrk="0" fontAlgn="base" hangingPunct="0">
-              <a:spcBef>
-                <a:spcPct val="20000"/>
-              </a:spcBef>
-              <a:spcAft>
-                <a:spcPct val="0"/>
-              </a:spcAft>
-              <a:buFont typeface="Arial" panose="020B0604020202020204" pitchFamily="34" charset="0"/>
-              <a:buChar char="–"/>
-              <a:defRPr sz="2800" kern="1200">
-                <a:solidFill>
-                  <a:schemeClr val="tx1"/>
-                </a:solidFill>
-                <a:latin typeface="Arial" pitchFamily="34" charset="0"/>
-                <a:ea typeface="+mn-ea"/>
-                <a:cs typeface="Arial" pitchFamily="34" charset="0"/>
-              </a:defRPr>
-            </a:lvl2pPr>
-            <a:lvl3pPr marL="1143000" indent="-228600" algn="l" rtl="0" eaLnBrk="0" fontAlgn="base" hangingPunct="0">
-              <a:spcBef>
-                <a:spcPct val="20000"/>
-              </a:spcBef>
-              <a:spcAft>
-                <a:spcPct val="0"/>
-              </a:spcAft>
-              <a:buFont typeface="Arial" panose="020B0604020202020204" pitchFamily="34" charset="0"/>
-              <a:buChar char="•"/>
-              <a:defRPr sz="2400" kern="1200">
-                <a:solidFill>
-                  <a:schemeClr val="tx1"/>
-                </a:solidFill>
-                <a:latin typeface="Arial" pitchFamily="34" charset="0"/>
-                <a:ea typeface="+mn-ea"/>
-                <a:cs typeface="Arial" pitchFamily="34" charset="0"/>
-              </a:defRPr>
-            </a:lvl3pPr>
-            <a:lvl4pPr marL="1600200" indent="-228600" algn="l" rtl="0" eaLnBrk="0" fontAlgn="base" hangingPunct="0">
-              <a:spcBef>
-                <a:spcPct val="20000"/>
-              </a:spcBef>
-              <a:spcAft>
-                <a:spcPct val="0"/>
-              </a:spcAft>
-              <a:buFont typeface="Arial" panose="020B0604020202020204" pitchFamily="34" charset="0"/>
-              <a:buChar char="–"/>
-              <a:defRPr sz="2000" kern="1200">
-                <a:solidFill>
-                  <a:schemeClr val="tx1"/>
-                </a:solidFill>
-                <a:latin typeface="Arial" pitchFamily="34" charset="0"/>
-                <a:ea typeface="+mn-ea"/>
-                <a:cs typeface="Arial" pitchFamily="34" charset="0"/>
-              </a:defRPr>
-            </a:lvl4pPr>
-            <a:lvl5pPr marL="2057400" indent="-228600" algn="l" rtl="0" eaLnBrk="0" fontAlgn="base" hangingPunct="0">
-              <a:spcBef>
-                <a:spcPct val="20000"/>
-              </a:spcBef>
-              <a:spcAft>
-                <a:spcPct val="0"/>
-              </a:spcAft>
-              <a:buFont typeface="Arial" panose="020B0604020202020204" pitchFamily="34" charset="0"/>
-              <a:buChar char="»"/>
-              <a:defRPr sz="2000" kern="1200">
-                <a:solidFill>
-                  <a:schemeClr val="tx1"/>
-                </a:solidFill>
-                <a:latin typeface="Arial" pitchFamily="34" charset="0"/>
-                <a:ea typeface="+mn-ea"/>
-                <a:cs typeface="Arial" pitchFamily="34" charset="0"/>
-              </a:defRPr>
-            </a:lvl5pPr>
-            <a:lvl6pPr marL="2514600" indent="-228600" algn="l" defTabSz="914400" rtl="0" eaLnBrk="1" latinLnBrk="0" hangingPunct="1">
-              <a:spcBef>
-                <a:spcPct val="20000"/>
-              </a:spcBef>
-              <a:buFont typeface="Arial" pitchFamily="34" charset="0"/>
-              <a:buChar char="•"/>
-              <a:defRPr sz="2000" kern="1200">
-                <a:solidFill>
-                  <a:schemeClr val="tx1"/>
-                </a:solidFill>
-                <a:latin typeface="+mn-lt"/>
-                <a:ea typeface="+mn-ea"/>
-                <a:cs typeface="+mn-cs"/>
-              </a:defRPr>
-            </a:lvl6pPr>
-            <a:lvl7pPr marL="2971800" indent="-228600" algn="l" defTabSz="914400" rtl="0" eaLnBrk="1" latinLnBrk="0" hangingPunct="1">
-              <a:spcBef>
-                <a:spcPct val="20000"/>
-              </a:spcBef>
-              <a:buFont typeface="Arial" pitchFamily="34" charset="0"/>
-              <a:buChar char="•"/>
-              <a:defRPr sz="2000" kern="1200">
-                <a:solidFill>
-                  <a:schemeClr val="tx1"/>
-                </a:solidFill>
-                <a:latin typeface="+mn-lt"/>
-                <a:ea typeface="+mn-ea"/>
-                <a:cs typeface="+mn-cs"/>
-              </a:defRPr>
-            </a:lvl7pPr>
-            <a:lvl8pPr marL="3429000" indent="-228600" algn="l" defTabSz="914400" rtl="0" eaLnBrk="1" latinLnBrk="0" hangingPunct="1">
-              <a:spcBef>
-                <a:spcPct val="20000"/>
-              </a:spcBef>
-              <a:buFont typeface="Arial" pitchFamily="34" charset="0"/>
-              <a:buChar char="•"/>
-              <a:defRPr sz="2000" kern="1200">
-                <a:solidFill>
-                  <a:schemeClr val="tx1"/>
-                </a:solidFill>
-                <a:latin typeface="+mn-lt"/>
-                <a:ea typeface="+mn-ea"/>
-                <a:cs typeface="+mn-cs"/>
-              </a:defRPr>
-            </a:lvl8pPr>
-            <a:lvl9pPr marL="3886200" indent="-228600" algn="l" defTabSz="914400" rtl="0" eaLnBrk="1" latinLnBrk="0" hangingPunct="1">
-              <a:spcBef>
-                <a:spcPct val="20000"/>
-              </a:spcBef>
-              <a:buFont typeface="Arial" pitchFamily="34" charset="0"/>
-              <a:buChar char="•"/>
-              <a:defRPr sz="2000" kern="1200">
-                <a:solidFill>
-                  <a:schemeClr val="tx1"/>
-                </a:solidFill>
-                <a:latin typeface="+mn-lt"/>
-                <a:ea typeface="+mn-ea"/>
-                <a:cs typeface="+mn-cs"/>
-              </a:defRPr>
-            </a:lvl9pPr>
-          </a:lstStyle>
-          <a:p>
-            <a:pPr marL="0" indent="0" algn="r" eaLnBrk="1" fontAlgn="auto" hangingPunct="1">
-              <a:spcAft>
-                <a:spcPts val="0"/>
-              </a:spcAft>
-              <a:buNone/>
-              <a:defRPr/>
-            </a:pPr>
-            <a:r>
-              <a:rPr lang="es-CO" sz="2000" b="1" dirty="0">
-                <a:solidFill>
-                  <a:schemeClr val="tx1">
-                    <a:lumMod val="75000"/>
-                    <a:lumOff val="25000"/>
-                  </a:schemeClr>
-                </a:solidFill>
-              </a:rPr>
-              <a:t> SISTEMAS DE CONTROL INDUSTRIAL</a:t>
-            </a:r>
-          </a:p>
-        </p:txBody>
-      </p:sp>
-    </p:spTree>
-    <p:extLst>
-      <p:ext uri="{BB962C8B-B14F-4D97-AF65-F5344CB8AC3E}">
-        <p14:creationId xmlns:p14="http://schemas.microsoft.com/office/powerpoint/2010/main" val="616220982"/>
-      </p:ext>
-    </p:extLst>
-  </p:cSld>
-  <p:clrMapOvr>
-    <a:masterClrMapping/>
-  </p:clrMapOvr>
-</p:sld>
-</file>
-
-<file path=ppt/slides/slide20.xml><?xml version="1.0" encoding="utf-8"?>
+<file path=ppt/slides/slide22.xml><?xml version="1.0" encoding="utf-8"?>
 <p:sld xmlns:a="http://schemas.openxmlformats.org/drawingml/2006/main" xmlns:r="http://schemas.openxmlformats.org/officeDocument/2006/relationships" xmlns:p="http://schemas.openxmlformats.org/presentationml/2006/main">
   <p:cSld>
     <p:spTree>
@@ -23257,8 +21757,8 @@
           <a:p>
             <a:pPr algn="ctr" eaLnBrk="1" hangingPunct="1"/>
             <a:r>
-              <a:rPr lang="es-CO" altLang="es-CO" sz="3600" b="0"/>
-              <a:t>20</a:t>
+              <a:rPr lang="es-CO" altLang="es-CO" sz="3600" b="0" dirty="0"/>
+              <a:t>22</a:t>
             </a:r>
           </a:p>
         </p:txBody>
@@ -24287,1158 +22787,6 @@
     <p:extLst>
       <p:ext uri="{BB962C8B-B14F-4D97-AF65-F5344CB8AC3E}">
         <p14:creationId xmlns:p14="http://schemas.microsoft.com/office/powerpoint/2010/main" val="1698574024"/>
-      </p:ext>
-    </p:extLst>
-  </p:cSld>
-  <p:clrMapOvr>
-    <a:masterClrMapping/>
-  </p:clrMapOvr>
-</p:sld>
-</file>
-
-<file path=ppt/slides/slide21.xml><?xml version="1.0" encoding="utf-8"?>
-<p:sld xmlns:a="http://schemas.openxmlformats.org/drawingml/2006/main" xmlns:r="http://schemas.openxmlformats.org/officeDocument/2006/relationships" xmlns:p="http://schemas.openxmlformats.org/presentationml/2006/main">
-  <p:cSld>
-    <p:spTree>
-      <p:nvGrpSpPr>
-        <p:cNvPr id="1" name=""/>
-        <p:cNvGrpSpPr/>
-        <p:nvPr/>
-      </p:nvGrpSpPr>
-      <p:grpSpPr>
-        <a:xfrm>
-          <a:off x="0" y="0"/>
-          <a:ext cx="0" cy="0"/>
-          <a:chOff x="0" y="0"/>
-          <a:chExt cx="0" cy="0"/>
-        </a:xfrm>
-      </p:grpSpPr>
-      <p:sp>
-        <p:nvSpPr>
-          <p:cNvPr id="10" name="1 Título">
-            <a:extLst>
-              <a:ext uri="{FF2B5EF4-FFF2-40B4-BE49-F238E27FC236}">
-                <a16:creationId xmlns:a16="http://schemas.microsoft.com/office/drawing/2014/main" id="{AF4E183E-A171-4923-A99E-D149888CEC37}"/>
-              </a:ext>
-            </a:extLst>
-          </p:cNvPr>
-          <p:cNvSpPr txBox="1">
-            <a:spLocks/>
-          </p:cNvSpPr>
-          <p:nvPr/>
-        </p:nvSpPr>
-        <p:spPr bwMode="auto">
-          <a:xfrm>
-            <a:off x="0" y="-28575"/>
-            <a:ext cx="779463" cy="720725"/>
-          </a:xfrm>
-          <a:prstGeom prst="rect">
-            <a:avLst/>
-          </a:prstGeom>
-          <a:noFill/>
-          <a:ln>
-            <a:noFill/>
-          </a:ln>
-          <a:extLst>
-            <a:ext uri="{909E8E84-426E-40DD-AFC4-6F175D3DCCD1}">
-              <a14:hiddenFill xmlns:a14="http://schemas.microsoft.com/office/drawing/2010/main">
-                <a:solidFill>
-                  <a:srgbClr val="FFFFFF"/>
-                </a:solidFill>
-              </a14:hiddenFill>
-            </a:ext>
-            <a:ext uri="{91240B29-F687-4F45-9708-019B960494DF}">
-              <a14:hiddenLine xmlns:a14="http://schemas.microsoft.com/office/drawing/2010/main" w="9525">
-                <a:solidFill>
-                  <a:srgbClr val="000000"/>
-                </a:solidFill>
-                <a:miter lim="800000"/>
-                <a:headEnd/>
-                <a:tailEnd/>
-              </a14:hiddenLine>
-            </a:ext>
-          </a:extLst>
-        </p:spPr>
-        <p:txBody>
-          <a:bodyPr vert="horz" wrap="square" lIns="91440" tIns="45720" rIns="91440" bIns="45720" numCol="1" anchor="b" anchorCtr="0" compatLnSpc="1">
-            <a:prstTxWarp prst="textNoShape">
-              <a:avLst/>
-            </a:prstTxWarp>
-          </a:bodyPr>
-          <a:lstStyle>
-            <a:lvl1pPr algn="l" rtl="0" eaLnBrk="0" fontAlgn="base" hangingPunct="0">
-              <a:spcBef>
-                <a:spcPct val="0"/>
-              </a:spcBef>
-              <a:spcAft>
-                <a:spcPct val="0"/>
-              </a:spcAft>
-              <a:defRPr sz="2000" b="1" kern="1200">
-                <a:solidFill>
-                  <a:schemeClr val="tx1"/>
-                </a:solidFill>
-                <a:latin typeface="Arial" pitchFamily="34" charset="0"/>
-                <a:ea typeface="+mj-ea"/>
-                <a:cs typeface="Arial" pitchFamily="34" charset="0"/>
-              </a:defRPr>
-            </a:lvl1pPr>
-            <a:lvl2pPr algn="l" rtl="0" eaLnBrk="0" fontAlgn="base" hangingPunct="0">
-              <a:spcBef>
-                <a:spcPct val="0"/>
-              </a:spcBef>
-              <a:spcAft>
-                <a:spcPct val="0"/>
-              </a:spcAft>
-              <a:defRPr sz="4400">
-                <a:solidFill>
-                  <a:schemeClr val="tx1"/>
-                </a:solidFill>
-                <a:latin typeface="Arial" charset="0"/>
-                <a:cs typeface="Arial" charset="0"/>
-              </a:defRPr>
-            </a:lvl2pPr>
-            <a:lvl3pPr algn="l" rtl="0" eaLnBrk="0" fontAlgn="base" hangingPunct="0">
-              <a:spcBef>
-                <a:spcPct val="0"/>
-              </a:spcBef>
-              <a:spcAft>
-                <a:spcPct val="0"/>
-              </a:spcAft>
-              <a:defRPr sz="4400">
-                <a:solidFill>
-                  <a:schemeClr val="tx1"/>
-                </a:solidFill>
-                <a:latin typeface="Arial" charset="0"/>
-                <a:cs typeface="Arial" charset="0"/>
-              </a:defRPr>
-            </a:lvl3pPr>
-            <a:lvl4pPr algn="l" rtl="0" eaLnBrk="0" fontAlgn="base" hangingPunct="0">
-              <a:spcBef>
-                <a:spcPct val="0"/>
-              </a:spcBef>
-              <a:spcAft>
-                <a:spcPct val="0"/>
-              </a:spcAft>
-              <a:defRPr sz="4400">
-                <a:solidFill>
-                  <a:schemeClr val="tx1"/>
-                </a:solidFill>
-                <a:latin typeface="Arial" charset="0"/>
-                <a:cs typeface="Arial" charset="0"/>
-              </a:defRPr>
-            </a:lvl4pPr>
-            <a:lvl5pPr algn="l" rtl="0" eaLnBrk="0" fontAlgn="base" hangingPunct="0">
-              <a:spcBef>
-                <a:spcPct val="0"/>
-              </a:spcBef>
-              <a:spcAft>
-                <a:spcPct val="0"/>
-              </a:spcAft>
-              <a:defRPr sz="4400">
-                <a:solidFill>
-                  <a:schemeClr val="tx1"/>
-                </a:solidFill>
-                <a:latin typeface="Arial" charset="0"/>
-                <a:cs typeface="Arial" charset="0"/>
-              </a:defRPr>
-            </a:lvl5pPr>
-            <a:lvl6pPr marL="457200" algn="l" rtl="0" fontAlgn="base">
-              <a:spcBef>
-                <a:spcPct val="0"/>
-              </a:spcBef>
-              <a:spcAft>
-                <a:spcPct val="0"/>
-              </a:spcAft>
-              <a:defRPr sz="4400">
-                <a:solidFill>
-                  <a:schemeClr val="tx1"/>
-                </a:solidFill>
-                <a:latin typeface="Arial" charset="0"/>
-                <a:cs typeface="Arial" charset="0"/>
-              </a:defRPr>
-            </a:lvl6pPr>
-            <a:lvl7pPr marL="914400" algn="l" rtl="0" fontAlgn="base">
-              <a:spcBef>
-                <a:spcPct val="0"/>
-              </a:spcBef>
-              <a:spcAft>
-                <a:spcPct val="0"/>
-              </a:spcAft>
-              <a:defRPr sz="4400">
-                <a:solidFill>
-                  <a:schemeClr val="tx1"/>
-                </a:solidFill>
-                <a:latin typeface="Arial" charset="0"/>
-                <a:cs typeface="Arial" charset="0"/>
-              </a:defRPr>
-            </a:lvl7pPr>
-            <a:lvl8pPr marL="1371600" algn="l" rtl="0" fontAlgn="base">
-              <a:spcBef>
-                <a:spcPct val="0"/>
-              </a:spcBef>
-              <a:spcAft>
-                <a:spcPct val="0"/>
-              </a:spcAft>
-              <a:defRPr sz="4400">
-                <a:solidFill>
-                  <a:schemeClr val="tx1"/>
-                </a:solidFill>
-                <a:latin typeface="Arial" charset="0"/>
-                <a:cs typeface="Arial" charset="0"/>
-              </a:defRPr>
-            </a:lvl8pPr>
-            <a:lvl9pPr marL="1828800" algn="l" rtl="0" fontAlgn="base">
-              <a:spcBef>
-                <a:spcPct val="0"/>
-              </a:spcBef>
-              <a:spcAft>
-                <a:spcPct val="0"/>
-              </a:spcAft>
-              <a:defRPr sz="4400">
-                <a:solidFill>
-                  <a:schemeClr val="tx1"/>
-                </a:solidFill>
-                <a:latin typeface="Arial" charset="0"/>
-                <a:cs typeface="Arial" charset="0"/>
-              </a:defRPr>
-            </a:lvl9pPr>
-          </a:lstStyle>
-          <a:p>
-            <a:pPr algn="ctr" eaLnBrk="1" hangingPunct="1"/>
-            <a:r>
-              <a:rPr lang="es-CO" altLang="es-CO" sz="3600" b="0"/>
-              <a:t>21</a:t>
-            </a:r>
-          </a:p>
-        </p:txBody>
-      </p:sp>
-      <p:pic>
-        <p:nvPicPr>
-          <p:cNvPr id="14" name="Picture 4" descr="Programas - Intranet ETITC">
-            <a:extLst>
-              <a:ext uri="{FF2B5EF4-FFF2-40B4-BE49-F238E27FC236}">
-                <a16:creationId xmlns:a16="http://schemas.microsoft.com/office/drawing/2014/main" id="{EC83F540-C4A2-EE56-0418-B8CD7CA17275}"/>
-              </a:ext>
-            </a:extLst>
-          </p:cNvPr>
-          <p:cNvPicPr>
-            <a:picLocks noChangeAspect="1" noChangeArrowheads="1"/>
-          </p:cNvPicPr>
-          <p:nvPr/>
-        </p:nvPicPr>
-        <p:blipFill>
-          <a:blip r:embed="rId3">
-            <a:extLst>
-              <a:ext uri="{28A0092B-C50C-407E-A947-70E740481C1C}">
-                <a14:useLocalDpi xmlns:a14="http://schemas.microsoft.com/office/drawing/2010/main" val="0"/>
-              </a:ext>
-            </a:extLst>
-          </a:blip>
-          <a:srcRect/>
-          <a:stretch>
-            <a:fillRect/>
-          </a:stretch>
-        </p:blipFill>
-        <p:spPr bwMode="auto">
-          <a:xfrm>
-            <a:off x="795338" y="44758"/>
-            <a:ext cx="2483768" cy="794720"/>
-          </a:xfrm>
-          <a:prstGeom prst="rect">
-            <a:avLst/>
-          </a:prstGeom>
-          <a:noFill/>
-          <a:extLst>
-            <a:ext uri="{909E8E84-426E-40DD-AFC4-6F175D3DCCD1}">
-              <a14:hiddenFill xmlns:a14="http://schemas.microsoft.com/office/drawing/2010/main">
-                <a:solidFill>
-                  <a:srgbClr val="FFFFFF"/>
-                </a:solidFill>
-              </a14:hiddenFill>
-            </a:ext>
-          </a:extLst>
-        </p:spPr>
-      </p:pic>
-      <p:sp>
-        <p:nvSpPr>
-          <p:cNvPr id="5" name="2 Subtítulo">
-            <a:extLst>
-              <a:ext uri="{FF2B5EF4-FFF2-40B4-BE49-F238E27FC236}">
-                <a16:creationId xmlns:a16="http://schemas.microsoft.com/office/drawing/2014/main" id="{AD83FA30-4A3C-43B8-17CD-C08519129156}"/>
-              </a:ext>
-            </a:extLst>
-          </p:cNvPr>
-          <p:cNvSpPr txBox="1">
-            <a:spLocks/>
-          </p:cNvSpPr>
-          <p:nvPr/>
-        </p:nvSpPr>
-        <p:spPr bwMode="auto">
-          <a:xfrm>
-            <a:off x="2267744" y="259824"/>
-            <a:ext cx="6400800" cy="500063"/>
-          </a:xfrm>
-          <a:prstGeom prst="rect">
-            <a:avLst/>
-          </a:prstGeom>
-          <a:noFill/>
-          <a:ln>
-            <a:noFill/>
-          </a:ln>
-          <a:extLst>
-            <a:ext uri="{909E8E84-426E-40DD-AFC4-6F175D3DCCD1}">
-              <a14:hiddenFill xmlns:a14="http://schemas.microsoft.com/office/drawing/2010/main">
-                <a:solidFill>
-                  <a:srgbClr val="FFFFFF"/>
-                </a:solidFill>
-              </a14:hiddenFill>
-            </a:ext>
-            <a:ext uri="{91240B29-F687-4F45-9708-019B960494DF}">
-              <a14:hiddenLine xmlns:a14="http://schemas.microsoft.com/office/drawing/2010/main" w="9525">
-                <a:solidFill>
-                  <a:srgbClr val="000000"/>
-                </a:solidFill>
-                <a:miter lim="800000"/>
-                <a:headEnd/>
-                <a:tailEnd/>
-              </a14:hiddenLine>
-            </a:ext>
-          </a:extLst>
-        </p:spPr>
-        <p:txBody>
-          <a:bodyPr vert="horz" wrap="square" lIns="91440" tIns="45720" rIns="91440" bIns="45720" numCol="1" rtlCol="0" anchor="t" anchorCtr="0" compatLnSpc="1">
-            <a:prstTxWarp prst="textNoShape">
-              <a:avLst/>
-            </a:prstTxWarp>
-            <a:noAutofit/>
-          </a:bodyPr>
-          <a:lstStyle>
-            <a:lvl1pPr marL="342900" indent="-342900" algn="l" rtl="0" eaLnBrk="0" fontAlgn="base" hangingPunct="0">
-              <a:spcBef>
-                <a:spcPct val="20000"/>
-              </a:spcBef>
-              <a:spcAft>
-                <a:spcPct val="0"/>
-              </a:spcAft>
-              <a:buFont typeface="Arial" panose="020B0604020202020204" pitchFamily="34" charset="0"/>
-              <a:buChar char="•"/>
-              <a:defRPr sz="3200" kern="1200">
-                <a:solidFill>
-                  <a:schemeClr val="tx1"/>
-                </a:solidFill>
-                <a:latin typeface="Arial" pitchFamily="34" charset="0"/>
-                <a:ea typeface="+mn-ea"/>
-                <a:cs typeface="Arial" pitchFamily="34" charset="0"/>
-              </a:defRPr>
-            </a:lvl1pPr>
-            <a:lvl2pPr marL="742950" indent="-285750" algn="l" rtl="0" eaLnBrk="0" fontAlgn="base" hangingPunct="0">
-              <a:spcBef>
-                <a:spcPct val="20000"/>
-              </a:spcBef>
-              <a:spcAft>
-                <a:spcPct val="0"/>
-              </a:spcAft>
-              <a:buFont typeface="Arial" panose="020B0604020202020204" pitchFamily="34" charset="0"/>
-              <a:buChar char="–"/>
-              <a:defRPr sz="2800" kern="1200">
-                <a:solidFill>
-                  <a:schemeClr val="tx1"/>
-                </a:solidFill>
-                <a:latin typeface="Arial" pitchFamily="34" charset="0"/>
-                <a:ea typeface="+mn-ea"/>
-                <a:cs typeface="Arial" pitchFamily="34" charset="0"/>
-              </a:defRPr>
-            </a:lvl2pPr>
-            <a:lvl3pPr marL="1143000" indent="-228600" algn="l" rtl="0" eaLnBrk="0" fontAlgn="base" hangingPunct="0">
-              <a:spcBef>
-                <a:spcPct val="20000"/>
-              </a:spcBef>
-              <a:spcAft>
-                <a:spcPct val="0"/>
-              </a:spcAft>
-              <a:buFont typeface="Arial" panose="020B0604020202020204" pitchFamily="34" charset="0"/>
-              <a:buChar char="•"/>
-              <a:defRPr sz="2400" kern="1200">
-                <a:solidFill>
-                  <a:schemeClr val="tx1"/>
-                </a:solidFill>
-                <a:latin typeface="Arial" pitchFamily="34" charset="0"/>
-                <a:ea typeface="+mn-ea"/>
-                <a:cs typeface="Arial" pitchFamily="34" charset="0"/>
-              </a:defRPr>
-            </a:lvl3pPr>
-            <a:lvl4pPr marL="1600200" indent="-228600" algn="l" rtl="0" eaLnBrk="0" fontAlgn="base" hangingPunct="0">
-              <a:spcBef>
-                <a:spcPct val="20000"/>
-              </a:spcBef>
-              <a:spcAft>
-                <a:spcPct val="0"/>
-              </a:spcAft>
-              <a:buFont typeface="Arial" panose="020B0604020202020204" pitchFamily="34" charset="0"/>
-              <a:buChar char="–"/>
-              <a:defRPr sz="2000" kern="1200">
-                <a:solidFill>
-                  <a:schemeClr val="tx1"/>
-                </a:solidFill>
-                <a:latin typeface="Arial" pitchFamily="34" charset="0"/>
-                <a:ea typeface="+mn-ea"/>
-                <a:cs typeface="Arial" pitchFamily="34" charset="0"/>
-              </a:defRPr>
-            </a:lvl4pPr>
-            <a:lvl5pPr marL="2057400" indent="-228600" algn="l" rtl="0" eaLnBrk="0" fontAlgn="base" hangingPunct="0">
-              <a:spcBef>
-                <a:spcPct val="20000"/>
-              </a:spcBef>
-              <a:spcAft>
-                <a:spcPct val="0"/>
-              </a:spcAft>
-              <a:buFont typeface="Arial" panose="020B0604020202020204" pitchFamily="34" charset="0"/>
-              <a:buChar char="»"/>
-              <a:defRPr sz="2000" kern="1200">
-                <a:solidFill>
-                  <a:schemeClr val="tx1"/>
-                </a:solidFill>
-                <a:latin typeface="Arial" pitchFamily="34" charset="0"/>
-                <a:ea typeface="+mn-ea"/>
-                <a:cs typeface="Arial" pitchFamily="34" charset="0"/>
-              </a:defRPr>
-            </a:lvl5pPr>
-            <a:lvl6pPr marL="2514600" indent="-228600" algn="l" defTabSz="914400" rtl="0" eaLnBrk="1" latinLnBrk="0" hangingPunct="1">
-              <a:spcBef>
-                <a:spcPct val="20000"/>
-              </a:spcBef>
-              <a:buFont typeface="Arial" pitchFamily="34" charset="0"/>
-              <a:buChar char="•"/>
-              <a:defRPr sz="2000" kern="1200">
-                <a:solidFill>
-                  <a:schemeClr val="tx1"/>
-                </a:solidFill>
-                <a:latin typeface="+mn-lt"/>
-                <a:ea typeface="+mn-ea"/>
-                <a:cs typeface="+mn-cs"/>
-              </a:defRPr>
-            </a:lvl6pPr>
-            <a:lvl7pPr marL="2971800" indent="-228600" algn="l" defTabSz="914400" rtl="0" eaLnBrk="1" latinLnBrk="0" hangingPunct="1">
-              <a:spcBef>
-                <a:spcPct val="20000"/>
-              </a:spcBef>
-              <a:buFont typeface="Arial" pitchFamily="34" charset="0"/>
-              <a:buChar char="•"/>
-              <a:defRPr sz="2000" kern="1200">
-                <a:solidFill>
-                  <a:schemeClr val="tx1"/>
-                </a:solidFill>
-                <a:latin typeface="+mn-lt"/>
-                <a:ea typeface="+mn-ea"/>
-                <a:cs typeface="+mn-cs"/>
-              </a:defRPr>
-            </a:lvl7pPr>
-            <a:lvl8pPr marL="3429000" indent="-228600" algn="l" defTabSz="914400" rtl="0" eaLnBrk="1" latinLnBrk="0" hangingPunct="1">
-              <a:spcBef>
-                <a:spcPct val="20000"/>
-              </a:spcBef>
-              <a:buFont typeface="Arial" pitchFamily="34" charset="0"/>
-              <a:buChar char="•"/>
-              <a:defRPr sz="2000" kern="1200">
-                <a:solidFill>
-                  <a:schemeClr val="tx1"/>
-                </a:solidFill>
-                <a:latin typeface="+mn-lt"/>
-                <a:ea typeface="+mn-ea"/>
-                <a:cs typeface="+mn-cs"/>
-              </a:defRPr>
-            </a:lvl8pPr>
-            <a:lvl9pPr marL="3886200" indent="-228600" algn="l" defTabSz="914400" rtl="0" eaLnBrk="1" latinLnBrk="0" hangingPunct="1">
-              <a:spcBef>
-                <a:spcPct val="20000"/>
-              </a:spcBef>
-              <a:buFont typeface="Arial" pitchFamily="34" charset="0"/>
-              <a:buChar char="•"/>
-              <a:defRPr sz="2000" kern="1200">
-                <a:solidFill>
-                  <a:schemeClr val="tx1"/>
-                </a:solidFill>
-                <a:latin typeface="+mn-lt"/>
-                <a:ea typeface="+mn-ea"/>
-                <a:cs typeface="+mn-cs"/>
-              </a:defRPr>
-            </a:lvl9pPr>
-          </a:lstStyle>
-          <a:p>
-            <a:pPr marL="0" indent="0" algn="r" eaLnBrk="1" fontAlgn="auto" hangingPunct="1">
-              <a:spcAft>
-                <a:spcPts val="0"/>
-              </a:spcAft>
-              <a:buNone/>
-              <a:defRPr/>
-            </a:pPr>
-            <a:r>
-              <a:rPr lang="es-CO" sz="2000" b="1" dirty="0">
-                <a:solidFill>
-                  <a:schemeClr val="tx1">
-                    <a:lumMod val="75000"/>
-                    <a:lumOff val="25000"/>
-                  </a:schemeClr>
-                </a:solidFill>
-              </a:rPr>
-              <a:t> SISTEMAS DE CONTROL INDUSTRIAL</a:t>
-            </a:r>
-          </a:p>
-        </p:txBody>
-      </p:sp>
-      <p:pic>
-        <p:nvPicPr>
-          <p:cNvPr id="13" name="Imagen 12">
-            <a:extLst>
-              <a:ext uri="{FF2B5EF4-FFF2-40B4-BE49-F238E27FC236}">
-                <a16:creationId xmlns:a16="http://schemas.microsoft.com/office/drawing/2014/main" id="{95A23D6D-C464-2248-152F-80DC7C25BB04}"/>
-              </a:ext>
-            </a:extLst>
-          </p:cNvPr>
-          <p:cNvPicPr>
-            <a:picLocks noChangeAspect="1"/>
-          </p:cNvPicPr>
-          <p:nvPr/>
-        </p:nvPicPr>
-        <p:blipFill rotWithShape="1">
-          <a:blip r:embed="rId4"/>
-          <a:srcRect t="1" r="1171" b="361"/>
-          <a:stretch/>
-        </p:blipFill>
-        <p:spPr>
-          <a:xfrm>
-            <a:off x="2037222" y="1621459"/>
-            <a:ext cx="4816822" cy="3615082"/>
-          </a:xfrm>
-          <a:prstGeom prst="rect">
-            <a:avLst/>
-          </a:prstGeom>
-        </p:spPr>
-      </p:pic>
-    </p:spTree>
-    <p:extLst>
-      <p:ext uri="{BB962C8B-B14F-4D97-AF65-F5344CB8AC3E}">
-        <p14:creationId xmlns:p14="http://schemas.microsoft.com/office/powerpoint/2010/main" val="1411283449"/>
-      </p:ext>
-    </p:extLst>
-  </p:cSld>
-  <p:clrMapOvr>
-    <a:masterClrMapping/>
-  </p:clrMapOvr>
-</p:sld>
-</file>
-
-<file path=ppt/slides/slide22.xml><?xml version="1.0" encoding="utf-8"?>
-<p:sld xmlns:a="http://schemas.openxmlformats.org/drawingml/2006/main" xmlns:r="http://schemas.openxmlformats.org/officeDocument/2006/relationships" xmlns:p="http://schemas.openxmlformats.org/presentationml/2006/main">
-  <p:cSld>
-    <p:spTree>
-      <p:nvGrpSpPr>
-        <p:cNvPr id="1" name=""/>
-        <p:cNvGrpSpPr/>
-        <p:nvPr/>
-      </p:nvGrpSpPr>
-      <p:grpSpPr>
-        <a:xfrm>
-          <a:off x="0" y="0"/>
-          <a:ext cx="0" cy="0"/>
-          <a:chOff x="0" y="0"/>
-          <a:chExt cx="0" cy="0"/>
-        </a:xfrm>
-      </p:grpSpPr>
-      <p:sp>
-        <p:nvSpPr>
-          <p:cNvPr id="2" name="Título 1">
-            <a:extLst>
-              <a:ext uri="{FF2B5EF4-FFF2-40B4-BE49-F238E27FC236}">
-                <a16:creationId xmlns:a16="http://schemas.microsoft.com/office/drawing/2014/main" id="{FB1B6180-BCA0-4F51-9F68-9E5BAB8A4FDC}"/>
-              </a:ext>
-            </a:extLst>
-          </p:cNvPr>
-          <p:cNvSpPr>
-            <a:spLocks noGrp="1"/>
-          </p:cNvSpPr>
-          <p:nvPr>
-            <p:ph type="title"/>
-          </p:nvPr>
-        </p:nvSpPr>
-        <p:spPr>
-          <a:xfrm>
-            <a:off x="1843706" y="1268973"/>
-            <a:ext cx="5456585" cy="1162050"/>
-          </a:xfrm>
-        </p:spPr>
-        <p:txBody>
-          <a:bodyPr>
-            <a:normAutofit/>
-          </a:bodyPr>
-          <a:lstStyle/>
-          <a:p>
-            <a:pPr algn="ctr"/>
-            <a:r>
-              <a:rPr lang="es-CO" b="1"/>
-              <a:t>Región de convergencia ROC</a:t>
-            </a:r>
-          </a:p>
-        </p:txBody>
-      </p:sp>
-      <p:sp>
-        <p:nvSpPr>
-          <p:cNvPr id="10" name="1 Título">
-            <a:extLst>
-              <a:ext uri="{FF2B5EF4-FFF2-40B4-BE49-F238E27FC236}">
-                <a16:creationId xmlns:a16="http://schemas.microsoft.com/office/drawing/2014/main" id="{AF4E183E-A171-4923-A99E-D149888CEC37}"/>
-              </a:ext>
-            </a:extLst>
-          </p:cNvPr>
-          <p:cNvSpPr txBox="1">
-            <a:spLocks/>
-          </p:cNvSpPr>
-          <p:nvPr/>
-        </p:nvSpPr>
-        <p:spPr bwMode="auto">
-          <a:xfrm>
-            <a:off x="0" y="-28575"/>
-            <a:ext cx="779463" cy="720725"/>
-          </a:xfrm>
-          <a:prstGeom prst="rect">
-            <a:avLst/>
-          </a:prstGeom>
-          <a:noFill/>
-          <a:ln>
-            <a:noFill/>
-          </a:ln>
-          <a:extLst>
-            <a:ext uri="{909E8E84-426E-40DD-AFC4-6F175D3DCCD1}">
-              <a14:hiddenFill xmlns:a14="http://schemas.microsoft.com/office/drawing/2010/main">
-                <a:solidFill>
-                  <a:srgbClr val="FFFFFF"/>
-                </a:solidFill>
-              </a14:hiddenFill>
-            </a:ext>
-            <a:ext uri="{91240B29-F687-4F45-9708-019B960494DF}">
-              <a14:hiddenLine xmlns:a14="http://schemas.microsoft.com/office/drawing/2010/main" w="9525">
-                <a:solidFill>
-                  <a:srgbClr val="000000"/>
-                </a:solidFill>
-                <a:miter lim="800000"/>
-                <a:headEnd/>
-                <a:tailEnd/>
-              </a14:hiddenLine>
-            </a:ext>
-          </a:extLst>
-        </p:spPr>
-        <p:txBody>
-          <a:bodyPr vert="horz" wrap="square" lIns="91440" tIns="45720" rIns="91440" bIns="45720" numCol="1" anchor="b" anchorCtr="0" compatLnSpc="1">
-            <a:prstTxWarp prst="textNoShape">
-              <a:avLst/>
-            </a:prstTxWarp>
-          </a:bodyPr>
-          <a:lstStyle>
-            <a:lvl1pPr algn="l" rtl="0" eaLnBrk="0" fontAlgn="base" hangingPunct="0">
-              <a:spcBef>
-                <a:spcPct val="0"/>
-              </a:spcBef>
-              <a:spcAft>
-                <a:spcPct val="0"/>
-              </a:spcAft>
-              <a:defRPr sz="2000" b="1" kern="1200">
-                <a:solidFill>
-                  <a:schemeClr val="tx1"/>
-                </a:solidFill>
-                <a:latin typeface="Arial" pitchFamily="34" charset="0"/>
-                <a:ea typeface="+mj-ea"/>
-                <a:cs typeface="Arial" pitchFamily="34" charset="0"/>
-              </a:defRPr>
-            </a:lvl1pPr>
-            <a:lvl2pPr algn="l" rtl="0" eaLnBrk="0" fontAlgn="base" hangingPunct="0">
-              <a:spcBef>
-                <a:spcPct val="0"/>
-              </a:spcBef>
-              <a:spcAft>
-                <a:spcPct val="0"/>
-              </a:spcAft>
-              <a:defRPr sz="4400">
-                <a:solidFill>
-                  <a:schemeClr val="tx1"/>
-                </a:solidFill>
-                <a:latin typeface="Arial" charset="0"/>
-                <a:cs typeface="Arial" charset="0"/>
-              </a:defRPr>
-            </a:lvl2pPr>
-            <a:lvl3pPr algn="l" rtl="0" eaLnBrk="0" fontAlgn="base" hangingPunct="0">
-              <a:spcBef>
-                <a:spcPct val="0"/>
-              </a:spcBef>
-              <a:spcAft>
-                <a:spcPct val="0"/>
-              </a:spcAft>
-              <a:defRPr sz="4400">
-                <a:solidFill>
-                  <a:schemeClr val="tx1"/>
-                </a:solidFill>
-                <a:latin typeface="Arial" charset="0"/>
-                <a:cs typeface="Arial" charset="0"/>
-              </a:defRPr>
-            </a:lvl3pPr>
-            <a:lvl4pPr algn="l" rtl="0" eaLnBrk="0" fontAlgn="base" hangingPunct="0">
-              <a:spcBef>
-                <a:spcPct val="0"/>
-              </a:spcBef>
-              <a:spcAft>
-                <a:spcPct val="0"/>
-              </a:spcAft>
-              <a:defRPr sz="4400">
-                <a:solidFill>
-                  <a:schemeClr val="tx1"/>
-                </a:solidFill>
-                <a:latin typeface="Arial" charset="0"/>
-                <a:cs typeface="Arial" charset="0"/>
-              </a:defRPr>
-            </a:lvl4pPr>
-            <a:lvl5pPr algn="l" rtl="0" eaLnBrk="0" fontAlgn="base" hangingPunct="0">
-              <a:spcBef>
-                <a:spcPct val="0"/>
-              </a:spcBef>
-              <a:spcAft>
-                <a:spcPct val="0"/>
-              </a:spcAft>
-              <a:defRPr sz="4400">
-                <a:solidFill>
-                  <a:schemeClr val="tx1"/>
-                </a:solidFill>
-                <a:latin typeface="Arial" charset="0"/>
-                <a:cs typeface="Arial" charset="0"/>
-              </a:defRPr>
-            </a:lvl5pPr>
-            <a:lvl6pPr marL="457200" algn="l" rtl="0" fontAlgn="base">
-              <a:spcBef>
-                <a:spcPct val="0"/>
-              </a:spcBef>
-              <a:spcAft>
-                <a:spcPct val="0"/>
-              </a:spcAft>
-              <a:defRPr sz="4400">
-                <a:solidFill>
-                  <a:schemeClr val="tx1"/>
-                </a:solidFill>
-                <a:latin typeface="Arial" charset="0"/>
-                <a:cs typeface="Arial" charset="0"/>
-              </a:defRPr>
-            </a:lvl6pPr>
-            <a:lvl7pPr marL="914400" algn="l" rtl="0" fontAlgn="base">
-              <a:spcBef>
-                <a:spcPct val="0"/>
-              </a:spcBef>
-              <a:spcAft>
-                <a:spcPct val="0"/>
-              </a:spcAft>
-              <a:defRPr sz="4400">
-                <a:solidFill>
-                  <a:schemeClr val="tx1"/>
-                </a:solidFill>
-                <a:latin typeface="Arial" charset="0"/>
-                <a:cs typeface="Arial" charset="0"/>
-              </a:defRPr>
-            </a:lvl7pPr>
-            <a:lvl8pPr marL="1371600" algn="l" rtl="0" fontAlgn="base">
-              <a:spcBef>
-                <a:spcPct val="0"/>
-              </a:spcBef>
-              <a:spcAft>
-                <a:spcPct val="0"/>
-              </a:spcAft>
-              <a:defRPr sz="4400">
-                <a:solidFill>
-                  <a:schemeClr val="tx1"/>
-                </a:solidFill>
-                <a:latin typeface="Arial" charset="0"/>
-                <a:cs typeface="Arial" charset="0"/>
-              </a:defRPr>
-            </a:lvl8pPr>
-            <a:lvl9pPr marL="1828800" algn="l" rtl="0" fontAlgn="base">
-              <a:spcBef>
-                <a:spcPct val="0"/>
-              </a:spcBef>
-              <a:spcAft>
-                <a:spcPct val="0"/>
-              </a:spcAft>
-              <a:defRPr sz="4400">
-                <a:solidFill>
-                  <a:schemeClr val="tx1"/>
-                </a:solidFill>
-                <a:latin typeface="Arial" charset="0"/>
-                <a:cs typeface="Arial" charset="0"/>
-              </a:defRPr>
-            </a:lvl9pPr>
-          </a:lstStyle>
-          <a:p>
-            <a:pPr algn="ctr" eaLnBrk="1" hangingPunct="1"/>
-            <a:r>
-              <a:rPr lang="es-CO" altLang="es-CO" sz="3600" b="0"/>
-              <a:t>22</a:t>
-            </a:r>
-          </a:p>
-        </p:txBody>
-      </p:sp>
-      <p:pic>
-        <p:nvPicPr>
-          <p:cNvPr id="14" name="Picture 4" descr="Programas - Intranet ETITC">
-            <a:extLst>
-              <a:ext uri="{FF2B5EF4-FFF2-40B4-BE49-F238E27FC236}">
-                <a16:creationId xmlns:a16="http://schemas.microsoft.com/office/drawing/2014/main" id="{EC83F540-C4A2-EE56-0418-B8CD7CA17275}"/>
-              </a:ext>
-            </a:extLst>
-          </p:cNvPr>
-          <p:cNvPicPr>
-            <a:picLocks noChangeAspect="1" noChangeArrowheads="1"/>
-          </p:cNvPicPr>
-          <p:nvPr/>
-        </p:nvPicPr>
-        <p:blipFill>
-          <a:blip r:embed="rId2">
-            <a:extLst>
-              <a:ext uri="{28A0092B-C50C-407E-A947-70E740481C1C}">
-                <a14:useLocalDpi xmlns:a14="http://schemas.microsoft.com/office/drawing/2010/main" val="0"/>
-              </a:ext>
-            </a:extLst>
-          </a:blip>
-          <a:srcRect/>
-          <a:stretch>
-            <a:fillRect/>
-          </a:stretch>
-        </p:blipFill>
-        <p:spPr bwMode="auto">
-          <a:xfrm>
-            <a:off x="795338" y="44758"/>
-            <a:ext cx="2483768" cy="794720"/>
-          </a:xfrm>
-          <a:prstGeom prst="rect">
-            <a:avLst/>
-          </a:prstGeom>
-          <a:noFill/>
-          <a:extLst>
-            <a:ext uri="{909E8E84-426E-40DD-AFC4-6F175D3DCCD1}">
-              <a14:hiddenFill xmlns:a14="http://schemas.microsoft.com/office/drawing/2010/main">
-                <a:solidFill>
-                  <a:srgbClr val="FFFFFF"/>
-                </a:solidFill>
-              </a14:hiddenFill>
-            </a:ext>
-          </a:extLst>
-        </p:spPr>
-      </p:pic>
-      <p:sp>
-        <p:nvSpPr>
-          <p:cNvPr id="5" name="2 Subtítulo">
-            <a:extLst>
-              <a:ext uri="{FF2B5EF4-FFF2-40B4-BE49-F238E27FC236}">
-                <a16:creationId xmlns:a16="http://schemas.microsoft.com/office/drawing/2014/main" id="{AD83FA30-4A3C-43B8-17CD-C08519129156}"/>
-              </a:ext>
-            </a:extLst>
-          </p:cNvPr>
-          <p:cNvSpPr txBox="1">
-            <a:spLocks/>
-          </p:cNvSpPr>
-          <p:nvPr/>
-        </p:nvSpPr>
-        <p:spPr bwMode="auto">
-          <a:xfrm>
-            <a:off x="2267744" y="259824"/>
-            <a:ext cx="6400800" cy="500063"/>
-          </a:xfrm>
-          <a:prstGeom prst="rect">
-            <a:avLst/>
-          </a:prstGeom>
-          <a:noFill/>
-          <a:ln>
-            <a:noFill/>
-          </a:ln>
-          <a:extLst>
-            <a:ext uri="{909E8E84-426E-40DD-AFC4-6F175D3DCCD1}">
-              <a14:hiddenFill xmlns:a14="http://schemas.microsoft.com/office/drawing/2010/main">
-                <a:solidFill>
-                  <a:srgbClr val="FFFFFF"/>
-                </a:solidFill>
-              </a14:hiddenFill>
-            </a:ext>
-            <a:ext uri="{91240B29-F687-4F45-9708-019B960494DF}">
-              <a14:hiddenLine xmlns:a14="http://schemas.microsoft.com/office/drawing/2010/main" w="9525">
-                <a:solidFill>
-                  <a:srgbClr val="000000"/>
-                </a:solidFill>
-                <a:miter lim="800000"/>
-                <a:headEnd/>
-                <a:tailEnd/>
-              </a14:hiddenLine>
-            </a:ext>
-          </a:extLst>
-        </p:spPr>
-        <p:txBody>
-          <a:bodyPr vert="horz" wrap="square" lIns="91440" tIns="45720" rIns="91440" bIns="45720" numCol="1" rtlCol="0" anchor="t" anchorCtr="0" compatLnSpc="1">
-            <a:prstTxWarp prst="textNoShape">
-              <a:avLst/>
-            </a:prstTxWarp>
-            <a:noAutofit/>
-          </a:bodyPr>
-          <a:lstStyle>
-            <a:lvl1pPr marL="342900" indent="-342900" algn="l" rtl="0" eaLnBrk="0" fontAlgn="base" hangingPunct="0">
-              <a:spcBef>
-                <a:spcPct val="20000"/>
-              </a:spcBef>
-              <a:spcAft>
-                <a:spcPct val="0"/>
-              </a:spcAft>
-              <a:buFont typeface="Arial" panose="020B0604020202020204" pitchFamily="34" charset="0"/>
-              <a:buChar char="•"/>
-              <a:defRPr sz="3200" kern="1200">
-                <a:solidFill>
-                  <a:schemeClr val="tx1"/>
-                </a:solidFill>
-                <a:latin typeface="Arial" pitchFamily="34" charset="0"/>
-                <a:ea typeface="+mn-ea"/>
-                <a:cs typeface="Arial" pitchFamily="34" charset="0"/>
-              </a:defRPr>
-            </a:lvl1pPr>
-            <a:lvl2pPr marL="742950" indent="-285750" algn="l" rtl="0" eaLnBrk="0" fontAlgn="base" hangingPunct="0">
-              <a:spcBef>
-                <a:spcPct val="20000"/>
-              </a:spcBef>
-              <a:spcAft>
-                <a:spcPct val="0"/>
-              </a:spcAft>
-              <a:buFont typeface="Arial" panose="020B0604020202020204" pitchFamily="34" charset="0"/>
-              <a:buChar char="–"/>
-              <a:defRPr sz="2800" kern="1200">
-                <a:solidFill>
-                  <a:schemeClr val="tx1"/>
-                </a:solidFill>
-                <a:latin typeface="Arial" pitchFamily="34" charset="0"/>
-                <a:ea typeface="+mn-ea"/>
-                <a:cs typeface="Arial" pitchFamily="34" charset="0"/>
-              </a:defRPr>
-            </a:lvl2pPr>
-            <a:lvl3pPr marL="1143000" indent="-228600" algn="l" rtl="0" eaLnBrk="0" fontAlgn="base" hangingPunct="0">
-              <a:spcBef>
-                <a:spcPct val="20000"/>
-              </a:spcBef>
-              <a:spcAft>
-                <a:spcPct val="0"/>
-              </a:spcAft>
-              <a:buFont typeface="Arial" panose="020B0604020202020204" pitchFamily="34" charset="0"/>
-              <a:buChar char="•"/>
-              <a:defRPr sz="2400" kern="1200">
-                <a:solidFill>
-                  <a:schemeClr val="tx1"/>
-                </a:solidFill>
-                <a:latin typeface="Arial" pitchFamily="34" charset="0"/>
-                <a:ea typeface="+mn-ea"/>
-                <a:cs typeface="Arial" pitchFamily="34" charset="0"/>
-              </a:defRPr>
-            </a:lvl3pPr>
-            <a:lvl4pPr marL="1600200" indent="-228600" algn="l" rtl="0" eaLnBrk="0" fontAlgn="base" hangingPunct="0">
-              <a:spcBef>
-                <a:spcPct val="20000"/>
-              </a:spcBef>
-              <a:spcAft>
-                <a:spcPct val="0"/>
-              </a:spcAft>
-              <a:buFont typeface="Arial" panose="020B0604020202020204" pitchFamily="34" charset="0"/>
-              <a:buChar char="–"/>
-              <a:defRPr sz="2000" kern="1200">
-                <a:solidFill>
-                  <a:schemeClr val="tx1"/>
-                </a:solidFill>
-                <a:latin typeface="Arial" pitchFamily="34" charset="0"/>
-                <a:ea typeface="+mn-ea"/>
-                <a:cs typeface="Arial" pitchFamily="34" charset="0"/>
-              </a:defRPr>
-            </a:lvl4pPr>
-            <a:lvl5pPr marL="2057400" indent="-228600" algn="l" rtl="0" eaLnBrk="0" fontAlgn="base" hangingPunct="0">
-              <a:spcBef>
-                <a:spcPct val="20000"/>
-              </a:spcBef>
-              <a:spcAft>
-                <a:spcPct val="0"/>
-              </a:spcAft>
-              <a:buFont typeface="Arial" panose="020B0604020202020204" pitchFamily="34" charset="0"/>
-              <a:buChar char="»"/>
-              <a:defRPr sz="2000" kern="1200">
-                <a:solidFill>
-                  <a:schemeClr val="tx1"/>
-                </a:solidFill>
-                <a:latin typeface="Arial" pitchFamily="34" charset="0"/>
-                <a:ea typeface="+mn-ea"/>
-                <a:cs typeface="Arial" pitchFamily="34" charset="0"/>
-              </a:defRPr>
-            </a:lvl5pPr>
-            <a:lvl6pPr marL="2514600" indent="-228600" algn="l" defTabSz="914400" rtl="0" eaLnBrk="1" latinLnBrk="0" hangingPunct="1">
-              <a:spcBef>
-                <a:spcPct val="20000"/>
-              </a:spcBef>
-              <a:buFont typeface="Arial" pitchFamily="34" charset="0"/>
-              <a:buChar char="•"/>
-              <a:defRPr sz="2000" kern="1200">
-                <a:solidFill>
-                  <a:schemeClr val="tx1"/>
-                </a:solidFill>
-                <a:latin typeface="+mn-lt"/>
-                <a:ea typeface="+mn-ea"/>
-                <a:cs typeface="+mn-cs"/>
-              </a:defRPr>
-            </a:lvl6pPr>
-            <a:lvl7pPr marL="2971800" indent="-228600" algn="l" defTabSz="914400" rtl="0" eaLnBrk="1" latinLnBrk="0" hangingPunct="1">
-              <a:spcBef>
-                <a:spcPct val="20000"/>
-              </a:spcBef>
-              <a:buFont typeface="Arial" pitchFamily="34" charset="0"/>
-              <a:buChar char="•"/>
-              <a:defRPr sz="2000" kern="1200">
-                <a:solidFill>
-                  <a:schemeClr val="tx1"/>
-                </a:solidFill>
-                <a:latin typeface="+mn-lt"/>
-                <a:ea typeface="+mn-ea"/>
-                <a:cs typeface="+mn-cs"/>
-              </a:defRPr>
-            </a:lvl7pPr>
-            <a:lvl8pPr marL="3429000" indent="-228600" algn="l" defTabSz="914400" rtl="0" eaLnBrk="1" latinLnBrk="0" hangingPunct="1">
-              <a:spcBef>
-                <a:spcPct val="20000"/>
-              </a:spcBef>
-              <a:buFont typeface="Arial" pitchFamily="34" charset="0"/>
-              <a:buChar char="•"/>
-              <a:defRPr sz="2000" kern="1200">
-                <a:solidFill>
-                  <a:schemeClr val="tx1"/>
-                </a:solidFill>
-                <a:latin typeface="+mn-lt"/>
-                <a:ea typeface="+mn-ea"/>
-                <a:cs typeface="+mn-cs"/>
-              </a:defRPr>
-            </a:lvl8pPr>
-            <a:lvl9pPr marL="3886200" indent="-228600" algn="l" defTabSz="914400" rtl="0" eaLnBrk="1" latinLnBrk="0" hangingPunct="1">
-              <a:spcBef>
-                <a:spcPct val="20000"/>
-              </a:spcBef>
-              <a:buFont typeface="Arial" pitchFamily="34" charset="0"/>
-              <a:buChar char="•"/>
-              <a:defRPr sz="2000" kern="1200">
-                <a:solidFill>
-                  <a:schemeClr val="tx1"/>
-                </a:solidFill>
-                <a:latin typeface="+mn-lt"/>
-                <a:ea typeface="+mn-ea"/>
-                <a:cs typeface="+mn-cs"/>
-              </a:defRPr>
-            </a:lvl9pPr>
-          </a:lstStyle>
-          <a:p>
-            <a:pPr marL="0" indent="0" algn="r" eaLnBrk="1" fontAlgn="auto" hangingPunct="1">
-              <a:spcAft>
-                <a:spcPts val="0"/>
-              </a:spcAft>
-              <a:buNone/>
-              <a:defRPr/>
-            </a:pPr>
-            <a:r>
-              <a:rPr lang="es-CO" sz="2000" b="1">
-                <a:solidFill>
-                  <a:schemeClr val="tx1">
-                    <a:lumMod val="75000"/>
-                    <a:lumOff val="25000"/>
-                  </a:schemeClr>
-                </a:solidFill>
-              </a:rPr>
-              <a:t> 6065 SISTEMAS DE CONTROL II</a:t>
-            </a:r>
-          </a:p>
-        </p:txBody>
-      </p:sp>
-      <p:sp>
-        <p:nvSpPr>
-          <p:cNvPr id="3" name="CuadroTexto 2">
-            <a:extLst>
-              <a:ext uri="{FF2B5EF4-FFF2-40B4-BE49-F238E27FC236}">
-                <a16:creationId xmlns:a16="http://schemas.microsoft.com/office/drawing/2014/main" id="{0DEC0F0C-FB66-B1C6-14EF-527CC41A42C1}"/>
-              </a:ext>
-            </a:extLst>
-          </p:cNvPr>
-          <p:cNvSpPr txBox="1"/>
-          <p:nvPr/>
-        </p:nvSpPr>
-        <p:spPr>
-          <a:xfrm>
-            <a:off x="1043608" y="2780928"/>
-            <a:ext cx="7200800" cy="1754326"/>
-          </a:xfrm>
-          <a:prstGeom prst="rect">
-            <a:avLst/>
-          </a:prstGeom>
-          <a:noFill/>
-        </p:spPr>
-        <p:txBody>
-          <a:bodyPr wrap="square" rtlCol="0">
-            <a:spAutoFit/>
-          </a:bodyPr>
-          <a:lstStyle/>
-          <a:p>
-            <a:r>
-              <a:rPr lang="es-ES" b="0" i="0">
-                <a:effectLst/>
-                <a:latin typeface="Söhne"/>
-              </a:rPr>
-              <a:t>La </a:t>
-            </a:r>
-            <a:r>
-              <a:rPr lang="es-ES" b="1" i="0">
-                <a:effectLst/>
-                <a:latin typeface="Söhne"/>
-              </a:rPr>
-              <a:t>ROC</a:t>
-            </a:r>
-            <a:r>
-              <a:rPr lang="es-ES" b="0" i="0">
-                <a:effectLst/>
-                <a:latin typeface="Söhne"/>
-              </a:rPr>
-              <a:t> (Región de Convergencia) es un concepto importante en la Transformada Z, que indica las </a:t>
-            </a:r>
-            <a:r>
-              <a:rPr lang="es-ES" b="1" i="0">
-                <a:effectLst/>
-                <a:latin typeface="Söhne"/>
-              </a:rPr>
-              <a:t>regiones</a:t>
-            </a:r>
-            <a:r>
-              <a:rPr lang="es-ES" b="0" i="0">
-                <a:effectLst/>
-                <a:latin typeface="Söhne"/>
-              </a:rPr>
-              <a:t> del plano complejo en las cuales la Transformada Z </a:t>
-            </a:r>
-            <a:r>
-              <a:rPr lang="es-ES" b="1" i="0">
-                <a:effectLst/>
-                <a:latin typeface="Söhne"/>
-              </a:rPr>
-              <a:t>converge</a:t>
-            </a:r>
-            <a:r>
-              <a:rPr lang="es-ES" b="0" i="0">
-                <a:effectLst/>
-                <a:latin typeface="Söhne"/>
-              </a:rPr>
-              <a:t> y es válida para representar una secuencia discreta en el dominio complejo. En otras palabras, la ROC es el conjunto de valores de la variable compleja z para los cuales la Transformada Z de una secuencia dada es finita y bien definida.</a:t>
-            </a:r>
-            <a:endParaRPr lang="en-US"/>
-          </a:p>
-        </p:txBody>
-      </p:sp>
-    </p:spTree>
-    <p:extLst>
-      <p:ext uri="{BB962C8B-B14F-4D97-AF65-F5344CB8AC3E}">
-        <p14:creationId xmlns:p14="http://schemas.microsoft.com/office/powerpoint/2010/main" val="1499167107"/>
       </p:ext>
     </p:extLst>
   </p:cSld>
@@ -30251,8 +27599,8 @@
           </a:p>
         </p:txBody>
       </p:sp>
-      <mc:AlternateContent xmlns:mc="http://schemas.openxmlformats.org/markup-compatibility/2006">
-        <mc:Choice xmlns:a14="http://schemas.microsoft.com/office/drawing/2010/main" Requires="a14">
+      <mc:AlternateContent xmlns:mc="http://schemas.openxmlformats.org/markup-compatibility/2006" xmlns:a14="http://schemas.microsoft.com/office/drawing/2010/main">
+        <mc:Choice Requires="a14">
           <p:sp>
             <p:nvSpPr>
               <p:cNvPr id="4" name="CuadroTexto 3">
@@ -30464,7 +27812,7 @@
             </p:txBody>
           </p:sp>
         </mc:Choice>
-        <mc:Fallback>
+        <mc:Fallback xmlns="">
           <p:sp>
             <p:nvSpPr>
               <p:cNvPr id="4" name="CuadroTexto 3">
@@ -30509,8 +27857,8 @@
           </p:sp>
         </mc:Fallback>
       </mc:AlternateContent>
-      <mc:AlternateContent xmlns:mc="http://schemas.openxmlformats.org/markup-compatibility/2006">
-        <mc:Choice xmlns:a14="http://schemas.microsoft.com/office/drawing/2010/main" Requires="a14">
+      <mc:AlternateContent xmlns:mc="http://schemas.openxmlformats.org/markup-compatibility/2006" xmlns:a14="http://schemas.microsoft.com/office/drawing/2010/main">
+        <mc:Choice Requires="a14">
           <p:sp>
             <p:nvSpPr>
               <p:cNvPr id="6" name="CuadroTexto 5">
@@ -30596,7 +27944,7 @@
             </p:txBody>
           </p:sp>
         </mc:Choice>
-        <mc:Fallback>
+        <mc:Fallback xmlns="">
           <p:sp>
             <p:nvSpPr>
               <p:cNvPr id="6" name="CuadroTexto 5">
@@ -30681,8 +28029,8 @@
           </a:p>
         </p:txBody>
       </p:sp>
-      <mc:AlternateContent xmlns:mc="http://schemas.openxmlformats.org/markup-compatibility/2006">
-        <mc:Choice xmlns:a14="http://schemas.microsoft.com/office/drawing/2010/main" Requires="a14">
+      <mc:AlternateContent xmlns:mc="http://schemas.openxmlformats.org/markup-compatibility/2006" xmlns:a14="http://schemas.microsoft.com/office/drawing/2010/main">
+        <mc:Choice Requires="a14">
           <p:sp>
             <p:nvSpPr>
               <p:cNvPr id="8" name="CuadroTexto 7">
@@ -30844,7 +28192,7 @@
             </p:txBody>
           </p:sp>
         </mc:Choice>
-        <mc:Fallback>
+        <mc:Fallback xmlns="">
           <p:sp>
             <p:nvSpPr>
               <p:cNvPr id="8" name="CuadroTexto 7">
@@ -30889,8 +28237,8 @@
           </p:sp>
         </mc:Fallback>
       </mc:AlternateContent>
-      <mc:AlternateContent xmlns:mc="http://schemas.openxmlformats.org/markup-compatibility/2006">
-        <mc:Choice xmlns:a14="http://schemas.microsoft.com/office/drawing/2010/main" Requires="a14">
+      <mc:AlternateContent xmlns:mc="http://schemas.openxmlformats.org/markup-compatibility/2006" xmlns:a14="http://schemas.microsoft.com/office/drawing/2010/main">
+        <mc:Choice Requires="a14">
           <p:sp>
             <p:nvSpPr>
               <p:cNvPr id="9" name="CuadroTexto 8">
@@ -30984,7 +28332,7 @@
             </p:txBody>
           </p:sp>
         </mc:Choice>
-        <mc:Fallback>
+        <mc:Fallback xmlns="">
           <p:sp>
             <p:nvSpPr>
               <p:cNvPr id="9" name="CuadroTexto 8">
@@ -31585,8 +28933,8 @@
           </a:p>
         </p:txBody>
       </p:sp>
-      <mc:AlternateContent xmlns:mc="http://schemas.openxmlformats.org/markup-compatibility/2006">
-        <mc:Choice xmlns:a14="http://schemas.microsoft.com/office/drawing/2010/main" Requires="a14">
+      <mc:AlternateContent xmlns:mc="http://schemas.openxmlformats.org/markup-compatibility/2006" xmlns:a14="http://schemas.microsoft.com/office/drawing/2010/main">
+        <mc:Choice Requires="a14">
           <p:sp>
             <p:nvSpPr>
               <p:cNvPr id="4" name="CuadroTexto 3">
@@ -31798,7 +29146,7 @@
             </p:txBody>
           </p:sp>
         </mc:Choice>
-        <mc:Fallback>
+        <mc:Fallback xmlns="">
           <p:sp>
             <p:nvSpPr>
               <p:cNvPr id="4" name="CuadroTexto 3">
@@ -31843,8 +29191,8 @@
           </p:sp>
         </mc:Fallback>
       </mc:AlternateContent>
-      <mc:AlternateContent xmlns:mc="http://schemas.openxmlformats.org/markup-compatibility/2006">
-        <mc:Choice xmlns:a14="http://schemas.microsoft.com/office/drawing/2010/main" Requires="a14">
+      <mc:AlternateContent xmlns:mc="http://schemas.openxmlformats.org/markup-compatibility/2006" xmlns:a14="http://schemas.microsoft.com/office/drawing/2010/main">
+        <mc:Choice Requires="a14">
           <p:sp>
             <p:nvSpPr>
               <p:cNvPr id="6" name="CuadroTexto 5">
@@ -31930,7 +29278,7 @@
             </p:txBody>
           </p:sp>
         </mc:Choice>
-        <mc:Fallback>
+        <mc:Fallback xmlns="">
           <p:sp>
             <p:nvSpPr>
               <p:cNvPr id="6" name="CuadroTexto 5">
@@ -32015,8 +29363,8 @@
           </a:p>
         </p:txBody>
       </p:sp>
-      <mc:AlternateContent xmlns:mc="http://schemas.openxmlformats.org/markup-compatibility/2006">
-        <mc:Choice xmlns:a14="http://schemas.microsoft.com/office/drawing/2010/main" Requires="a14">
+      <mc:AlternateContent xmlns:mc="http://schemas.openxmlformats.org/markup-compatibility/2006" xmlns:a14="http://schemas.microsoft.com/office/drawing/2010/main">
+        <mc:Choice Requires="a14">
           <p:sp>
             <p:nvSpPr>
               <p:cNvPr id="8" name="CuadroTexto 7">
@@ -32193,7 +29541,7 @@
             </p:txBody>
           </p:sp>
         </mc:Choice>
-        <mc:Fallback>
+        <mc:Fallback xmlns="">
           <p:sp>
             <p:nvSpPr>
               <p:cNvPr id="8" name="CuadroTexto 7">
@@ -32238,8 +29586,8 @@
           </p:sp>
         </mc:Fallback>
       </mc:AlternateContent>
-      <mc:AlternateContent xmlns:mc="http://schemas.openxmlformats.org/markup-compatibility/2006">
-        <mc:Choice xmlns:a14="http://schemas.microsoft.com/office/drawing/2010/main" Requires="a14">
+      <mc:AlternateContent xmlns:mc="http://schemas.openxmlformats.org/markup-compatibility/2006" xmlns:a14="http://schemas.microsoft.com/office/drawing/2010/main">
+        <mc:Choice Requires="a14">
           <p:sp>
             <p:nvSpPr>
               <p:cNvPr id="9" name="CuadroTexto 8">
@@ -32348,7 +29696,7 @@
             </p:txBody>
           </p:sp>
         </mc:Choice>
-        <mc:Fallback>
+        <mc:Fallback xmlns="">
           <p:sp>
             <p:nvSpPr>
               <p:cNvPr id="9" name="CuadroTexto 8">
@@ -32411,7 +29759,13 @@
   <p:cSld>
     <p:spTree>
       <p:nvGrpSpPr>
-        <p:cNvPr id="1" name=""/>
+        <p:cNvPr id="1" name="">
+          <a:extLst>
+            <a:ext uri="{FF2B5EF4-FFF2-40B4-BE49-F238E27FC236}">
+              <a16:creationId xmlns:a16="http://schemas.microsoft.com/office/drawing/2014/main" id="{9B940168-431B-B65B-6BC4-1E4527095A29}"/>
+            </a:ext>
+          </a:extLst>
+        </p:cNvPr>
         <p:cNvGrpSpPr/>
         <p:nvPr/>
       </p:nvGrpSpPr>
@@ -32428,7 +29782,7 @@
           <p:cNvPr id="2" name="Título 1">
             <a:extLst>
               <a:ext uri="{FF2B5EF4-FFF2-40B4-BE49-F238E27FC236}">
-                <a16:creationId xmlns:a16="http://schemas.microsoft.com/office/drawing/2014/main" id="{FB1B6180-BCA0-4F51-9F68-9E5BAB8A4FDC}"/>
+                <a16:creationId xmlns:a16="http://schemas.microsoft.com/office/drawing/2014/main" id="{AC89ABE0-9A19-5CC5-4B61-879F54886C66}"/>
               </a:ext>
             </a:extLst>
           </p:cNvPr>
@@ -32441,18 +29795,20 @@
         </p:nvSpPr>
         <p:spPr>
           <a:xfrm>
-            <a:off x="2036078" y="2847975"/>
+            <a:off x="2050926" y="1340768"/>
             <a:ext cx="5456585" cy="1162050"/>
           </a:xfrm>
         </p:spPr>
         <p:txBody>
-          <a:bodyPr/>
+          <a:bodyPr>
+            <a:normAutofit/>
+          </a:bodyPr>
           <a:lstStyle/>
           <a:p>
             <a:pPr algn="ctr"/>
             <a:r>
-              <a:rPr lang="es-CO" b="1"/>
-              <a:t>¿Qué cree usted que es la transformada Z?</a:t>
+              <a:rPr lang="es-CO" b="1" dirty="0"/>
+              <a:t>Teoremas de la transformada de Laplace</a:t>
             </a:r>
           </a:p>
         </p:txBody>
@@ -32462,7 +29818,7 @@
           <p:cNvPr id="10" name="1 Título">
             <a:extLst>
               <a:ext uri="{FF2B5EF4-FFF2-40B4-BE49-F238E27FC236}">
-                <a16:creationId xmlns:a16="http://schemas.microsoft.com/office/drawing/2014/main" id="{AF4E183E-A171-4923-A99E-D149888CEC37}"/>
+                <a16:creationId xmlns:a16="http://schemas.microsoft.com/office/drawing/2014/main" id="{B44EC515-5B24-BF20-B898-CA81C5CA1C28}"/>
               </a:ext>
             </a:extLst>
           </p:cNvPr>
@@ -32650,7 +30006,7 @@
           <a:p>
             <a:pPr algn="ctr" eaLnBrk="1" hangingPunct="1"/>
             <a:r>
-              <a:rPr lang="es-CO" altLang="es-CO" sz="3600" b="0"/>
+              <a:rPr lang="es-CO" altLang="es-CO" sz="3600" b="0" dirty="0"/>
               <a:t>9</a:t>
             </a:r>
           </a:p>
@@ -32661,7 +30017,7 @@
           <p:cNvPr id="14" name="Picture 4" descr="Programas - Intranet ETITC">
             <a:extLst>
               <a:ext uri="{FF2B5EF4-FFF2-40B4-BE49-F238E27FC236}">
-                <a16:creationId xmlns:a16="http://schemas.microsoft.com/office/drawing/2014/main" id="{EC83F540-C4A2-EE56-0418-B8CD7CA17275}"/>
+                <a16:creationId xmlns:a16="http://schemas.microsoft.com/office/drawing/2014/main" id="{9CCB0B99-CC79-7B65-F8F7-D6D851495FB2}"/>
               </a:ext>
             </a:extLst>
           </p:cNvPr>
@@ -32708,7 +30064,7 @@
           <p:cNvPr id="5" name="2 Subtítulo">
             <a:extLst>
               <a:ext uri="{FF2B5EF4-FFF2-40B4-BE49-F238E27FC236}">
-                <a16:creationId xmlns:a16="http://schemas.microsoft.com/office/drawing/2014/main" id="{AD83FA30-4A3C-43B8-17CD-C08519129156}"/>
+                <a16:creationId xmlns:a16="http://schemas.microsoft.com/office/drawing/2014/main" id="{D4AD0D0A-0615-2A52-EAF2-D43A350094D0}"/>
               </a:ext>
             </a:extLst>
           </p:cNvPr>
@@ -32930,10 +30286,694 @@
           </a:p>
         </p:txBody>
       </p:sp>
+      <mc:AlternateContent xmlns:mc="http://schemas.openxmlformats.org/markup-compatibility/2006">
+        <mc:Choice xmlns:a14="http://schemas.microsoft.com/office/drawing/2010/main" Requires="a14">
+          <p:sp>
+            <p:nvSpPr>
+              <p:cNvPr id="3" name="CuadroTexto 2">
+                <a:extLst>
+                  <a:ext uri="{FF2B5EF4-FFF2-40B4-BE49-F238E27FC236}">
+                    <a16:creationId xmlns:a16="http://schemas.microsoft.com/office/drawing/2014/main" id="{D4950FB6-6E65-6679-F576-6041F9E1FFFC}"/>
+                  </a:ext>
+                </a:extLst>
+              </p:cNvPr>
+              <p:cNvSpPr txBox="1"/>
+              <p:nvPr/>
+            </p:nvSpPr>
+            <p:spPr>
+              <a:xfrm>
+                <a:off x="3883684" y="2945199"/>
+                <a:ext cx="1791068" cy="276999"/>
+              </a:xfrm>
+              <a:prstGeom prst="rect">
+                <a:avLst/>
+              </a:prstGeom>
+              <a:noFill/>
+            </p:spPr>
+            <p:txBody>
+              <a:bodyPr wrap="none" lIns="0" tIns="0" rIns="0" bIns="0" rtlCol="0">
+                <a:spAutoFit/>
+              </a:bodyPr>
+              <a:lstStyle/>
+              <a:p>
+                <a14:m>
+                  <m:oMathPara xmlns:m="http://schemas.openxmlformats.org/officeDocument/2006/math">
+                    <m:oMathParaPr>
+                      <m:jc m:val="centerGroup"/>
+                    </m:oMathParaPr>
+                    <m:oMath xmlns:m="http://schemas.openxmlformats.org/officeDocument/2006/math">
+                      <m:r>
+                        <a:rPr lang="es-CO" b="0" i="1" smtClean="0">
+                          <a:latin typeface="Cambria Math" panose="02040503050406030204" pitchFamily="18" charset="0"/>
+                        </a:rPr>
+                        <m:t>𝐿</m:t>
+                      </m:r>
+                      <m:d>
+                        <m:dPr>
+                          <m:begChr m:val="{"/>
+                          <m:endChr m:val="}"/>
+                          <m:ctrlPr>
+                            <a:rPr lang="es-CO" b="0" i="1" smtClean="0">
+                              <a:latin typeface="Cambria Math" panose="02040503050406030204" pitchFamily="18" charset="0"/>
+                            </a:rPr>
+                          </m:ctrlPr>
+                        </m:dPr>
+                        <m:e>
+                          <m:r>
+                            <a:rPr lang="es-CO" b="0" i="1" smtClean="0">
+                              <a:latin typeface="Cambria Math" panose="02040503050406030204" pitchFamily="18" charset="0"/>
+                            </a:rPr>
+                            <m:t>𝑘𝑓</m:t>
+                          </m:r>
+                          <m:d>
+                            <m:dPr>
+                              <m:ctrlPr>
+                                <a:rPr lang="es-CO" b="0" i="1" smtClean="0">
+                                  <a:latin typeface="Cambria Math" panose="02040503050406030204" pitchFamily="18" charset="0"/>
+                                </a:rPr>
+                              </m:ctrlPr>
+                            </m:dPr>
+                            <m:e>
+                              <m:r>
+                                <a:rPr lang="es-CO" b="0" i="1" smtClean="0">
+                                  <a:latin typeface="Cambria Math" panose="02040503050406030204" pitchFamily="18" charset="0"/>
+                                </a:rPr>
+                                <m:t>𝑡</m:t>
+                              </m:r>
+                            </m:e>
+                          </m:d>
+                        </m:e>
+                      </m:d>
+                      <m:r>
+                        <a:rPr lang="es-CO" b="0" i="1" smtClean="0">
+                          <a:latin typeface="Cambria Math" panose="02040503050406030204" pitchFamily="18" charset="0"/>
+                        </a:rPr>
+                        <m:t>=</m:t>
+                      </m:r>
+                      <m:r>
+                        <a:rPr lang="es-CO" b="0" i="1" smtClean="0">
+                          <a:latin typeface="Cambria Math" panose="02040503050406030204" pitchFamily="18" charset="0"/>
+                        </a:rPr>
+                        <m:t>𝑘𝐹</m:t>
+                      </m:r>
+                      <m:r>
+                        <a:rPr lang="es-CO" b="0" i="1" smtClean="0">
+                          <a:latin typeface="Cambria Math" panose="02040503050406030204" pitchFamily="18" charset="0"/>
+                        </a:rPr>
+                        <m:t>(</m:t>
+                      </m:r>
+                      <m:r>
+                        <a:rPr lang="es-CO" b="0" i="1" smtClean="0">
+                          <a:latin typeface="Cambria Math" panose="02040503050406030204" pitchFamily="18" charset="0"/>
+                        </a:rPr>
+                        <m:t>𝑠</m:t>
+                      </m:r>
+                      <m:r>
+                        <a:rPr lang="es-CO" b="0" i="1" smtClean="0">
+                          <a:latin typeface="Cambria Math" panose="02040503050406030204" pitchFamily="18" charset="0"/>
+                        </a:rPr>
+                        <m:t>)</m:t>
+                      </m:r>
+                    </m:oMath>
+                  </m:oMathPara>
+                </a14:m>
+                <a:endParaRPr lang="es-CO" dirty="0"/>
+              </a:p>
+            </p:txBody>
+          </p:sp>
+        </mc:Choice>
+        <mc:Fallback>
+          <p:sp>
+            <p:nvSpPr>
+              <p:cNvPr id="3" name="CuadroTexto 2">
+                <a:extLst>
+                  <a:ext uri="{FF2B5EF4-FFF2-40B4-BE49-F238E27FC236}">
+                    <a16:creationId xmlns:a16="http://schemas.microsoft.com/office/drawing/2014/main" id="{D4950FB6-6E65-6679-F576-6041F9E1FFFC}"/>
+                  </a:ext>
+                </a:extLst>
+              </p:cNvPr>
+              <p:cNvSpPr txBox="1">
+                <a:spLocks noRot="1" noChangeAspect="1" noMove="1" noResize="1" noEditPoints="1" noAdjustHandles="1" noChangeArrowheads="1" noChangeShapeType="1" noTextEdit="1"/>
+              </p:cNvSpPr>
+              <p:nvPr/>
+            </p:nvSpPr>
+            <p:spPr>
+              <a:xfrm>
+                <a:off x="3883684" y="2945199"/>
+                <a:ext cx="1791068" cy="276999"/>
+              </a:xfrm>
+              <a:prstGeom prst="rect">
+                <a:avLst/>
+              </a:prstGeom>
+              <a:blipFill>
+                <a:blip r:embed="rId3"/>
+                <a:stretch>
+                  <a:fillRect l="-2381" t="-2174" r="-4422" b="-32609"/>
+                </a:stretch>
+              </a:blipFill>
+            </p:spPr>
+            <p:txBody>
+              <a:bodyPr/>
+              <a:lstStyle/>
+              <a:p>
+                <a:r>
+                  <a:rPr lang="es-CO">
+                    <a:noFill/>
+                  </a:rPr>
+                  <a:t> </a:t>
+                </a:r>
+              </a:p>
+            </p:txBody>
+          </p:sp>
+        </mc:Fallback>
+      </mc:AlternateContent>
+      <mc:AlternateContent xmlns:mc="http://schemas.openxmlformats.org/markup-compatibility/2006">
+        <mc:Choice xmlns:a14="http://schemas.microsoft.com/office/drawing/2010/main" Requires="a14">
+          <p:sp>
+            <p:nvSpPr>
+              <p:cNvPr id="11" name="CuadroTexto 10">
+                <a:extLst>
+                  <a:ext uri="{FF2B5EF4-FFF2-40B4-BE49-F238E27FC236}">
+                    <a16:creationId xmlns:a16="http://schemas.microsoft.com/office/drawing/2014/main" id="{8446D89A-21BE-FE60-F47D-FA38A1FE58E0}"/>
+                  </a:ext>
+                </a:extLst>
+              </p:cNvPr>
+              <p:cNvSpPr txBox="1"/>
+              <p:nvPr/>
+            </p:nvSpPr>
+            <p:spPr>
+              <a:xfrm>
+                <a:off x="3164032" y="3387580"/>
+                <a:ext cx="3230372" cy="276999"/>
+              </a:xfrm>
+              <a:prstGeom prst="rect">
+                <a:avLst/>
+              </a:prstGeom>
+              <a:noFill/>
+            </p:spPr>
+            <p:txBody>
+              <a:bodyPr wrap="none" lIns="0" tIns="0" rIns="0" bIns="0" rtlCol="0">
+                <a:spAutoFit/>
+              </a:bodyPr>
+              <a:lstStyle/>
+              <a:p>
+                <a14:m>
+                  <m:oMathPara xmlns:m="http://schemas.openxmlformats.org/officeDocument/2006/math">
+                    <m:oMathParaPr>
+                      <m:jc m:val="centerGroup"/>
+                    </m:oMathParaPr>
+                    <m:oMath xmlns:m="http://schemas.openxmlformats.org/officeDocument/2006/math">
+                      <m:r>
+                        <a:rPr lang="es-CO" b="0" i="1" smtClean="0">
+                          <a:latin typeface="Cambria Math" panose="02040503050406030204" pitchFamily="18" charset="0"/>
+                        </a:rPr>
+                        <m:t>𝐿</m:t>
+                      </m:r>
+                      <m:d>
+                        <m:dPr>
+                          <m:begChr m:val="{"/>
+                          <m:endChr m:val="}"/>
+                          <m:ctrlPr>
+                            <a:rPr lang="es-CO" b="0" i="1" smtClean="0">
+                              <a:latin typeface="Cambria Math" panose="02040503050406030204" pitchFamily="18" charset="0"/>
+                            </a:rPr>
+                          </m:ctrlPr>
+                        </m:dPr>
+                        <m:e>
+                          <m:sSub>
+                            <m:sSubPr>
+                              <m:ctrlPr>
+                                <a:rPr lang="es-CO" b="0" i="1" smtClean="0">
+                                  <a:latin typeface="Cambria Math" panose="02040503050406030204" pitchFamily="18" charset="0"/>
+                                </a:rPr>
+                              </m:ctrlPr>
+                            </m:sSubPr>
+                            <m:e>
+                              <m:r>
+                                <a:rPr lang="es-CO" b="0" i="1" smtClean="0">
+                                  <a:latin typeface="Cambria Math" panose="02040503050406030204" pitchFamily="18" charset="0"/>
+                                </a:rPr>
+                                <m:t>𝑓</m:t>
+                              </m:r>
+                            </m:e>
+                            <m:sub>
+                              <m:r>
+                                <a:rPr lang="es-CO" b="0" i="1" smtClean="0">
+                                  <a:latin typeface="Cambria Math" panose="02040503050406030204" pitchFamily="18" charset="0"/>
+                                </a:rPr>
+                                <m:t>1</m:t>
+                              </m:r>
+                            </m:sub>
+                          </m:sSub>
+                          <m:d>
+                            <m:dPr>
+                              <m:ctrlPr>
+                                <a:rPr lang="es-CO" b="0" i="1" smtClean="0">
+                                  <a:latin typeface="Cambria Math" panose="02040503050406030204" pitchFamily="18" charset="0"/>
+                                </a:rPr>
+                              </m:ctrlPr>
+                            </m:dPr>
+                            <m:e>
+                              <m:r>
+                                <a:rPr lang="es-CO" b="0" i="1" smtClean="0">
+                                  <a:latin typeface="Cambria Math" panose="02040503050406030204" pitchFamily="18" charset="0"/>
+                                </a:rPr>
+                                <m:t>𝑡</m:t>
+                              </m:r>
+                            </m:e>
+                          </m:d>
+                          <m:r>
+                            <a:rPr lang="es-CO" b="0" i="1" smtClean="0">
+                              <a:latin typeface="Cambria Math" panose="02040503050406030204" pitchFamily="18" charset="0"/>
+                            </a:rPr>
+                            <m:t>+</m:t>
+                          </m:r>
+                          <m:sSub>
+                            <m:sSubPr>
+                              <m:ctrlPr>
+                                <a:rPr lang="es-CO" b="0" i="1" smtClean="0">
+                                  <a:latin typeface="Cambria Math" panose="02040503050406030204" pitchFamily="18" charset="0"/>
+                                </a:rPr>
+                              </m:ctrlPr>
+                            </m:sSubPr>
+                            <m:e>
+                              <m:r>
+                                <a:rPr lang="es-CO" b="0" i="1" smtClean="0">
+                                  <a:latin typeface="Cambria Math" panose="02040503050406030204" pitchFamily="18" charset="0"/>
+                                </a:rPr>
+                                <m:t>𝑓</m:t>
+                              </m:r>
+                            </m:e>
+                            <m:sub>
+                              <m:r>
+                                <a:rPr lang="es-CO" b="0" i="1" smtClean="0">
+                                  <a:latin typeface="Cambria Math" panose="02040503050406030204" pitchFamily="18" charset="0"/>
+                                </a:rPr>
+                                <m:t>2</m:t>
+                              </m:r>
+                            </m:sub>
+                          </m:sSub>
+                          <m:r>
+                            <a:rPr lang="es-CO" b="0" i="1" smtClean="0">
+                              <a:latin typeface="Cambria Math" panose="02040503050406030204" pitchFamily="18" charset="0"/>
+                            </a:rPr>
+                            <m:t>(</m:t>
+                          </m:r>
+                          <m:r>
+                            <a:rPr lang="es-CO" b="0" i="1" smtClean="0">
+                              <a:latin typeface="Cambria Math" panose="02040503050406030204" pitchFamily="18" charset="0"/>
+                            </a:rPr>
+                            <m:t>𝑡</m:t>
+                          </m:r>
+                          <m:r>
+                            <a:rPr lang="es-CO" b="0" i="1" smtClean="0">
+                              <a:latin typeface="Cambria Math" panose="02040503050406030204" pitchFamily="18" charset="0"/>
+                            </a:rPr>
+                            <m:t>)</m:t>
+                          </m:r>
+                        </m:e>
+                      </m:d>
+                      <m:r>
+                        <a:rPr lang="es-CO" b="0" i="1" smtClean="0">
+                          <a:latin typeface="Cambria Math" panose="02040503050406030204" pitchFamily="18" charset="0"/>
+                        </a:rPr>
+                        <m:t>=</m:t>
+                      </m:r>
+                      <m:sSub>
+                        <m:sSubPr>
+                          <m:ctrlPr>
+                            <a:rPr lang="es-CO" b="0" i="1" smtClean="0">
+                              <a:latin typeface="Cambria Math" panose="02040503050406030204" pitchFamily="18" charset="0"/>
+                            </a:rPr>
+                          </m:ctrlPr>
+                        </m:sSubPr>
+                        <m:e>
+                          <m:r>
+                            <a:rPr lang="es-CO" b="0" i="1" smtClean="0">
+                              <a:latin typeface="Cambria Math" panose="02040503050406030204" pitchFamily="18" charset="0"/>
+                            </a:rPr>
+                            <m:t>𝐹</m:t>
+                          </m:r>
+                        </m:e>
+                        <m:sub>
+                          <m:r>
+                            <a:rPr lang="es-CO" b="0" i="1" smtClean="0">
+                              <a:latin typeface="Cambria Math" panose="02040503050406030204" pitchFamily="18" charset="0"/>
+                            </a:rPr>
+                            <m:t>1</m:t>
+                          </m:r>
+                        </m:sub>
+                      </m:sSub>
+                      <m:d>
+                        <m:dPr>
+                          <m:ctrlPr>
+                            <a:rPr lang="es-CO" b="0" i="1" smtClean="0">
+                              <a:latin typeface="Cambria Math" panose="02040503050406030204" pitchFamily="18" charset="0"/>
+                            </a:rPr>
+                          </m:ctrlPr>
+                        </m:dPr>
+                        <m:e>
+                          <m:r>
+                            <a:rPr lang="es-CO" b="0" i="1" smtClean="0">
+                              <a:latin typeface="Cambria Math" panose="02040503050406030204" pitchFamily="18" charset="0"/>
+                            </a:rPr>
+                            <m:t>𝑠</m:t>
+                          </m:r>
+                        </m:e>
+                      </m:d>
+                      <m:r>
+                        <a:rPr lang="es-CO" b="0" i="1" smtClean="0">
+                          <a:latin typeface="Cambria Math" panose="02040503050406030204" pitchFamily="18" charset="0"/>
+                        </a:rPr>
+                        <m:t>+</m:t>
+                      </m:r>
+                      <m:sSub>
+                        <m:sSubPr>
+                          <m:ctrlPr>
+                            <a:rPr lang="es-CO" b="0" i="1" smtClean="0">
+                              <a:latin typeface="Cambria Math" panose="02040503050406030204" pitchFamily="18" charset="0"/>
+                            </a:rPr>
+                          </m:ctrlPr>
+                        </m:sSubPr>
+                        <m:e>
+                          <m:r>
+                            <a:rPr lang="es-CO" b="0" i="1" smtClean="0">
+                              <a:latin typeface="Cambria Math" panose="02040503050406030204" pitchFamily="18" charset="0"/>
+                            </a:rPr>
+                            <m:t>𝐹</m:t>
+                          </m:r>
+                        </m:e>
+                        <m:sub>
+                          <m:r>
+                            <a:rPr lang="es-CO" b="0" i="1" smtClean="0">
+                              <a:latin typeface="Cambria Math" panose="02040503050406030204" pitchFamily="18" charset="0"/>
+                            </a:rPr>
+                            <m:t>2</m:t>
+                          </m:r>
+                        </m:sub>
+                      </m:sSub>
+                      <m:r>
+                        <a:rPr lang="es-CO" b="0" i="1" smtClean="0">
+                          <a:latin typeface="Cambria Math" panose="02040503050406030204" pitchFamily="18" charset="0"/>
+                        </a:rPr>
+                        <m:t>(</m:t>
+                      </m:r>
+                      <m:r>
+                        <a:rPr lang="es-CO" b="0" i="1" smtClean="0">
+                          <a:latin typeface="Cambria Math" panose="02040503050406030204" pitchFamily="18" charset="0"/>
+                        </a:rPr>
+                        <m:t>𝑠</m:t>
+                      </m:r>
+                      <m:r>
+                        <a:rPr lang="es-CO" b="0" i="1" smtClean="0">
+                          <a:latin typeface="Cambria Math" panose="02040503050406030204" pitchFamily="18" charset="0"/>
+                        </a:rPr>
+                        <m:t>)</m:t>
+                      </m:r>
+                    </m:oMath>
+                  </m:oMathPara>
+                </a14:m>
+                <a:endParaRPr lang="es-CO" dirty="0"/>
+              </a:p>
+            </p:txBody>
+          </p:sp>
+        </mc:Choice>
+        <mc:Fallback>
+          <p:sp>
+            <p:nvSpPr>
+              <p:cNvPr id="11" name="CuadroTexto 10">
+                <a:extLst>
+                  <a:ext uri="{FF2B5EF4-FFF2-40B4-BE49-F238E27FC236}">
+                    <a16:creationId xmlns:a16="http://schemas.microsoft.com/office/drawing/2014/main" id="{8446D89A-21BE-FE60-F47D-FA38A1FE58E0}"/>
+                  </a:ext>
+                </a:extLst>
+              </p:cNvPr>
+              <p:cNvSpPr txBox="1">
+                <a:spLocks noRot="1" noChangeAspect="1" noMove="1" noResize="1" noEditPoints="1" noAdjustHandles="1" noChangeArrowheads="1" noChangeShapeType="1" noTextEdit="1"/>
+              </p:cNvSpPr>
+              <p:nvPr/>
+            </p:nvSpPr>
+            <p:spPr>
+              <a:xfrm>
+                <a:off x="3164032" y="3387580"/>
+                <a:ext cx="3230372" cy="276999"/>
+              </a:xfrm>
+              <a:prstGeom prst="rect">
+                <a:avLst/>
+              </a:prstGeom>
+              <a:blipFill>
+                <a:blip r:embed="rId4"/>
+                <a:stretch>
+                  <a:fillRect l="-1132" t="-4444" r="-2264" b="-35556"/>
+                </a:stretch>
+              </a:blipFill>
+            </p:spPr>
+            <p:txBody>
+              <a:bodyPr/>
+              <a:lstStyle/>
+              <a:p>
+                <a:r>
+                  <a:rPr lang="es-CO">
+                    <a:noFill/>
+                  </a:rPr>
+                  <a:t> </a:t>
+                </a:r>
+              </a:p>
+            </p:txBody>
+          </p:sp>
+        </mc:Fallback>
+      </mc:AlternateContent>
+      <mc:AlternateContent xmlns:mc="http://schemas.openxmlformats.org/markup-compatibility/2006">
+        <mc:Choice xmlns:a14="http://schemas.microsoft.com/office/drawing/2010/main" Requires="a14">
+          <p:sp>
+            <p:nvSpPr>
+              <p:cNvPr id="12" name="CuadroTexto 11">
+                <a:extLst>
+                  <a:ext uri="{FF2B5EF4-FFF2-40B4-BE49-F238E27FC236}">
+                    <a16:creationId xmlns:a16="http://schemas.microsoft.com/office/drawing/2014/main" id="{AEAE2412-C353-992D-38D7-F64FE64F9F45}"/>
+                  </a:ext>
+                </a:extLst>
+              </p:cNvPr>
+              <p:cNvSpPr txBox="1"/>
+              <p:nvPr/>
+            </p:nvSpPr>
+            <p:spPr>
+              <a:xfrm>
+                <a:off x="3164032" y="3829961"/>
+                <a:ext cx="2596801" cy="617861"/>
+              </a:xfrm>
+              <a:prstGeom prst="rect">
+                <a:avLst/>
+              </a:prstGeom>
+              <a:noFill/>
+            </p:spPr>
+            <p:txBody>
+              <a:bodyPr wrap="none" lIns="0" tIns="0" rIns="0" bIns="0" rtlCol="0">
+                <a:spAutoFit/>
+              </a:bodyPr>
+              <a:lstStyle/>
+              <a:p>
+                <a14:m>
+                  <m:oMathPara xmlns:m="http://schemas.openxmlformats.org/officeDocument/2006/math">
+                    <m:oMathParaPr>
+                      <m:jc m:val="centerGroup"/>
+                    </m:oMathParaPr>
+                    <m:oMath xmlns:m="http://schemas.openxmlformats.org/officeDocument/2006/math">
+                      <m:r>
+                        <a:rPr lang="es-CO" b="0" i="1" smtClean="0">
+                          <a:latin typeface="Cambria Math" panose="02040503050406030204" pitchFamily="18" charset="0"/>
+                        </a:rPr>
+                        <m:t>𝐿</m:t>
+                      </m:r>
+                      <m:d>
+                        <m:dPr>
+                          <m:begChr m:val="{"/>
+                          <m:endChr m:val="}"/>
+                          <m:ctrlPr>
+                            <a:rPr lang="es-CO" b="0" i="1" smtClean="0">
+                              <a:latin typeface="Cambria Math" panose="02040503050406030204" pitchFamily="18" charset="0"/>
+                            </a:rPr>
+                          </m:ctrlPr>
+                        </m:dPr>
+                        <m:e>
+                          <m:f>
+                            <m:fPr>
+                              <m:ctrlPr>
+                                <a:rPr lang="es-CO" b="0" i="1" smtClean="0">
+                                  <a:latin typeface="Cambria Math" panose="02040503050406030204" pitchFamily="18" charset="0"/>
+                                </a:rPr>
+                              </m:ctrlPr>
+                            </m:fPr>
+                            <m:num>
+                              <m:r>
+                                <a:rPr lang="es-CO" b="0" i="1" smtClean="0">
+                                  <a:latin typeface="Cambria Math" panose="02040503050406030204" pitchFamily="18" charset="0"/>
+                                </a:rPr>
+                                <m:t>𝑑𝑓</m:t>
+                              </m:r>
+                              <m:d>
+                                <m:dPr>
+                                  <m:ctrlPr>
+                                    <a:rPr lang="es-CO" b="0" i="1" smtClean="0">
+                                      <a:latin typeface="Cambria Math" panose="02040503050406030204" pitchFamily="18" charset="0"/>
+                                    </a:rPr>
+                                  </m:ctrlPr>
+                                </m:dPr>
+                                <m:e>
+                                  <m:r>
+                                    <a:rPr lang="es-CO" b="0" i="1" smtClean="0">
+                                      <a:latin typeface="Cambria Math" panose="02040503050406030204" pitchFamily="18" charset="0"/>
+                                    </a:rPr>
+                                    <m:t>𝑡</m:t>
+                                  </m:r>
+                                </m:e>
+                              </m:d>
+                            </m:num>
+                            <m:den>
+                              <m:r>
+                                <a:rPr lang="es-CO" b="0" i="1" smtClean="0">
+                                  <a:latin typeface="Cambria Math" panose="02040503050406030204" pitchFamily="18" charset="0"/>
+                                </a:rPr>
+                                <m:t>𝑑𝑡</m:t>
+                              </m:r>
+                            </m:den>
+                          </m:f>
+                        </m:e>
+                      </m:d>
+                      <m:r>
+                        <a:rPr lang="es-CO" b="0" i="1" smtClean="0">
+                          <a:latin typeface="Cambria Math" panose="02040503050406030204" pitchFamily="18" charset="0"/>
+                        </a:rPr>
+                        <m:t>=</m:t>
+                      </m:r>
+                      <m:r>
+                        <a:rPr lang="es-CO" b="0" i="1" smtClean="0">
+                          <a:latin typeface="Cambria Math" panose="02040503050406030204" pitchFamily="18" charset="0"/>
+                        </a:rPr>
+                        <m:t>𝑠𝐹</m:t>
+                      </m:r>
+                      <m:d>
+                        <m:dPr>
+                          <m:ctrlPr>
+                            <a:rPr lang="es-CO" b="0" i="1" smtClean="0">
+                              <a:latin typeface="Cambria Math" panose="02040503050406030204" pitchFamily="18" charset="0"/>
+                            </a:rPr>
+                          </m:ctrlPr>
+                        </m:dPr>
+                        <m:e>
+                          <m:r>
+                            <a:rPr lang="es-CO" b="0" i="1" smtClean="0">
+                              <a:latin typeface="Cambria Math" panose="02040503050406030204" pitchFamily="18" charset="0"/>
+                            </a:rPr>
+                            <m:t>𝑠</m:t>
+                          </m:r>
+                        </m:e>
+                      </m:d>
+                      <m:r>
+                        <a:rPr lang="es-CO" b="0" i="1" smtClean="0">
+                          <a:latin typeface="Cambria Math" panose="02040503050406030204" pitchFamily="18" charset="0"/>
+                        </a:rPr>
+                        <m:t>−</m:t>
+                      </m:r>
+                      <m:r>
+                        <a:rPr lang="es-CO" b="0" i="1" smtClean="0">
+                          <a:latin typeface="Cambria Math" panose="02040503050406030204" pitchFamily="18" charset="0"/>
+                        </a:rPr>
+                        <m:t>𝑓</m:t>
+                      </m:r>
+                      <m:r>
+                        <a:rPr lang="es-CO" b="0" i="1" smtClean="0">
+                          <a:latin typeface="Cambria Math" panose="02040503050406030204" pitchFamily="18" charset="0"/>
+                        </a:rPr>
+                        <m:t>(0)</m:t>
+                      </m:r>
+                    </m:oMath>
+                  </m:oMathPara>
+                </a14:m>
+                <a:endParaRPr lang="es-CO" dirty="0"/>
+              </a:p>
+            </p:txBody>
+          </p:sp>
+        </mc:Choice>
+        <mc:Fallback>
+          <p:sp>
+            <p:nvSpPr>
+              <p:cNvPr id="12" name="CuadroTexto 11">
+                <a:extLst>
+                  <a:ext uri="{FF2B5EF4-FFF2-40B4-BE49-F238E27FC236}">
+                    <a16:creationId xmlns:a16="http://schemas.microsoft.com/office/drawing/2014/main" id="{AEAE2412-C353-992D-38D7-F64FE64F9F45}"/>
+                  </a:ext>
+                </a:extLst>
+              </p:cNvPr>
+              <p:cNvSpPr txBox="1">
+                <a:spLocks noRot="1" noChangeAspect="1" noMove="1" noResize="1" noEditPoints="1" noAdjustHandles="1" noChangeArrowheads="1" noChangeShapeType="1" noTextEdit="1"/>
+              </p:cNvSpPr>
+              <p:nvPr/>
+            </p:nvSpPr>
+            <p:spPr>
+              <a:xfrm>
+                <a:off x="3164032" y="3829961"/>
+                <a:ext cx="2596801" cy="617861"/>
+              </a:xfrm>
+              <a:prstGeom prst="rect">
+                <a:avLst/>
+              </a:prstGeom>
+              <a:blipFill>
+                <a:blip r:embed="rId5"/>
+                <a:stretch>
+                  <a:fillRect/>
+                </a:stretch>
+              </a:blipFill>
+            </p:spPr>
+            <p:txBody>
+              <a:bodyPr/>
+              <a:lstStyle/>
+              <a:p>
+                <a:r>
+                  <a:rPr lang="es-CO">
+                    <a:noFill/>
+                  </a:rPr>
+                  <a:t> </a:t>
+                </a:r>
+              </a:p>
+            </p:txBody>
+          </p:sp>
+        </mc:Fallback>
+      </mc:AlternateContent>
+      <p:pic>
+        <p:nvPicPr>
+          <p:cNvPr id="16" name="Imagen 15">
+            <a:extLst>
+              <a:ext uri="{FF2B5EF4-FFF2-40B4-BE49-F238E27FC236}">
+                <a16:creationId xmlns:a16="http://schemas.microsoft.com/office/drawing/2014/main" id="{01A7CA1A-8623-7A6A-080F-CFC68FF7F3BA}"/>
+              </a:ext>
+            </a:extLst>
+          </p:cNvPr>
+          <p:cNvPicPr>
+            <a:picLocks noChangeAspect="1"/>
+          </p:cNvPicPr>
+          <p:nvPr/>
+        </p:nvPicPr>
+        <p:blipFill>
+          <a:blip r:embed="rId6"/>
+          <a:stretch>
+            <a:fillRect/>
+          </a:stretch>
+        </p:blipFill>
+        <p:spPr>
+          <a:xfrm>
+            <a:off x="1626003" y="4665156"/>
+            <a:ext cx="6306430" cy="971686"/>
+          </a:xfrm>
+          <a:prstGeom prst="rect">
+            <a:avLst/>
+          </a:prstGeom>
+        </p:spPr>
+      </p:pic>
     </p:spTree>
     <p:extLst>
       <p:ext uri="{BB962C8B-B14F-4D97-AF65-F5344CB8AC3E}">
-        <p14:creationId xmlns:p14="http://schemas.microsoft.com/office/powerpoint/2010/main" val="1894837781"/>
+        <p14:creationId xmlns:p14="http://schemas.microsoft.com/office/powerpoint/2010/main" val="3615389890"/>
       </p:ext>
     </p:extLst>
   </p:cSld>
@@ -33805,20 +31845,20 @@
 </file>
 
 <file path=customXml/item1.xml><?xml version="1.0" encoding="utf-8"?>
+<p:properties xmlns:p="http://schemas.microsoft.com/office/2006/metadata/properties" xmlns:xsi="http://www.w3.org/2001/XMLSchema-instance" xmlns:pc="http://schemas.microsoft.com/office/infopath/2007/PartnerControls">
+  <documentManagement>
+    <_activity xmlns="bdc56f61-abc0-4f7e-bfec-a93ccd1ae886" xsi:nil="true"/>
+  </documentManagement>
+</p:properties>
+</file>
+
+<file path=customXml/item2.xml><?xml version="1.0" encoding="utf-8"?>
 <?mso-contentType ?>
 <FormTemplates xmlns="http://schemas.microsoft.com/sharepoint/v3/contenttype/forms">
   <Display>DocumentLibraryForm</Display>
   <Edit>DocumentLibraryForm</Edit>
   <New>DocumentLibraryForm</New>
 </FormTemplates>
-</file>
-
-<file path=customXml/item2.xml><?xml version="1.0" encoding="utf-8"?>
-<p:properties xmlns:p="http://schemas.microsoft.com/office/2006/metadata/properties" xmlns:xsi="http://www.w3.org/2001/XMLSchema-instance" xmlns:pc="http://schemas.microsoft.com/office/infopath/2007/PartnerControls">
-  <documentManagement>
-    <_activity xmlns="bdc56f61-abc0-4f7e-bfec-a93ccd1ae886" xsi:nil="true"/>
-  </documentManagement>
-</p:properties>
 </file>
 
 <file path=customXml/item3.xml><?xml version="1.0" encoding="utf-8"?>
@@ -34057,14 +32097,6 @@
 </file>
 
 <file path=customXml/itemProps1.xml><?xml version="1.0" encoding="utf-8"?>
-<ds:datastoreItem xmlns:ds="http://schemas.openxmlformats.org/officeDocument/2006/customXml" ds:itemID="{4E8623C8-32E1-48B0-9F0A-13F2E9582B7E}">
-  <ds:schemaRefs>
-    <ds:schemaRef ds:uri="http://schemas.microsoft.com/sharepoint/v3/contenttype/forms"/>
-  </ds:schemaRefs>
-</ds:datastoreItem>
-</file>
-
-<file path=customXml/itemProps2.xml><?xml version="1.0" encoding="utf-8"?>
 <ds:datastoreItem xmlns:ds="http://schemas.openxmlformats.org/officeDocument/2006/customXml" ds:itemID="{0825853C-1B27-4995-A583-4D39F900BB7F}">
   <ds:schemaRefs>
     <ds:schemaRef ds:uri="669280c1-d17e-4d1d-bd7f-b4f14cc6bf1d"/>
@@ -34077,6 +32109,14 @@
     <ds:schemaRef ds:uri="http://schemas.microsoft.com/office/infopath/2007/PartnerControls"/>
     <ds:schemaRef ds:uri="http://schemas.openxmlformats.org/package/2006/metadata/core-properties"/>
     <ds:schemaRef ds:uri="http://www.w3.org/XML/1998/namespace"/>
+  </ds:schemaRefs>
+</ds:datastoreItem>
+</file>
+
+<file path=customXml/itemProps2.xml><?xml version="1.0" encoding="utf-8"?>
+<ds:datastoreItem xmlns:ds="http://schemas.openxmlformats.org/officeDocument/2006/customXml" ds:itemID="{4E8623C8-32E1-48B0-9F0A-13F2E9582B7E}">
+  <ds:schemaRefs>
+    <ds:schemaRef ds:uri="http://schemas.microsoft.com/sharepoint/v3/contenttype/forms"/>
   </ds:schemaRefs>
 </ds:datastoreItem>
 </file>
